--- a/year 1 sem 2 Applied Informatics/Course Project/Project Presentation.pptx
+++ b/year 1 sem 2 Applied Informatics/Course Project/Project Presentation.pptx
@@ -2,10 +2,18 @@
 <file path=ppt/presentation.xml><?xml version="1.0" encoding="utf-8"?>
 <p:presentation xmlns:a="http://schemas.openxmlformats.org/drawingml/2006/main" xmlns:r="http://schemas.openxmlformats.org/officeDocument/2006/relationships" xmlns:p="http://schemas.openxmlformats.org/presentationml/2006/main" saveSubsetFonts="1">
   <p:sldMasterIdLst>
-    <p:sldMasterId id="2147483673" r:id="rId1"/>
+    <p:sldMasterId id="2147483710" r:id="rId1"/>
   </p:sldMasterIdLst>
   <p:sldIdLst>
     <p:sldId id="256" r:id="rId2"/>
+    <p:sldId id="257" r:id="rId3"/>
+    <p:sldId id="258" r:id="rId4"/>
+    <p:sldId id="259" r:id="rId5"/>
+    <p:sldId id="260" r:id="rId6"/>
+    <p:sldId id="261" r:id="rId7"/>
+    <p:sldId id="265" r:id="rId8"/>
+    <p:sldId id="264" r:id="rId9"/>
+    <p:sldId id="262" r:id="rId10"/>
   </p:sldIdLst>
   <p:sldSz cx="12192000" cy="6858000"/>
   <p:notesSz cx="6858000" cy="9144000"/>
@@ -104,7 +112,3159 @@
       </a:defRPr>
     </a:lvl9pPr>
   </p:defaultTextStyle>
+  <p:extLst>
+    <p:ext uri="{EFAFB233-063F-42B5-8137-9DF3F51BA10A}">
+      <p15:sldGuideLst xmlns:p15="http://schemas.microsoft.com/office/powerpoint/2012/main"/>
+    </p:ext>
+  </p:extLst>
 </p:presentation>
+</file>
+
+<file path=ppt/diagrams/colors1.xml><?xml version="1.0" encoding="utf-8"?>
+<dgm:colorsDef xmlns:dgm="http://schemas.openxmlformats.org/drawingml/2006/diagram" xmlns:a="http://schemas.openxmlformats.org/drawingml/2006/main" uniqueId="urn:microsoft.com/office/officeart/2005/8/colors/accent1_2">
+  <dgm:title val=""/>
+  <dgm:desc val=""/>
+  <dgm:catLst>
+    <dgm:cat type="accent1" pri="11200"/>
+  </dgm:catLst>
+  <dgm:styleLbl name="node0">
+    <dgm:fillClrLst meth="repeat">
+      <a:schemeClr val="accent1"/>
+    </dgm:fillClrLst>
+    <dgm:linClrLst meth="repeat">
+      <a:schemeClr val="lt1"/>
+    </dgm:linClrLst>
+    <dgm:effectClrLst/>
+    <dgm:txLinClrLst/>
+    <dgm:txFillClrLst/>
+    <dgm:txEffectClrLst/>
+  </dgm:styleLbl>
+  <dgm:styleLbl name="alignNode1">
+    <dgm:fillClrLst meth="repeat">
+      <a:schemeClr val="accent1"/>
+    </dgm:fillClrLst>
+    <dgm:linClrLst meth="repeat">
+      <a:schemeClr val="accent1"/>
+    </dgm:linClrLst>
+    <dgm:effectClrLst/>
+    <dgm:txLinClrLst/>
+    <dgm:txFillClrLst/>
+    <dgm:txEffectClrLst/>
+  </dgm:styleLbl>
+  <dgm:styleLbl name="node1">
+    <dgm:fillClrLst meth="repeat">
+      <a:schemeClr val="accent1"/>
+    </dgm:fillClrLst>
+    <dgm:linClrLst meth="repeat">
+      <a:schemeClr val="lt1"/>
+    </dgm:linClrLst>
+    <dgm:effectClrLst/>
+    <dgm:txLinClrLst/>
+    <dgm:txFillClrLst/>
+    <dgm:txEffectClrLst/>
+  </dgm:styleLbl>
+  <dgm:styleLbl name="lnNode1">
+    <dgm:fillClrLst meth="repeat">
+      <a:schemeClr val="accent1"/>
+    </dgm:fillClrLst>
+    <dgm:linClrLst meth="repeat">
+      <a:schemeClr val="lt1"/>
+    </dgm:linClrLst>
+    <dgm:effectClrLst/>
+    <dgm:txLinClrLst/>
+    <dgm:txFillClrLst/>
+    <dgm:txEffectClrLst/>
+  </dgm:styleLbl>
+  <dgm:styleLbl name="vennNode1">
+    <dgm:fillClrLst meth="repeat">
+      <a:schemeClr val="accent1">
+        <a:alpha val="50000"/>
+      </a:schemeClr>
+    </dgm:fillClrLst>
+    <dgm:linClrLst meth="repeat">
+      <a:schemeClr val="lt1"/>
+    </dgm:linClrLst>
+    <dgm:effectClrLst/>
+    <dgm:txLinClrLst/>
+    <dgm:txFillClrLst/>
+    <dgm:txEffectClrLst/>
+  </dgm:styleLbl>
+  <dgm:styleLbl name="node2">
+    <dgm:fillClrLst meth="repeat">
+      <a:schemeClr val="accent1"/>
+    </dgm:fillClrLst>
+    <dgm:linClrLst meth="repeat">
+      <a:schemeClr val="lt1"/>
+    </dgm:linClrLst>
+    <dgm:effectClrLst/>
+    <dgm:txLinClrLst/>
+    <dgm:txFillClrLst/>
+    <dgm:txEffectClrLst/>
+  </dgm:styleLbl>
+  <dgm:styleLbl name="node3">
+    <dgm:fillClrLst meth="repeat">
+      <a:schemeClr val="accent1"/>
+    </dgm:fillClrLst>
+    <dgm:linClrLst meth="repeat">
+      <a:schemeClr val="lt1"/>
+    </dgm:linClrLst>
+    <dgm:effectClrLst/>
+    <dgm:txLinClrLst/>
+    <dgm:txFillClrLst/>
+    <dgm:txEffectClrLst/>
+  </dgm:styleLbl>
+  <dgm:styleLbl name="node4">
+    <dgm:fillClrLst meth="repeat">
+      <a:schemeClr val="accent1"/>
+    </dgm:fillClrLst>
+    <dgm:linClrLst meth="repeat">
+      <a:schemeClr val="lt1"/>
+    </dgm:linClrLst>
+    <dgm:effectClrLst/>
+    <dgm:txLinClrLst/>
+    <dgm:txFillClrLst/>
+    <dgm:txEffectClrLst/>
+  </dgm:styleLbl>
+  <dgm:styleLbl name="fgImgPlace1">
+    <dgm:fillClrLst meth="repeat">
+      <a:schemeClr val="accent1">
+        <a:tint val="50000"/>
+      </a:schemeClr>
+    </dgm:fillClrLst>
+    <dgm:linClrLst meth="repeat">
+      <a:schemeClr val="lt1"/>
+    </dgm:linClrLst>
+    <dgm:effectClrLst/>
+    <dgm:txLinClrLst/>
+    <dgm:txFillClrLst meth="repeat">
+      <a:schemeClr val="lt1"/>
+    </dgm:txFillClrLst>
+    <dgm:txEffectClrLst/>
+  </dgm:styleLbl>
+  <dgm:styleLbl name="alignImgPlace1">
+    <dgm:fillClrLst meth="repeat">
+      <a:schemeClr val="accent1">
+        <a:tint val="50000"/>
+      </a:schemeClr>
+    </dgm:fillClrLst>
+    <dgm:linClrLst meth="repeat">
+      <a:schemeClr val="lt1"/>
+    </dgm:linClrLst>
+    <dgm:effectClrLst/>
+    <dgm:txLinClrLst/>
+    <dgm:txFillClrLst meth="repeat">
+      <a:schemeClr val="lt1"/>
+    </dgm:txFillClrLst>
+    <dgm:txEffectClrLst/>
+  </dgm:styleLbl>
+  <dgm:styleLbl name="bgImgPlace1">
+    <dgm:fillClrLst meth="repeat">
+      <a:schemeClr val="accent1">
+        <a:tint val="50000"/>
+      </a:schemeClr>
+    </dgm:fillClrLst>
+    <dgm:linClrLst meth="repeat">
+      <a:schemeClr val="lt1"/>
+    </dgm:linClrLst>
+    <dgm:effectClrLst/>
+    <dgm:txLinClrLst/>
+    <dgm:txFillClrLst meth="repeat">
+      <a:schemeClr val="lt1"/>
+    </dgm:txFillClrLst>
+    <dgm:txEffectClrLst/>
+  </dgm:styleLbl>
+  <dgm:styleLbl name="sibTrans2D1">
+    <dgm:fillClrLst meth="repeat">
+      <a:schemeClr val="accent1">
+        <a:tint val="60000"/>
+      </a:schemeClr>
+    </dgm:fillClrLst>
+    <dgm:linClrLst meth="repeat">
+      <a:schemeClr val="accent1">
+        <a:tint val="60000"/>
+      </a:schemeClr>
+    </dgm:linClrLst>
+    <dgm:effectClrLst/>
+    <dgm:txLinClrLst/>
+    <dgm:txFillClrLst/>
+    <dgm:txEffectClrLst/>
+  </dgm:styleLbl>
+  <dgm:styleLbl name="fgSibTrans2D1">
+    <dgm:fillClrLst meth="repeat">
+      <a:schemeClr val="accent1">
+        <a:tint val="60000"/>
+      </a:schemeClr>
+    </dgm:fillClrLst>
+    <dgm:linClrLst meth="repeat">
+      <a:schemeClr val="accent1">
+        <a:tint val="60000"/>
+      </a:schemeClr>
+    </dgm:linClrLst>
+    <dgm:effectClrLst/>
+    <dgm:txLinClrLst/>
+    <dgm:txFillClrLst/>
+    <dgm:txEffectClrLst/>
+  </dgm:styleLbl>
+  <dgm:styleLbl name="bgSibTrans2D1">
+    <dgm:fillClrLst meth="repeat">
+      <a:schemeClr val="accent1">
+        <a:tint val="60000"/>
+      </a:schemeClr>
+    </dgm:fillClrLst>
+    <dgm:linClrLst meth="repeat">
+      <a:schemeClr val="accent1">
+        <a:tint val="60000"/>
+      </a:schemeClr>
+    </dgm:linClrLst>
+    <dgm:effectClrLst/>
+    <dgm:txLinClrLst/>
+    <dgm:txFillClrLst/>
+    <dgm:txEffectClrLst/>
+  </dgm:styleLbl>
+  <dgm:styleLbl name="sibTrans1D1">
+    <dgm:fillClrLst meth="repeat">
+      <a:schemeClr val="accent1"/>
+    </dgm:fillClrLst>
+    <dgm:linClrLst meth="repeat">
+      <a:schemeClr val="accent1"/>
+    </dgm:linClrLst>
+    <dgm:effectClrLst/>
+    <dgm:txLinClrLst/>
+    <dgm:txFillClrLst meth="repeat">
+      <a:schemeClr val="tx1"/>
+    </dgm:txFillClrLst>
+    <dgm:txEffectClrLst/>
+  </dgm:styleLbl>
+  <dgm:styleLbl name="callout">
+    <dgm:fillClrLst meth="repeat">
+      <a:schemeClr val="accent1"/>
+    </dgm:fillClrLst>
+    <dgm:linClrLst meth="repeat">
+      <a:schemeClr val="accent1">
+        <a:tint val="50000"/>
+      </a:schemeClr>
+    </dgm:linClrLst>
+    <dgm:effectClrLst/>
+    <dgm:txLinClrLst/>
+    <dgm:txFillClrLst meth="repeat">
+      <a:schemeClr val="tx1"/>
+    </dgm:txFillClrLst>
+    <dgm:txEffectClrLst/>
+  </dgm:styleLbl>
+  <dgm:styleLbl name="asst0">
+    <dgm:fillClrLst meth="repeat">
+      <a:schemeClr val="accent1"/>
+    </dgm:fillClrLst>
+    <dgm:linClrLst meth="repeat">
+      <a:schemeClr val="lt1"/>
+    </dgm:linClrLst>
+    <dgm:effectClrLst/>
+    <dgm:txLinClrLst/>
+    <dgm:txFillClrLst/>
+    <dgm:txEffectClrLst/>
+  </dgm:styleLbl>
+  <dgm:styleLbl name="asst1">
+    <dgm:fillClrLst meth="repeat">
+      <a:schemeClr val="accent1"/>
+    </dgm:fillClrLst>
+    <dgm:linClrLst meth="repeat">
+      <a:schemeClr val="lt1"/>
+    </dgm:linClrLst>
+    <dgm:effectClrLst/>
+    <dgm:txLinClrLst/>
+    <dgm:txFillClrLst/>
+    <dgm:txEffectClrLst/>
+  </dgm:styleLbl>
+  <dgm:styleLbl name="asst2">
+    <dgm:fillClrLst meth="repeat">
+      <a:schemeClr val="accent1"/>
+    </dgm:fillClrLst>
+    <dgm:linClrLst meth="repeat">
+      <a:schemeClr val="lt1"/>
+    </dgm:linClrLst>
+    <dgm:effectClrLst/>
+    <dgm:txLinClrLst/>
+    <dgm:txFillClrLst/>
+    <dgm:txEffectClrLst/>
+  </dgm:styleLbl>
+  <dgm:styleLbl name="asst3">
+    <dgm:fillClrLst meth="repeat">
+      <a:schemeClr val="accent1"/>
+    </dgm:fillClrLst>
+    <dgm:linClrLst meth="repeat">
+      <a:schemeClr val="lt1"/>
+    </dgm:linClrLst>
+    <dgm:effectClrLst/>
+    <dgm:txLinClrLst/>
+    <dgm:txFillClrLst/>
+    <dgm:txEffectClrLst/>
+  </dgm:styleLbl>
+  <dgm:styleLbl name="asst4">
+    <dgm:fillClrLst meth="repeat">
+      <a:schemeClr val="accent1"/>
+    </dgm:fillClrLst>
+    <dgm:linClrLst meth="repeat">
+      <a:schemeClr val="lt1"/>
+    </dgm:linClrLst>
+    <dgm:effectClrLst/>
+    <dgm:txLinClrLst/>
+    <dgm:txFillClrLst/>
+    <dgm:txEffectClrLst/>
+  </dgm:styleLbl>
+  <dgm:styleLbl name="parChTrans2D1">
+    <dgm:fillClrLst meth="repeat">
+      <a:schemeClr val="accent1">
+        <a:tint val="60000"/>
+      </a:schemeClr>
+    </dgm:fillClrLst>
+    <dgm:linClrLst meth="repeat">
+      <a:schemeClr val="accent1">
+        <a:tint val="60000"/>
+      </a:schemeClr>
+    </dgm:linClrLst>
+    <dgm:effectClrLst/>
+    <dgm:txLinClrLst/>
+    <dgm:txFillClrLst meth="repeat">
+      <a:schemeClr val="lt1"/>
+    </dgm:txFillClrLst>
+    <dgm:txEffectClrLst/>
+  </dgm:styleLbl>
+  <dgm:styleLbl name="parChTrans2D2">
+    <dgm:fillClrLst meth="repeat">
+      <a:schemeClr val="accent1"/>
+    </dgm:fillClrLst>
+    <dgm:linClrLst meth="repeat">
+      <a:schemeClr val="accent1"/>
+    </dgm:linClrLst>
+    <dgm:effectClrLst/>
+    <dgm:txLinClrLst/>
+    <dgm:txFillClrLst meth="repeat">
+      <a:schemeClr val="lt1"/>
+    </dgm:txFillClrLst>
+    <dgm:txEffectClrLst/>
+  </dgm:styleLbl>
+  <dgm:styleLbl name="parChTrans2D3">
+    <dgm:fillClrLst meth="repeat">
+      <a:schemeClr val="accent1"/>
+    </dgm:fillClrLst>
+    <dgm:linClrLst meth="repeat">
+      <a:schemeClr val="accent1"/>
+    </dgm:linClrLst>
+    <dgm:effectClrLst/>
+    <dgm:txLinClrLst/>
+    <dgm:txFillClrLst meth="repeat">
+      <a:schemeClr val="lt1"/>
+    </dgm:txFillClrLst>
+    <dgm:txEffectClrLst/>
+  </dgm:styleLbl>
+  <dgm:styleLbl name="parChTrans2D4">
+    <dgm:fillClrLst meth="repeat">
+      <a:schemeClr val="accent1"/>
+    </dgm:fillClrLst>
+    <dgm:linClrLst meth="repeat">
+      <a:schemeClr val="accent1"/>
+    </dgm:linClrLst>
+    <dgm:effectClrLst/>
+    <dgm:txLinClrLst/>
+    <dgm:txFillClrLst meth="repeat">
+      <a:schemeClr val="lt1"/>
+    </dgm:txFillClrLst>
+    <dgm:txEffectClrLst/>
+  </dgm:styleLbl>
+  <dgm:styleLbl name="parChTrans1D1">
+    <dgm:fillClrLst meth="repeat">
+      <a:schemeClr val="accent1"/>
+    </dgm:fillClrLst>
+    <dgm:linClrLst meth="repeat">
+      <a:schemeClr val="accent1">
+        <a:shade val="60000"/>
+      </a:schemeClr>
+    </dgm:linClrLst>
+    <dgm:effectClrLst/>
+    <dgm:txLinClrLst/>
+    <dgm:txFillClrLst meth="repeat">
+      <a:schemeClr val="tx1"/>
+    </dgm:txFillClrLst>
+    <dgm:txEffectClrLst/>
+  </dgm:styleLbl>
+  <dgm:styleLbl name="parChTrans1D2">
+    <dgm:fillClrLst meth="repeat">
+      <a:schemeClr val="accent1"/>
+    </dgm:fillClrLst>
+    <dgm:linClrLst meth="repeat">
+      <a:schemeClr val="accent1">
+        <a:shade val="60000"/>
+      </a:schemeClr>
+    </dgm:linClrLst>
+    <dgm:effectClrLst/>
+    <dgm:txLinClrLst/>
+    <dgm:txFillClrLst meth="repeat">
+      <a:schemeClr val="tx1"/>
+    </dgm:txFillClrLst>
+    <dgm:txEffectClrLst/>
+  </dgm:styleLbl>
+  <dgm:styleLbl name="parChTrans1D3">
+    <dgm:fillClrLst meth="repeat">
+      <a:schemeClr val="accent1"/>
+    </dgm:fillClrLst>
+    <dgm:linClrLst meth="repeat">
+      <a:schemeClr val="accent1">
+        <a:shade val="80000"/>
+      </a:schemeClr>
+    </dgm:linClrLst>
+    <dgm:effectClrLst/>
+    <dgm:txLinClrLst/>
+    <dgm:txFillClrLst meth="repeat">
+      <a:schemeClr val="tx1"/>
+    </dgm:txFillClrLst>
+    <dgm:txEffectClrLst/>
+  </dgm:styleLbl>
+  <dgm:styleLbl name="parChTrans1D4">
+    <dgm:fillClrLst meth="repeat">
+      <a:schemeClr val="accent1"/>
+    </dgm:fillClrLst>
+    <dgm:linClrLst meth="repeat">
+      <a:schemeClr val="accent1">
+        <a:shade val="80000"/>
+      </a:schemeClr>
+    </dgm:linClrLst>
+    <dgm:effectClrLst/>
+    <dgm:txLinClrLst/>
+    <dgm:txFillClrLst meth="repeat">
+      <a:schemeClr val="tx1"/>
+    </dgm:txFillClrLst>
+    <dgm:txEffectClrLst/>
+  </dgm:styleLbl>
+  <dgm:styleLbl name="fgAcc1">
+    <dgm:fillClrLst meth="repeat">
+      <a:schemeClr val="lt1">
+        <a:alpha val="90000"/>
+      </a:schemeClr>
+    </dgm:fillClrLst>
+    <dgm:linClrLst meth="repeat">
+      <a:schemeClr val="accent1"/>
+    </dgm:linClrLst>
+    <dgm:effectClrLst/>
+    <dgm:txLinClrLst/>
+    <dgm:txFillClrLst meth="repeat">
+      <a:schemeClr val="dk1"/>
+    </dgm:txFillClrLst>
+    <dgm:txEffectClrLst/>
+  </dgm:styleLbl>
+  <dgm:styleLbl name="conFgAcc1">
+    <dgm:fillClrLst meth="repeat">
+      <a:schemeClr val="lt1">
+        <a:alpha val="90000"/>
+      </a:schemeClr>
+    </dgm:fillClrLst>
+    <dgm:linClrLst meth="repeat">
+      <a:schemeClr val="accent1"/>
+    </dgm:linClrLst>
+    <dgm:effectClrLst/>
+    <dgm:txLinClrLst/>
+    <dgm:txFillClrLst meth="repeat">
+      <a:schemeClr val="dk1"/>
+    </dgm:txFillClrLst>
+    <dgm:txEffectClrLst/>
+  </dgm:styleLbl>
+  <dgm:styleLbl name="alignAcc1">
+    <dgm:fillClrLst meth="repeat">
+      <a:schemeClr val="lt1">
+        <a:alpha val="90000"/>
+      </a:schemeClr>
+    </dgm:fillClrLst>
+    <dgm:linClrLst meth="repeat">
+      <a:schemeClr val="accent1"/>
+    </dgm:linClrLst>
+    <dgm:effectClrLst/>
+    <dgm:txLinClrLst/>
+    <dgm:txFillClrLst meth="repeat">
+      <a:schemeClr val="dk1"/>
+    </dgm:txFillClrLst>
+    <dgm:txEffectClrLst/>
+  </dgm:styleLbl>
+  <dgm:styleLbl name="trAlignAcc1">
+    <dgm:fillClrLst meth="repeat">
+      <a:schemeClr val="lt1">
+        <a:alpha val="40000"/>
+      </a:schemeClr>
+    </dgm:fillClrLst>
+    <dgm:linClrLst meth="repeat">
+      <a:schemeClr val="accent1"/>
+    </dgm:linClrLst>
+    <dgm:effectClrLst/>
+    <dgm:txLinClrLst/>
+    <dgm:txFillClrLst meth="repeat">
+      <a:schemeClr val="dk1"/>
+    </dgm:txFillClrLst>
+    <dgm:txEffectClrLst/>
+  </dgm:styleLbl>
+  <dgm:styleLbl name="bgAcc1">
+    <dgm:fillClrLst meth="repeat">
+      <a:schemeClr val="lt1">
+        <a:alpha val="90000"/>
+      </a:schemeClr>
+    </dgm:fillClrLst>
+    <dgm:linClrLst meth="repeat">
+      <a:schemeClr val="accent1"/>
+    </dgm:linClrLst>
+    <dgm:effectClrLst/>
+    <dgm:txLinClrLst/>
+    <dgm:txFillClrLst meth="repeat">
+      <a:schemeClr val="dk1"/>
+    </dgm:txFillClrLst>
+    <dgm:txEffectClrLst/>
+  </dgm:styleLbl>
+  <dgm:styleLbl name="solidFgAcc1">
+    <dgm:fillClrLst meth="repeat">
+      <a:schemeClr val="lt1"/>
+    </dgm:fillClrLst>
+    <dgm:linClrLst meth="repeat">
+      <a:schemeClr val="accent1"/>
+    </dgm:linClrLst>
+    <dgm:effectClrLst/>
+    <dgm:txLinClrLst/>
+    <dgm:txFillClrLst meth="repeat">
+      <a:schemeClr val="dk1"/>
+    </dgm:txFillClrLst>
+    <dgm:txEffectClrLst/>
+  </dgm:styleLbl>
+  <dgm:styleLbl name="solidAlignAcc1">
+    <dgm:fillClrLst meth="repeat">
+      <a:schemeClr val="lt1"/>
+    </dgm:fillClrLst>
+    <dgm:linClrLst meth="repeat">
+      <a:schemeClr val="accent1"/>
+    </dgm:linClrLst>
+    <dgm:effectClrLst/>
+    <dgm:txLinClrLst/>
+    <dgm:txFillClrLst meth="repeat">
+      <a:schemeClr val="dk1"/>
+    </dgm:txFillClrLst>
+    <dgm:txEffectClrLst/>
+  </dgm:styleLbl>
+  <dgm:styleLbl name="solidBgAcc1">
+    <dgm:fillClrLst meth="repeat">
+      <a:schemeClr val="lt1"/>
+    </dgm:fillClrLst>
+    <dgm:linClrLst meth="repeat">
+      <a:schemeClr val="accent1"/>
+    </dgm:linClrLst>
+    <dgm:effectClrLst/>
+    <dgm:txLinClrLst/>
+    <dgm:txFillClrLst meth="repeat">
+      <a:schemeClr val="dk1"/>
+    </dgm:txFillClrLst>
+    <dgm:txEffectClrLst/>
+  </dgm:styleLbl>
+  <dgm:styleLbl name="fgAccFollowNode1">
+    <dgm:fillClrLst meth="repeat">
+      <a:schemeClr val="accent1">
+        <a:alpha val="90000"/>
+        <a:tint val="40000"/>
+      </a:schemeClr>
+    </dgm:fillClrLst>
+    <dgm:linClrLst meth="repeat">
+      <a:schemeClr val="accent1">
+        <a:alpha val="90000"/>
+        <a:tint val="40000"/>
+      </a:schemeClr>
+    </dgm:linClrLst>
+    <dgm:effectClrLst/>
+    <dgm:txLinClrLst/>
+    <dgm:txFillClrLst meth="repeat">
+      <a:schemeClr val="dk1"/>
+    </dgm:txFillClrLst>
+    <dgm:txEffectClrLst/>
+  </dgm:styleLbl>
+  <dgm:styleLbl name="alignAccFollowNode1">
+    <dgm:fillClrLst meth="repeat">
+      <a:schemeClr val="accent1">
+        <a:alpha val="90000"/>
+        <a:tint val="40000"/>
+      </a:schemeClr>
+    </dgm:fillClrLst>
+    <dgm:linClrLst meth="repeat">
+      <a:schemeClr val="accent1">
+        <a:alpha val="90000"/>
+        <a:tint val="40000"/>
+      </a:schemeClr>
+    </dgm:linClrLst>
+    <dgm:effectClrLst/>
+    <dgm:txLinClrLst/>
+    <dgm:txFillClrLst meth="repeat">
+      <a:schemeClr val="dk1"/>
+    </dgm:txFillClrLst>
+    <dgm:txEffectClrLst/>
+  </dgm:styleLbl>
+  <dgm:styleLbl name="bgAccFollowNode1">
+    <dgm:fillClrLst meth="repeat">
+      <a:schemeClr val="accent1">
+        <a:alpha val="90000"/>
+        <a:tint val="40000"/>
+      </a:schemeClr>
+    </dgm:fillClrLst>
+    <dgm:linClrLst meth="repeat">
+      <a:schemeClr val="accent1">
+        <a:alpha val="90000"/>
+        <a:tint val="40000"/>
+      </a:schemeClr>
+    </dgm:linClrLst>
+    <dgm:effectClrLst/>
+    <dgm:txLinClrLst/>
+    <dgm:txFillClrLst meth="repeat">
+      <a:schemeClr val="dk1"/>
+    </dgm:txFillClrLst>
+    <dgm:txEffectClrLst/>
+  </dgm:styleLbl>
+  <dgm:styleLbl name="fgAcc0">
+    <dgm:fillClrLst meth="repeat">
+      <a:schemeClr val="lt1">
+        <a:alpha val="90000"/>
+      </a:schemeClr>
+    </dgm:fillClrLst>
+    <dgm:linClrLst meth="repeat">
+      <a:schemeClr val="accent1"/>
+    </dgm:linClrLst>
+    <dgm:effectClrLst/>
+    <dgm:txLinClrLst/>
+    <dgm:txFillClrLst meth="repeat">
+      <a:schemeClr val="dk1"/>
+    </dgm:txFillClrLst>
+    <dgm:txEffectClrLst/>
+  </dgm:styleLbl>
+  <dgm:styleLbl name="fgAcc2">
+    <dgm:fillClrLst meth="repeat">
+      <a:schemeClr val="lt1">
+        <a:alpha val="90000"/>
+      </a:schemeClr>
+    </dgm:fillClrLst>
+    <dgm:linClrLst meth="repeat">
+      <a:schemeClr val="accent1"/>
+    </dgm:linClrLst>
+    <dgm:effectClrLst/>
+    <dgm:txLinClrLst/>
+    <dgm:txFillClrLst meth="repeat">
+      <a:schemeClr val="dk1"/>
+    </dgm:txFillClrLst>
+    <dgm:txEffectClrLst/>
+  </dgm:styleLbl>
+  <dgm:styleLbl name="fgAcc3">
+    <dgm:fillClrLst meth="repeat">
+      <a:schemeClr val="lt1">
+        <a:alpha val="90000"/>
+      </a:schemeClr>
+    </dgm:fillClrLst>
+    <dgm:linClrLst meth="repeat">
+      <a:schemeClr val="accent1"/>
+    </dgm:linClrLst>
+    <dgm:effectClrLst/>
+    <dgm:txLinClrLst/>
+    <dgm:txFillClrLst meth="repeat">
+      <a:schemeClr val="dk1"/>
+    </dgm:txFillClrLst>
+    <dgm:txEffectClrLst/>
+  </dgm:styleLbl>
+  <dgm:styleLbl name="fgAcc4">
+    <dgm:fillClrLst meth="repeat">
+      <a:schemeClr val="lt1">
+        <a:alpha val="90000"/>
+      </a:schemeClr>
+    </dgm:fillClrLst>
+    <dgm:linClrLst meth="repeat">
+      <a:schemeClr val="accent1"/>
+    </dgm:linClrLst>
+    <dgm:effectClrLst/>
+    <dgm:txLinClrLst/>
+    <dgm:txFillClrLst meth="repeat">
+      <a:schemeClr val="dk1"/>
+    </dgm:txFillClrLst>
+    <dgm:txEffectClrLst/>
+  </dgm:styleLbl>
+  <dgm:styleLbl name="bgShp">
+    <dgm:fillClrLst meth="repeat">
+      <a:schemeClr val="accent1">
+        <a:tint val="40000"/>
+      </a:schemeClr>
+    </dgm:fillClrLst>
+    <dgm:linClrLst meth="repeat">
+      <a:schemeClr val="accent1"/>
+    </dgm:linClrLst>
+    <dgm:effectClrLst/>
+    <dgm:txLinClrLst/>
+    <dgm:txFillClrLst meth="repeat">
+      <a:schemeClr val="dk1"/>
+    </dgm:txFillClrLst>
+    <dgm:txEffectClrLst/>
+  </dgm:styleLbl>
+  <dgm:styleLbl name="dkBgShp">
+    <dgm:fillClrLst meth="repeat">
+      <a:schemeClr val="accent1">
+        <a:shade val="80000"/>
+      </a:schemeClr>
+    </dgm:fillClrLst>
+    <dgm:linClrLst meth="repeat">
+      <a:schemeClr val="accent1"/>
+    </dgm:linClrLst>
+    <dgm:effectClrLst/>
+    <dgm:txLinClrLst/>
+    <dgm:txFillClrLst meth="repeat">
+      <a:schemeClr val="lt1"/>
+    </dgm:txFillClrLst>
+    <dgm:txEffectClrLst/>
+  </dgm:styleLbl>
+  <dgm:styleLbl name="trBgShp">
+    <dgm:fillClrLst meth="repeat">
+      <a:schemeClr val="accent1">
+        <a:tint val="50000"/>
+        <a:alpha val="40000"/>
+      </a:schemeClr>
+    </dgm:fillClrLst>
+    <dgm:linClrLst meth="repeat">
+      <a:schemeClr val="accent1"/>
+    </dgm:linClrLst>
+    <dgm:effectClrLst/>
+    <dgm:txLinClrLst/>
+    <dgm:txFillClrLst meth="repeat">
+      <a:schemeClr val="lt1"/>
+    </dgm:txFillClrLst>
+    <dgm:txEffectClrLst/>
+  </dgm:styleLbl>
+  <dgm:styleLbl name="fgShp">
+    <dgm:fillClrLst meth="repeat">
+      <a:schemeClr val="accent1">
+        <a:tint val="60000"/>
+      </a:schemeClr>
+    </dgm:fillClrLst>
+    <dgm:linClrLst meth="repeat">
+      <a:schemeClr val="lt1"/>
+    </dgm:linClrLst>
+    <dgm:effectClrLst/>
+    <dgm:txLinClrLst/>
+    <dgm:txFillClrLst meth="repeat">
+      <a:schemeClr val="dk1"/>
+    </dgm:txFillClrLst>
+    <dgm:txEffectClrLst/>
+  </dgm:styleLbl>
+  <dgm:styleLbl name="revTx">
+    <dgm:fillClrLst meth="repeat">
+      <a:schemeClr val="lt1">
+        <a:alpha val="0"/>
+      </a:schemeClr>
+    </dgm:fillClrLst>
+    <dgm:linClrLst meth="repeat">
+      <a:schemeClr val="dk1">
+        <a:alpha val="0"/>
+      </a:schemeClr>
+    </dgm:linClrLst>
+    <dgm:effectClrLst/>
+    <dgm:txLinClrLst/>
+    <dgm:txFillClrLst meth="repeat">
+      <a:schemeClr val="tx1"/>
+    </dgm:txFillClrLst>
+    <dgm:txEffectClrLst/>
+  </dgm:styleLbl>
+</dgm:colorsDef>
+</file>
+
+<file path=ppt/diagrams/data1.xml><?xml version="1.0" encoding="utf-8"?>
+<dgm:dataModel xmlns:dgm="http://schemas.openxmlformats.org/drawingml/2006/diagram" xmlns:a="http://schemas.openxmlformats.org/drawingml/2006/main">
+  <dgm:ptLst>
+    <dgm:pt modelId="{D62EDA9D-4120-48B0-9F90-A17124CB6271}" type="doc">
+      <dgm:prSet loTypeId="urn:microsoft.com/office/officeart/2008/layout/LinedList" loCatId="list" qsTypeId="urn:microsoft.com/office/officeart/2005/8/quickstyle/simple1" qsCatId="simple" csTypeId="urn:microsoft.com/office/officeart/2005/8/colors/accent1_2" csCatId="accent1"/>
+      <dgm:spPr/>
+      <dgm:t>
+        <a:bodyPr/>
+        <a:lstStyle/>
+        <a:p>
+          <a:endParaRPr lang="en-US"/>
+        </a:p>
+      </dgm:t>
+    </dgm:pt>
+    <dgm:pt modelId="{94C3CEFA-218C-488B-B47C-94341C64108B}">
+      <dgm:prSet/>
+      <dgm:spPr/>
+      <dgm:t>
+        <a:bodyPr/>
+        <a:lstStyle/>
+        <a:p>
+          <a:r>
+            <a:rPr lang="bg-BG" dirty="0"/>
+            <a:t>Образование</a:t>
+          </a:r>
+          <a:endParaRPr lang="en-US" dirty="0"/>
+        </a:p>
+      </dgm:t>
+    </dgm:pt>
+    <dgm:pt modelId="{58701055-1CBC-46F9-9B65-752F061E22F4}" type="parTrans" cxnId="{3BD361B3-2838-4F84-80BD-A56AC57EE9FF}">
+      <dgm:prSet/>
+      <dgm:spPr/>
+      <dgm:t>
+        <a:bodyPr/>
+        <a:lstStyle/>
+        <a:p>
+          <a:endParaRPr lang="en-US"/>
+        </a:p>
+      </dgm:t>
+    </dgm:pt>
+    <dgm:pt modelId="{7F0ECA57-70AE-47A9-9847-ADF599C5A49B}" type="sibTrans" cxnId="{3BD361B3-2838-4F84-80BD-A56AC57EE9FF}">
+      <dgm:prSet/>
+      <dgm:spPr/>
+      <dgm:t>
+        <a:bodyPr/>
+        <a:lstStyle/>
+        <a:p>
+          <a:endParaRPr lang="en-US"/>
+        </a:p>
+      </dgm:t>
+    </dgm:pt>
+    <dgm:pt modelId="{8B8948E2-B8C3-4B59-8DCB-0772632B1E08}">
+      <dgm:prSet/>
+      <dgm:spPr/>
+      <dgm:t>
+        <a:bodyPr/>
+        <a:lstStyle/>
+        <a:p>
+          <a:r>
+            <a:rPr lang="bg-BG"/>
+            <a:t>Първи стъпки в технологиите</a:t>
+          </a:r>
+          <a:endParaRPr lang="en-US"/>
+        </a:p>
+      </dgm:t>
+    </dgm:pt>
+    <dgm:pt modelId="{63662F27-53A7-4D90-9702-524D0EEC6DB2}" type="parTrans" cxnId="{ECFE5856-CD07-48E0-B748-CC2DBE4B0893}">
+      <dgm:prSet/>
+      <dgm:spPr/>
+      <dgm:t>
+        <a:bodyPr/>
+        <a:lstStyle/>
+        <a:p>
+          <a:endParaRPr lang="en-US"/>
+        </a:p>
+      </dgm:t>
+    </dgm:pt>
+    <dgm:pt modelId="{90ECA13C-83EE-4A5A-830F-665198A3A26F}" type="sibTrans" cxnId="{ECFE5856-CD07-48E0-B748-CC2DBE4B0893}">
+      <dgm:prSet/>
+      <dgm:spPr/>
+      <dgm:t>
+        <a:bodyPr/>
+        <a:lstStyle/>
+        <a:p>
+          <a:endParaRPr lang="en-US"/>
+        </a:p>
+      </dgm:t>
+    </dgm:pt>
+    <dgm:pt modelId="{31802632-11FA-4F3C-8F3F-3CCCB14758D9}">
+      <dgm:prSet/>
+      <dgm:spPr/>
+      <dgm:t>
+        <a:bodyPr/>
+        <a:lstStyle/>
+        <a:p>
+          <a:r>
+            <a:rPr lang="bg-BG"/>
+            <a:t>Какво ме подтикна към технологиите?</a:t>
+          </a:r>
+          <a:endParaRPr lang="en-US"/>
+        </a:p>
+      </dgm:t>
+    </dgm:pt>
+    <dgm:pt modelId="{84D9C519-7DDC-4378-9D63-212DC0B7DA28}" type="parTrans" cxnId="{B18C6D6F-3E08-4563-8D77-594EF8165D0D}">
+      <dgm:prSet/>
+      <dgm:spPr/>
+      <dgm:t>
+        <a:bodyPr/>
+        <a:lstStyle/>
+        <a:p>
+          <a:endParaRPr lang="en-US"/>
+        </a:p>
+      </dgm:t>
+    </dgm:pt>
+    <dgm:pt modelId="{B5249A07-B77D-4DE8-AA06-39A2808CED03}" type="sibTrans" cxnId="{B18C6D6F-3E08-4563-8D77-594EF8165D0D}">
+      <dgm:prSet/>
+      <dgm:spPr/>
+      <dgm:t>
+        <a:bodyPr/>
+        <a:lstStyle/>
+        <a:p>
+          <a:endParaRPr lang="en-US"/>
+        </a:p>
+      </dgm:t>
+    </dgm:pt>
+    <dgm:pt modelId="{3A3CE3EF-8FD2-4F06-9EA2-EE94BD374F4A}">
+      <dgm:prSet/>
+      <dgm:spPr/>
+      <dgm:t>
+        <a:bodyPr/>
+        <a:lstStyle/>
+        <a:p>
+          <a:r>
+            <a:rPr lang="bg-BG"/>
+            <a:t>Първи стъпки в програмирането</a:t>
+          </a:r>
+          <a:endParaRPr lang="en-US"/>
+        </a:p>
+      </dgm:t>
+    </dgm:pt>
+    <dgm:pt modelId="{BE8EA3B0-93C5-4208-91A3-0D7C888A8E7C}" type="parTrans" cxnId="{38EB1B39-F73A-44AC-81E2-9A0023B7689A}">
+      <dgm:prSet/>
+      <dgm:spPr/>
+      <dgm:t>
+        <a:bodyPr/>
+        <a:lstStyle/>
+        <a:p>
+          <a:endParaRPr lang="en-US"/>
+        </a:p>
+      </dgm:t>
+    </dgm:pt>
+    <dgm:pt modelId="{6AB9B62B-302A-4CD7-87C2-AF9B7F9D103D}" type="sibTrans" cxnId="{38EB1B39-F73A-44AC-81E2-9A0023B7689A}">
+      <dgm:prSet/>
+      <dgm:spPr/>
+      <dgm:t>
+        <a:bodyPr/>
+        <a:lstStyle/>
+        <a:p>
+          <a:endParaRPr lang="en-US"/>
+        </a:p>
+      </dgm:t>
+    </dgm:pt>
+    <dgm:pt modelId="{7BFAFD83-6E7D-4934-A1A3-22EC10987EB4}">
+      <dgm:prSet/>
+      <dgm:spPr/>
+      <dgm:t>
+        <a:bodyPr/>
+        <a:lstStyle/>
+        <a:p>
+          <a:r>
+            <a:rPr lang="bg-BG"/>
+            <a:t>Защо програмиране и софтуерно инженерство?</a:t>
+          </a:r>
+          <a:endParaRPr lang="en-US"/>
+        </a:p>
+      </dgm:t>
+    </dgm:pt>
+    <dgm:pt modelId="{FE08A3A0-F830-4A69-882C-12D77FE30484}" type="parTrans" cxnId="{1549C712-C835-44A3-9F72-01B2705580AE}">
+      <dgm:prSet/>
+      <dgm:spPr/>
+      <dgm:t>
+        <a:bodyPr/>
+        <a:lstStyle/>
+        <a:p>
+          <a:endParaRPr lang="en-US"/>
+        </a:p>
+      </dgm:t>
+    </dgm:pt>
+    <dgm:pt modelId="{E73E5388-75AA-4F85-B994-1F96BCF2A1B1}" type="sibTrans" cxnId="{1549C712-C835-44A3-9F72-01B2705580AE}">
+      <dgm:prSet/>
+      <dgm:spPr/>
+      <dgm:t>
+        <a:bodyPr/>
+        <a:lstStyle/>
+        <a:p>
+          <a:endParaRPr lang="en-US"/>
+        </a:p>
+      </dgm:t>
+    </dgm:pt>
+    <dgm:pt modelId="{033F529B-D07B-4471-9286-F1EED18A667D}" type="pres">
+      <dgm:prSet presAssocID="{D62EDA9D-4120-48B0-9F90-A17124CB6271}" presName="vert0" presStyleCnt="0">
+        <dgm:presLayoutVars>
+          <dgm:dir/>
+          <dgm:animOne val="branch"/>
+          <dgm:animLvl val="lvl"/>
+        </dgm:presLayoutVars>
+      </dgm:prSet>
+      <dgm:spPr/>
+    </dgm:pt>
+    <dgm:pt modelId="{FDCAD807-887D-4008-8412-E9AF95131232}" type="pres">
+      <dgm:prSet presAssocID="{94C3CEFA-218C-488B-B47C-94341C64108B}" presName="thickLine" presStyleLbl="alignNode1" presStyleIdx="0" presStyleCnt="5"/>
+      <dgm:spPr/>
+    </dgm:pt>
+    <dgm:pt modelId="{E9FCE5EE-3945-4F09-A2E6-D7093A74245F}" type="pres">
+      <dgm:prSet presAssocID="{94C3CEFA-218C-488B-B47C-94341C64108B}" presName="horz1" presStyleCnt="0"/>
+      <dgm:spPr/>
+    </dgm:pt>
+    <dgm:pt modelId="{11730DB2-5A50-4E3A-AF73-B3A96E93CD37}" type="pres">
+      <dgm:prSet presAssocID="{94C3CEFA-218C-488B-B47C-94341C64108B}" presName="tx1" presStyleLbl="revTx" presStyleIdx="0" presStyleCnt="5"/>
+      <dgm:spPr/>
+    </dgm:pt>
+    <dgm:pt modelId="{4D903697-ECB6-486F-BC3D-FA9ED980A068}" type="pres">
+      <dgm:prSet presAssocID="{94C3CEFA-218C-488B-B47C-94341C64108B}" presName="vert1" presStyleCnt="0"/>
+      <dgm:spPr/>
+    </dgm:pt>
+    <dgm:pt modelId="{80B02431-D9C3-4046-9769-8F11005420E9}" type="pres">
+      <dgm:prSet presAssocID="{8B8948E2-B8C3-4B59-8DCB-0772632B1E08}" presName="thickLine" presStyleLbl="alignNode1" presStyleIdx="1" presStyleCnt="5"/>
+      <dgm:spPr/>
+    </dgm:pt>
+    <dgm:pt modelId="{D0032085-E56A-449A-8A96-2A0E21B8B554}" type="pres">
+      <dgm:prSet presAssocID="{8B8948E2-B8C3-4B59-8DCB-0772632B1E08}" presName="horz1" presStyleCnt="0"/>
+      <dgm:spPr/>
+    </dgm:pt>
+    <dgm:pt modelId="{92643CB6-0A12-4508-B218-33A792AE157F}" type="pres">
+      <dgm:prSet presAssocID="{8B8948E2-B8C3-4B59-8DCB-0772632B1E08}" presName="tx1" presStyleLbl="revTx" presStyleIdx="1" presStyleCnt="5"/>
+      <dgm:spPr/>
+    </dgm:pt>
+    <dgm:pt modelId="{C4A5D396-40C6-4557-A92F-54A17F7ADAB2}" type="pres">
+      <dgm:prSet presAssocID="{8B8948E2-B8C3-4B59-8DCB-0772632B1E08}" presName="vert1" presStyleCnt="0"/>
+      <dgm:spPr/>
+    </dgm:pt>
+    <dgm:pt modelId="{8E6CCFA9-2D22-4775-B410-6EBEB2E4A5B5}" type="pres">
+      <dgm:prSet presAssocID="{31802632-11FA-4F3C-8F3F-3CCCB14758D9}" presName="thickLine" presStyleLbl="alignNode1" presStyleIdx="2" presStyleCnt="5"/>
+      <dgm:spPr/>
+    </dgm:pt>
+    <dgm:pt modelId="{684F6D64-4985-45BE-AFE7-355627A7D717}" type="pres">
+      <dgm:prSet presAssocID="{31802632-11FA-4F3C-8F3F-3CCCB14758D9}" presName="horz1" presStyleCnt="0"/>
+      <dgm:spPr/>
+    </dgm:pt>
+    <dgm:pt modelId="{12DAF342-F28C-47A4-B561-0FCE297D589A}" type="pres">
+      <dgm:prSet presAssocID="{31802632-11FA-4F3C-8F3F-3CCCB14758D9}" presName="tx1" presStyleLbl="revTx" presStyleIdx="2" presStyleCnt="5"/>
+      <dgm:spPr/>
+    </dgm:pt>
+    <dgm:pt modelId="{2E2FB06F-1B9D-41B6-835B-E0755BBC5848}" type="pres">
+      <dgm:prSet presAssocID="{31802632-11FA-4F3C-8F3F-3CCCB14758D9}" presName="vert1" presStyleCnt="0"/>
+      <dgm:spPr/>
+    </dgm:pt>
+    <dgm:pt modelId="{6FA25BCD-B43A-4F61-81BA-1C8CE24C0990}" type="pres">
+      <dgm:prSet presAssocID="{3A3CE3EF-8FD2-4F06-9EA2-EE94BD374F4A}" presName="thickLine" presStyleLbl="alignNode1" presStyleIdx="3" presStyleCnt="5"/>
+      <dgm:spPr/>
+    </dgm:pt>
+    <dgm:pt modelId="{7EE69354-542A-42D6-8AD9-E323B7CEC65D}" type="pres">
+      <dgm:prSet presAssocID="{3A3CE3EF-8FD2-4F06-9EA2-EE94BD374F4A}" presName="horz1" presStyleCnt="0"/>
+      <dgm:spPr/>
+    </dgm:pt>
+    <dgm:pt modelId="{D54B0A10-065A-4286-AE5C-F73135448128}" type="pres">
+      <dgm:prSet presAssocID="{3A3CE3EF-8FD2-4F06-9EA2-EE94BD374F4A}" presName="tx1" presStyleLbl="revTx" presStyleIdx="3" presStyleCnt="5"/>
+      <dgm:spPr/>
+    </dgm:pt>
+    <dgm:pt modelId="{8B87F399-4475-4666-9875-D800276A69B7}" type="pres">
+      <dgm:prSet presAssocID="{3A3CE3EF-8FD2-4F06-9EA2-EE94BD374F4A}" presName="vert1" presStyleCnt="0"/>
+      <dgm:spPr/>
+    </dgm:pt>
+    <dgm:pt modelId="{79E65C5C-20A7-4DE9-9743-3207A3F72323}" type="pres">
+      <dgm:prSet presAssocID="{7BFAFD83-6E7D-4934-A1A3-22EC10987EB4}" presName="thickLine" presStyleLbl="alignNode1" presStyleIdx="4" presStyleCnt="5"/>
+      <dgm:spPr/>
+    </dgm:pt>
+    <dgm:pt modelId="{FDDA0A9F-4900-4718-829D-4941C17A73C4}" type="pres">
+      <dgm:prSet presAssocID="{7BFAFD83-6E7D-4934-A1A3-22EC10987EB4}" presName="horz1" presStyleCnt="0"/>
+      <dgm:spPr/>
+    </dgm:pt>
+    <dgm:pt modelId="{A3D7CEBB-A823-414D-B214-CAA1033E20F2}" type="pres">
+      <dgm:prSet presAssocID="{7BFAFD83-6E7D-4934-A1A3-22EC10987EB4}" presName="tx1" presStyleLbl="revTx" presStyleIdx="4" presStyleCnt="5"/>
+      <dgm:spPr/>
+    </dgm:pt>
+    <dgm:pt modelId="{9199E55F-082C-4E65-9B5D-B14C0429ED05}" type="pres">
+      <dgm:prSet presAssocID="{7BFAFD83-6E7D-4934-A1A3-22EC10987EB4}" presName="vert1" presStyleCnt="0"/>
+      <dgm:spPr/>
+    </dgm:pt>
+  </dgm:ptLst>
+  <dgm:cxnLst>
+    <dgm:cxn modelId="{1549C712-C835-44A3-9F72-01B2705580AE}" srcId="{D62EDA9D-4120-48B0-9F90-A17124CB6271}" destId="{7BFAFD83-6E7D-4934-A1A3-22EC10987EB4}" srcOrd="4" destOrd="0" parTransId="{FE08A3A0-F830-4A69-882C-12D77FE30484}" sibTransId="{E73E5388-75AA-4F85-B994-1F96BCF2A1B1}"/>
+    <dgm:cxn modelId="{ADEBFE16-AD03-4816-9F9C-5B60762E224F}" type="presOf" srcId="{7BFAFD83-6E7D-4934-A1A3-22EC10987EB4}" destId="{A3D7CEBB-A823-414D-B214-CAA1033E20F2}" srcOrd="0" destOrd="0" presId="urn:microsoft.com/office/officeart/2008/layout/LinedList"/>
+    <dgm:cxn modelId="{38EB1B39-F73A-44AC-81E2-9A0023B7689A}" srcId="{D62EDA9D-4120-48B0-9F90-A17124CB6271}" destId="{3A3CE3EF-8FD2-4F06-9EA2-EE94BD374F4A}" srcOrd="3" destOrd="0" parTransId="{BE8EA3B0-93C5-4208-91A3-0D7C888A8E7C}" sibTransId="{6AB9B62B-302A-4CD7-87C2-AF9B7F9D103D}"/>
+    <dgm:cxn modelId="{088A644A-2F5C-46F1-B2DA-02FEBF79B523}" type="presOf" srcId="{94C3CEFA-218C-488B-B47C-94341C64108B}" destId="{11730DB2-5A50-4E3A-AF73-B3A96E93CD37}" srcOrd="0" destOrd="0" presId="urn:microsoft.com/office/officeart/2008/layout/LinedList"/>
+    <dgm:cxn modelId="{B18C6D6F-3E08-4563-8D77-594EF8165D0D}" srcId="{D62EDA9D-4120-48B0-9F90-A17124CB6271}" destId="{31802632-11FA-4F3C-8F3F-3CCCB14758D9}" srcOrd="2" destOrd="0" parTransId="{84D9C519-7DDC-4378-9D63-212DC0B7DA28}" sibTransId="{B5249A07-B77D-4DE8-AA06-39A2808CED03}"/>
+    <dgm:cxn modelId="{ECFE5856-CD07-48E0-B748-CC2DBE4B0893}" srcId="{D62EDA9D-4120-48B0-9F90-A17124CB6271}" destId="{8B8948E2-B8C3-4B59-8DCB-0772632B1E08}" srcOrd="1" destOrd="0" parTransId="{63662F27-53A7-4D90-9702-524D0EEC6DB2}" sibTransId="{90ECA13C-83EE-4A5A-830F-665198A3A26F}"/>
+    <dgm:cxn modelId="{3BD361B3-2838-4F84-80BD-A56AC57EE9FF}" srcId="{D62EDA9D-4120-48B0-9F90-A17124CB6271}" destId="{94C3CEFA-218C-488B-B47C-94341C64108B}" srcOrd="0" destOrd="0" parTransId="{58701055-1CBC-46F9-9B65-752F061E22F4}" sibTransId="{7F0ECA57-70AE-47A9-9847-ADF599C5A49B}"/>
+    <dgm:cxn modelId="{9BFF4FB5-1482-4446-A8F6-12AB248ADE82}" type="presOf" srcId="{31802632-11FA-4F3C-8F3F-3CCCB14758D9}" destId="{12DAF342-F28C-47A4-B561-0FCE297D589A}" srcOrd="0" destOrd="0" presId="urn:microsoft.com/office/officeart/2008/layout/LinedList"/>
+    <dgm:cxn modelId="{844A41F1-7D80-4C51-B06A-199F9C89845C}" type="presOf" srcId="{D62EDA9D-4120-48B0-9F90-A17124CB6271}" destId="{033F529B-D07B-4471-9286-F1EED18A667D}" srcOrd="0" destOrd="0" presId="urn:microsoft.com/office/officeart/2008/layout/LinedList"/>
+    <dgm:cxn modelId="{37DCF5FB-FBA1-4C10-B41C-66D994AFD6B3}" type="presOf" srcId="{3A3CE3EF-8FD2-4F06-9EA2-EE94BD374F4A}" destId="{D54B0A10-065A-4286-AE5C-F73135448128}" srcOrd="0" destOrd="0" presId="urn:microsoft.com/office/officeart/2008/layout/LinedList"/>
+    <dgm:cxn modelId="{BC50C7FD-246C-4495-AA50-8F0BC54E1EBB}" type="presOf" srcId="{8B8948E2-B8C3-4B59-8DCB-0772632B1E08}" destId="{92643CB6-0A12-4508-B218-33A792AE157F}" srcOrd="0" destOrd="0" presId="urn:microsoft.com/office/officeart/2008/layout/LinedList"/>
+    <dgm:cxn modelId="{DB339EDD-7C5F-458E-8DF2-A7303257FE9D}" type="presParOf" srcId="{033F529B-D07B-4471-9286-F1EED18A667D}" destId="{FDCAD807-887D-4008-8412-E9AF95131232}" srcOrd="0" destOrd="0" presId="urn:microsoft.com/office/officeart/2008/layout/LinedList"/>
+    <dgm:cxn modelId="{9229489B-D405-4437-AF1D-1D917BD278A9}" type="presParOf" srcId="{033F529B-D07B-4471-9286-F1EED18A667D}" destId="{E9FCE5EE-3945-4F09-A2E6-D7093A74245F}" srcOrd="1" destOrd="0" presId="urn:microsoft.com/office/officeart/2008/layout/LinedList"/>
+    <dgm:cxn modelId="{90274943-CF04-4BC1-A6D0-3DD7576CBA7C}" type="presParOf" srcId="{E9FCE5EE-3945-4F09-A2E6-D7093A74245F}" destId="{11730DB2-5A50-4E3A-AF73-B3A96E93CD37}" srcOrd="0" destOrd="0" presId="urn:microsoft.com/office/officeart/2008/layout/LinedList"/>
+    <dgm:cxn modelId="{F332BC62-96DC-4168-B8DB-E317BC946F0E}" type="presParOf" srcId="{E9FCE5EE-3945-4F09-A2E6-D7093A74245F}" destId="{4D903697-ECB6-486F-BC3D-FA9ED980A068}" srcOrd="1" destOrd="0" presId="urn:microsoft.com/office/officeart/2008/layout/LinedList"/>
+    <dgm:cxn modelId="{3FF78462-A09A-48BC-8786-4A107B35A562}" type="presParOf" srcId="{033F529B-D07B-4471-9286-F1EED18A667D}" destId="{80B02431-D9C3-4046-9769-8F11005420E9}" srcOrd="2" destOrd="0" presId="urn:microsoft.com/office/officeart/2008/layout/LinedList"/>
+    <dgm:cxn modelId="{3F9569C6-DB4C-4DDF-A9BF-555A4E21BA88}" type="presParOf" srcId="{033F529B-D07B-4471-9286-F1EED18A667D}" destId="{D0032085-E56A-449A-8A96-2A0E21B8B554}" srcOrd="3" destOrd="0" presId="urn:microsoft.com/office/officeart/2008/layout/LinedList"/>
+    <dgm:cxn modelId="{1D4D77AE-BB47-4D7F-A2CF-A7B56043F511}" type="presParOf" srcId="{D0032085-E56A-449A-8A96-2A0E21B8B554}" destId="{92643CB6-0A12-4508-B218-33A792AE157F}" srcOrd="0" destOrd="0" presId="urn:microsoft.com/office/officeart/2008/layout/LinedList"/>
+    <dgm:cxn modelId="{6B4EC5A4-4628-4EBF-84CF-ECA05B194454}" type="presParOf" srcId="{D0032085-E56A-449A-8A96-2A0E21B8B554}" destId="{C4A5D396-40C6-4557-A92F-54A17F7ADAB2}" srcOrd="1" destOrd="0" presId="urn:microsoft.com/office/officeart/2008/layout/LinedList"/>
+    <dgm:cxn modelId="{5C397B42-B3DD-4D40-B171-401DF8D37654}" type="presParOf" srcId="{033F529B-D07B-4471-9286-F1EED18A667D}" destId="{8E6CCFA9-2D22-4775-B410-6EBEB2E4A5B5}" srcOrd="4" destOrd="0" presId="urn:microsoft.com/office/officeart/2008/layout/LinedList"/>
+    <dgm:cxn modelId="{776F36CF-D573-439F-91E1-D62A3C1DEF55}" type="presParOf" srcId="{033F529B-D07B-4471-9286-F1EED18A667D}" destId="{684F6D64-4985-45BE-AFE7-355627A7D717}" srcOrd="5" destOrd="0" presId="urn:microsoft.com/office/officeart/2008/layout/LinedList"/>
+    <dgm:cxn modelId="{DC39C98F-FDE0-41D8-BADB-BAC0F7C769BB}" type="presParOf" srcId="{684F6D64-4985-45BE-AFE7-355627A7D717}" destId="{12DAF342-F28C-47A4-B561-0FCE297D589A}" srcOrd="0" destOrd="0" presId="urn:microsoft.com/office/officeart/2008/layout/LinedList"/>
+    <dgm:cxn modelId="{CB4DB611-EEEA-43AE-A956-14BCE6AADABC}" type="presParOf" srcId="{684F6D64-4985-45BE-AFE7-355627A7D717}" destId="{2E2FB06F-1B9D-41B6-835B-E0755BBC5848}" srcOrd="1" destOrd="0" presId="urn:microsoft.com/office/officeart/2008/layout/LinedList"/>
+    <dgm:cxn modelId="{B2DF539B-4A62-4058-BB7F-0D1AF0A34D4B}" type="presParOf" srcId="{033F529B-D07B-4471-9286-F1EED18A667D}" destId="{6FA25BCD-B43A-4F61-81BA-1C8CE24C0990}" srcOrd="6" destOrd="0" presId="urn:microsoft.com/office/officeart/2008/layout/LinedList"/>
+    <dgm:cxn modelId="{6C2DAD4B-4C3F-4315-831B-10D52CD4DBD8}" type="presParOf" srcId="{033F529B-D07B-4471-9286-F1EED18A667D}" destId="{7EE69354-542A-42D6-8AD9-E323B7CEC65D}" srcOrd="7" destOrd="0" presId="urn:microsoft.com/office/officeart/2008/layout/LinedList"/>
+    <dgm:cxn modelId="{6B8ED1D6-8481-40CE-A27E-46BCD63A1E51}" type="presParOf" srcId="{7EE69354-542A-42D6-8AD9-E323B7CEC65D}" destId="{D54B0A10-065A-4286-AE5C-F73135448128}" srcOrd="0" destOrd="0" presId="urn:microsoft.com/office/officeart/2008/layout/LinedList"/>
+    <dgm:cxn modelId="{6C81050F-358D-4E33-AB12-9F5849FD03C0}" type="presParOf" srcId="{7EE69354-542A-42D6-8AD9-E323B7CEC65D}" destId="{8B87F399-4475-4666-9875-D800276A69B7}" srcOrd="1" destOrd="0" presId="urn:microsoft.com/office/officeart/2008/layout/LinedList"/>
+    <dgm:cxn modelId="{15C0D9EF-ACB9-4E70-9D68-4C93283D3CB1}" type="presParOf" srcId="{033F529B-D07B-4471-9286-F1EED18A667D}" destId="{79E65C5C-20A7-4DE9-9743-3207A3F72323}" srcOrd="8" destOrd="0" presId="urn:microsoft.com/office/officeart/2008/layout/LinedList"/>
+    <dgm:cxn modelId="{82359C37-7F98-4006-94A5-D51E3511BA81}" type="presParOf" srcId="{033F529B-D07B-4471-9286-F1EED18A667D}" destId="{FDDA0A9F-4900-4718-829D-4941C17A73C4}" srcOrd="9" destOrd="0" presId="urn:microsoft.com/office/officeart/2008/layout/LinedList"/>
+    <dgm:cxn modelId="{5B10B0CE-BD8C-4889-8676-1B32CFFE17DF}" type="presParOf" srcId="{FDDA0A9F-4900-4718-829D-4941C17A73C4}" destId="{A3D7CEBB-A823-414D-B214-CAA1033E20F2}" srcOrd="0" destOrd="0" presId="urn:microsoft.com/office/officeart/2008/layout/LinedList"/>
+    <dgm:cxn modelId="{D9C3A16C-1A5E-4BB4-B5A2-5773A5C35949}" type="presParOf" srcId="{FDDA0A9F-4900-4718-829D-4941C17A73C4}" destId="{9199E55F-082C-4E65-9B5D-B14C0429ED05}" srcOrd="1" destOrd="0" presId="urn:microsoft.com/office/officeart/2008/layout/LinedList"/>
+  </dgm:cxnLst>
+  <dgm:bg/>
+  <dgm:whole/>
+  <dgm:extLst>
+    <a:ext uri="http://schemas.microsoft.com/office/drawing/2008/diagram">
+      <dsp:dataModelExt xmlns:dsp="http://schemas.microsoft.com/office/drawing/2008/diagram" relId="rId6" minVer="http://schemas.openxmlformats.org/drawingml/2006/diagram"/>
+    </a:ext>
+  </dgm:extLst>
+</dgm:dataModel>
+</file>
+
+<file path=ppt/diagrams/drawing1.xml><?xml version="1.0" encoding="utf-8"?>
+<dsp:drawing xmlns:dgm="http://schemas.openxmlformats.org/drawingml/2006/diagram" xmlns:dsp="http://schemas.microsoft.com/office/drawing/2008/diagram" xmlns:a="http://schemas.openxmlformats.org/drawingml/2006/main">
+  <dsp:spTree>
+    <dsp:nvGrpSpPr>
+      <dsp:cNvPr id="0" name=""/>
+      <dsp:cNvGrpSpPr/>
+    </dsp:nvGrpSpPr>
+    <dsp:grpSpPr/>
+    <dsp:sp modelId="{FDCAD807-887D-4008-8412-E9AF95131232}">
+      <dsp:nvSpPr>
+        <dsp:cNvPr id="0" name=""/>
+        <dsp:cNvSpPr/>
+      </dsp:nvSpPr>
+      <dsp:spPr>
+        <a:xfrm>
+          <a:off x="0" y="491"/>
+          <a:ext cx="10995660" cy="0"/>
+        </a:xfrm>
+        <a:prstGeom prst="line">
+          <a:avLst/>
+        </a:prstGeom>
+        <a:solidFill>
+          <a:schemeClr val="accent1">
+            <a:hueOff val="0"/>
+            <a:satOff val="0"/>
+            <a:lumOff val="0"/>
+            <a:alphaOff val="0"/>
+          </a:schemeClr>
+        </a:solidFill>
+        <a:ln w="12700" cap="flat" cmpd="sng" algn="ctr">
+          <a:solidFill>
+            <a:schemeClr val="accent1">
+              <a:hueOff val="0"/>
+              <a:satOff val="0"/>
+              <a:lumOff val="0"/>
+              <a:alphaOff val="0"/>
+            </a:schemeClr>
+          </a:solidFill>
+          <a:prstDash val="solid"/>
+          <a:miter lim="800000"/>
+        </a:ln>
+        <a:effectLst/>
+      </dsp:spPr>
+      <dsp:style>
+        <a:lnRef idx="2">
+          <a:scrgbClr r="0" g="0" b="0"/>
+        </a:lnRef>
+        <a:fillRef idx="1">
+          <a:scrgbClr r="0" g="0" b="0"/>
+        </a:fillRef>
+        <a:effectRef idx="0">
+          <a:scrgbClr r="0" g="0" b="0"/>
+        </a:effectRef>
+        <a:fontRef idx="minor">
+          <a:schemeClr val="lt1"/>
+        </a:fontRef>
+      </dsp:style>
+    </dsp:sp>
+    <dsp:sp modelId="{11730DB2-5A50-4E3A-AF73-B3A96E93CD37}">
+      <dsp:nvSpPr>
+        <dsp:cNvPr id="0" name=""/>
+        <dsp:cNvSpPr/>
+      </dsp:nvSpPr>
+      <dsp:spPr>
+        <a:xfrm>
+          <a:off x="0" y="491"/>
+          <a:ext cx="10995660" cy="805618"/>
+        </a:xfrm>
+        <a:prstGeom prst="rect">
+          <a:avLst/>
+        </a:prstGeom>
+        <a:noFill/>
+        <a:ln>
+          <a:noFill/>
+        </a:ln>
+        <a:effectLst/>
+      </dsp:spPr>
+      <dsp:style>
+        <a:lnRef idx="0">
+          <a:scrgbClr r="0" g="0" b="0"/>
+        </a:lnRef>
+        <a:fillRef idx="0">
+          <a:scrgbClr r="0" g="0" b="0"/>
+        </a:fillRef>
+        <a:effectRef idx="0">
+          <a:scrgbClr r="0" g="0" b="0"/>
+        </a:effectRef>
+        <a:fontRef idx="minor"/>
+      </dsp:style>
+      <dsp:txBody>
+        <a:bodyPr spcFirstLastPara="0" vert="horz" wrap="square" lIns="137160" tIns="137160" rIns="137160" bIns="137160" numCol="1" spcCol="1270" anchor="t" anchorCtr="0">
+          <a:noAutofit/>
+        </a:bodyPr>
+        <a:lstStyle/>
+        <a:p>
+          <a:pPr marL="0" lvl="0" indent="0" algn="l" defTabSz="1600200">
+            <a:lnSpc>
+              <a:spcPct val="90000"/>
+            </a:lnSpc>
+            <a:spcBef>
+              <a:spcPct val="0"/>
+            </a:spcBef>
+            <a:spcAft>
+              <a:spcPct val="35000"/>
+            </a:spcAft>
+            <a:buNone/>
+          </a:pPr>
+          <a:r>
+            <a:rPr lang="bg-BG" sz="3600" kern="1200" dirty="0"/>
+            <a:t>Образование</a:t>
+          </a:r>
+          <a:endParaRPr lang="en-US" sz="3600" kern="1200" dirty="0"/>
+        </a:p>
+      </dsp:txBody>
+      <dsp:txXfrm>
+        <a:off x="0" y="491"/>
+        <a:ext cx="10995660" cy="805618"/>
+      </dsp:txXfrm>
+    </dsp:sp>
+    <dsp:sp modelId="{80B02431-D9C3-4046-9769-8F11005420E9}">
+      <dsp:nvSpPr>
+        <dsp:cNvPr id="0" name=""/>
+        <dsp:cNvSpPr/>
+      </dsp:nvSpPr>
+      <dsp:spPr>
+        <a:xfrm>
+          <a:off x="0" y="806109"/>
+          <a:ext cx="10995660" cy="0"/>
+        </a:xfrm>
+        <a:prstGeom prst="line">
+          <a:avLst/>
+        </a:prstGeom>
+        <a:solidFill>
+          <a:schemeClr val="accent1">
+            <a:hueOff val="0"/>
+            <a:satOff val="0"/>
+            <a:lumOff val="0"/>
+            <a:alphaOff val="0"/>
+          </a:schemeClr>
+        </a:solidFill>
+        <a:ln w="12700" cap="flat" cmpd="sng" algn="ctr">
+          <a:solidFill>
+            <a:schemeClr val="accent1">
+              <a:hueOff val="0"/>
+              <a:satOff val="0"/>
+              <a:lumOff val="0"/>
+              <a:alphaOff val="0"/>
+            </a:schemeClr>
+          </a:solidFill>
+          <a:prstDash val="solid"/>
+          <a:miter lim="800000"/>
+        </a:ln>
+        <a:effectLst/>
+      </dsp:spPr>
+      <dsp:style>
+        <a:lnRef idx="2">
+          <a:scrgbClr r="0" g="0" b="0"/>
+        </a:lnRef>
+        <a:fillRef idx="1">
+          <a:scrgbClr r="0" g="0" b="0"/>
+        </a:fillRef>
+        <a:effectRef idx="0">
+          <a:scrgbClr r="0" g="0" b="0"/>
+        </a:effectRef>
+        <a:fontRef idx="minor">
+          <a:schemeClr val="lt1"/>
+        </a:fontRef>
+      </dsp:style>
+    </dsp:sp>
+    <dsp:sp modelId="{92643CB6-0A12-4508-B218-33A792AE157F}">
+      <dsp:nvSpPr>
+        <dsp:cNvPr id="0" name=""/>
+        <dsp:cNvSpPr/>
+      </dsp:nvSpPr>
+      <dsp:spPr>
+        <a:xfrm>
+          <a:off x="0" y="806109"/>
+          <a:ext cx="10995660" cy="805618"/>
+        </a:xfrm>
+        <a:prstGeom prst="rect">
+          <a:avLst/>
+        </a:prstGeom>
+        <a:noFill/>
+        <a:ln>
+          <a:noFill/>
+        </a:ln>
+        <a:effectLst/>
+      </dsp:spPr>
+      <dsp:style>
+        <a:lnRef idx="0">
+          <a:scrgbClr r="0" g="0" b="0"/>
+        </a:lnRef>
+        <a:fillRef idx="0">
+          <a:scrgbClr r="0" g="0" b="0"/>
+        </a:fillRef>
+        <a:effectRef idx="0">
+          <a:scrgbClr r="0" g="0" b="0"/>
+        </a:effectRef>
+        <a:fontRef idx="minor"/>
+      </dsp:style>
+      <dsp:txBody>
+        <a:bodyPr spcFirstLastPara="0" vert="horz" wrap="square" lIns="137160" tIns="137160" rIns="137160" bIns="137160" numCol="1" spcCol="1270" anchor="t" anchorCtr="0">
+          <a:noAutofit/>
+        </a:bodyPr>
+        <a:lstStyle/>
+        <a:p>
+          <a:pPr marL="0" lvl="0" indent="0" algn="l" defTabSz="1600200">
+            <a:lnSpc>
+              <a:spcPct val="90000"/>
+            </a:lnSpc>
+            <a:spcBef>
+              <a:spcPct val="0"/>
+            </a:spcBef>
+            <a:spcAft>
+              <a:spcPct val="35000"/>
+            </a:spcAft>
+            <a:buNone/>
+          </a:pPr>
+          <a:r>
+            <a:rPr lang="bg-BG" sz="3600" kern="1200"/>
+            <a:t>Първи стъпки в технологиите</a:t>
+          </a:r>
+          <a:endParaRPr lang="en-US" sz="3600" kern="1200"/>
+        </a:p>
+      </dsp:txBody>
+      <dsp:txXfrm>
+        <a:off x="0" y="806109"/>
+        <a:ext cx="10995660" cy="805618"/>
+      </dsp:txXfrm>
+    </dsp:sp>
+    <dsp:sp modelId="{8E6CCFA9-2D22-4775-B410-6EBEB2E4A5B5}">
+      <dsp:nvSpPr>
+        <dsp:cNvPr id="0" name=""/>
+        <dsp:cNvSpPr/>
+      </dsp:nvSpPr>
+      <dsp:spPr>
+        <a:xfrm>
+          <a:off x="0" y="1611727"/>
+          <a:ext cx="10995660" cy="0"/>
+        </a:xfrm>
+        <a:prstGeom prst="line">
+          <a:avLst/>
+        </a:prstGeom>
+        <a:solidFill>
+          <a:schemeClr val="accent1">
+            <a:hueOff val="0"/>
+            <a:satOff val="0"/>
+            <a:lumOff val="0"/>
+            <a:alphaOff val="0"/>
+          </a:schemeClr>
+        </a:solidFill>
+        <a:ln w="12700" cap="flat" cmpd="sng" algn="ctr">
+          <a:solidFill>
+            <a:schemeClr val="accent1">
+              <a:hueOff val="0"/>
+              <a:satOff val="0"/>
+              <a:lumOff val="0"/>
+              <a:alphaOff val="0"/>
+            </a:schemeClr>
+          </a:solidFill>
+          <a:prstDash val="solid"/>
+          <a:miter lim="800000"/>
+        </a:ln>
+        <a:effectLst/>
+      </dsp:spPr>
+      <dsp:style>
+        <a:lnRef idx="2">
+          <a:scrgbClr r="0" g="0" b="0"/>
+        </a:lnRef>
+        <a:fillRef idx="1">
+          <a:scrgbClr r="0" g="0" b="0"/>
+        </a:fillRef>
+        <a:effectRef idx="0">
+          <a:scrgbClr r="0" g="0" b="0"/>
+        </a:effectRef>
+        <a:fontRef idx="minor">
+          <a:schemeClr val="lt1"/>
+        </a:fontRef>
+      </dsp:style>
+    </dsp:sp>
+    <dsp:sp modelId="{12DAF342-F28C-47A4-B561-0FCE297D589A}">
+      <dsp:nvSpPr>
+        <dsp:cNvPr id="0" name=""/>
+        <dsp:cNvSpPr/>
+      </dsp:nvSpPr>
+      <dsp:spPr>
+        <a:xfrm>
+          <a:off x="0" y="1611727"/>
+          <a:ext cx="10995660" cy="805618"/>
+        </a:xfrm>
+        <a:prstGeom prst="rect">
+          <a:avLst/>
+        </a:prstGeom>
+        <a:noFill/>
+        <a:ln>
+          <a:noFill/>
+        </a:ln>
+        <a:effectLst/>
+      </dsp:spPr>
+      <dsp:style>
+        <a:lnRef idx="0">
+          <a:scrgbClr r="0" g="0" b="0"/>
+        </a:lnRef>
+        <a:fillRef idx="0">
+          <a:scrgbClr r="0" g="0" b="0"/>
+        </a:fillRef>
+        <a:effectRef idx="0">
+          <a:scrgbClr r="0" g="0" b="0"/>
+        </a:effectRef>
+        <a:fontRef idx="minor"/>
+      </dsp:style>
+      <dsp:txBody>
+        <a:bodyPr spcFirstLastPara="0" vert="horz" wrap="square" lIns="137160" tIns="137160" rIns="137160" bIns="137160" numCol="1" spcCol="1270" anchor="t" anchorCtr="0">
+          <a:noAutofit/>
+        </a:bodyPr>
+        <a:lstStyle/>
+        <a:p>
+          <a:pPr marL="0" lvl="0" indent="0" algn="l" defTabSz="1600200">
+            <a:lnSpc>
+              <a:spcPct val="90000"/>
+            </a:lnSpc>
+            <a:spcBef>
+              <a:spcPct val="0"/>
+            </a:spcBef>
+            <a:spcAft>
+              <a:spcPct val="35000"/>
+            </a:spcAft>
+            <a:buNone/>
+          </a:pPr>
+          <a:r>
+            <a:rPr lang="bg-BG" sz="3600" kern="1200"/>
+            <a:t>Какво ме подтикна към технологиите?</a:t>
+          </a:r>
+          <a:endParaRPr lang="en-US" sz="3600" kern="1200"/>
+        </a:p>
+      </dsp:txBody>
+      <dsp:txXfrm>
+        <a:off x="0" y="1611727"/>
+        <a:ext cx="10995660" cy="805618"/>
+      </dsp:txXfrm>
+    </dsp:sp>
+    <dsp:sp modelId="{6FA25BCD-B43A-4F61-81BA-1C8CE24C0990}">
+      <dsp:nvSpPr>
+        <dsp:cNvPr id="0" name=""/>
+        <dsp:cNvSpPr/>
+      </dsp:nvSpPr>
+      <dsp:spPr>
+        <a:xfrm>
+          <a:off x="0" y="2417346"/>
+          <a:ext cx="10995660" cy="0"/>
+        </a:xfrm>
+        <a:prstGeom prst="line">
+          <a:avLst/>
+        </a:prstGeom>
+        <a:solidFill>
+          <a:schemeClr val="accent1">
+            <a:hueOff val="0"/>
+            <a:satOff val="0"/>
+            <a:lumOff val="0"/>
+            <a:alphaOff val="0"/>
+          </a:schemeClr>
+        </a:solidFill>
+        <a:ln w="12700" cap="flat" cmpd="sng" algn="ctr">
+          <a:solidFill>
+            <a:schemeClr val="accent1">
+              <a:hueOff val="0"/>
+              <a:satOff val="0"/>
+              <a:lumOff val="0"/>
+              <a:alphaOff val="0"/>
+            </a:schemeClr>
+          </a:solidFill>
+          <a:prstDash val="solid"/>
+          <a:miter lim="800000"/>
+        </a:ln>
+        <a:effectLst/>
+      </dsp:spPr>
+      <dsp:style>
+        <a:lnRef idx="2">
+          <a:scrgbClr r="0" g="0" b="0"/>
+        </a:lnRef>
+        <a:fillRef idx="1">
+          <a:scrgbClr r="0" g="0" b="0"/>
+        </a:fillRef>
+        <a:effectRef idx="0">
+          <a:scrgbClr r="0" g="0" b="0"/>
+        </a:effectRef>
+        <a:fontRef idx="minor">
+          <a:schemeClr val="lt1"/>
+        </a:fontRef>
+      </dsp:style>
+    </dsp:sp>
+    <dsp:sp modelId="{D54B0A10-065A-4286-AE5C-F73135448128}">
+      <dsp:nvSpPr>
+        <dsp:cNvPr id="0" name=""/>
+        <dsp:cNvSpPr/>
+      </dsp:nvSpPr>
+      <dsp:spPr>
+        <a:xfrm>
+          <a:off x="0" y="2417346"/>
+          <a:ext cx="10995660" cy="805618"/>
+        </a:xfrm>
+        <a:prstGeom prst="rect">
+          <a:avLst/>
+        </a:prstGeom>
+        <a:noFill/>
+        <a:ln>
+          <a:noFill/>
+        </a:ln>
+        <a:effectLst/>
+      </dsp:spPr>
+      <dsp:style>
+        <a:lnRef idx="0">
+          <a:scrgbClr r="0" g="0" b="0"/>
+        </a:lnRef>
+        <a:fillRef idx="0">
+          <a:scrgbClr r="0" g="0" b="0"/>
+        </a:fillRef>
+        <a:effectRef idx="0">
+          <a:scrgbClr r="0" g="0" b="0"/>
+        </a:effectRef>
+        <a:fontRef idx="minor"/>
+      </dsp:style>
+      <dsp:txBody>
+        <a:bodyPr spcFirstLastPara="0" vert="horz" wrap="square" lIns="137160" tIns="137160" rIns="137160" bIns="137160" numCol="1" spcCol="1270" anchor="t" anchorCtr="0">
+          <a:noAutofit/>
+        </a:bodyPr>
+        <a:lstStyle/>
+        <a:p>
+          <a:pPr marL="0" lvl="0" indent="0" algn="l" defTabSz="1600200">
+            <a:lnSpc>
+              <a:spcPct val="90000"/>
+            </a:lnSpc>
+            <a:spcBef>
+              <a:spcPct val="0"/>
+            </a:spcBef>
+            <a:spcAft>
+              <a:spcPct val="35000"/>
+            </a:spcAft>
+            <a:buNone/>
+          </a:pPr>
+          <a:r>
+            <a:rPr lang="bg-BG" sz="3600" kern="1200"/>
+            <a:t>Първи стъпки в програмирането</a:t>
+          </a:r>
+          <a:endParaRPr lang="en-US" sz="3600" kern="1200"/>
+        </a:p>
+      </dsp:txBody>
+      <dsp:txXfrm>
+        <a:off x="0" y="2417346"/>
+        <a:ext cx="10995660" cy="805618"/>
+      </dsp:txXfrm>
+    </dsp:sp>
+    <dsp:sp modelId="{79E65C5C-20A7-4DE9-9743-3207A3F72323}">
+      <dsp:nvSpPr>
+        <dsp:cNvPr id="0" name=""/>
+        <dsp:cNvSpPr/>
+      </dsp:nvSpPr>
+      <dsp:spPr>
+        <a:xfrm>
+          <a:off x="0" y="3222964"/>
+          <a:ext cx="10995660" cy="0"/>
+        </a:xfrm>
+        <a:prstGeom prst="line">
+          <a:avLst/>
+        </a:prstGeom>
+        <a:solidFill>
+          <a:schemeClr val="accent1">
+            <a:hueOff val="0"/>
+            <a:satOff val="0"/>
+            <a:lumOff val="0"/>
+            <a:alphaOff val="0"/>
+          </a:schemeClr>
+        </a:solidFill>
+        <a:ln w="12700" cap="flat" cmpd="sng" algn="ctr">
+          <a:solidFill>
+            <a:schemeClr val="accent1">
+              <a:hueOff val="0"/>
+              <a:satOff val="0"/>
+              <a:lumOff val="0"/>
+              <a:alphaOff val="0"/>
+            </a:schemeClr>
+          </a:solidFill>
+          <a:prstDash val="solid"/>
+          <a:miter lim="800000"/>
+        </a:ln>
+        <a:effectLst/>
+      </dsp:spPr>
+      <dsp:style>
+        <a:lnRef idx="2">
+          <a:scrgbClr r="0" g="0" b="0"/>
+        </a:lnRef>
+        <a:fillRef idx="1">
+          <a:scrgbClr r="0" g="0" b="0"/>
+        </a:fillRef>
+        <a:effectRef idx="0">
+          <a:scrgbClr r="0" g="0" b="0"/>
+        </a:effectRef>
+        <a:fontRef idx="minor">
+          <a:schemeClr val="lt1"/>
+        </a:fontRef>
+      </dsp:style>
+    </dsp:sp>
+    <dsp:sp modelId="{A3D7CEBB-A823-414D-B214-CAA1033E20F2}">
+      <dsp:nvSpPr>
+        <dsp:cNvPr id="0" name=""/>
+        <dsp:cNvSpPr/>
+      </dsp:nvSpPr>
+      <dsp:spPr>
+        <a:xfrm>
+          <a:off x="0" y="3222964"/>
+          <a:ext cx="10995660" cy="805618"/>
+        </a:xfrm>
+        <a:prstGeom prst="rect">
+          <a:avLst/>
+        </a:prstGeom>
+        <a:noFill/>
+        <a:ln>
+          <a:noFill/>
+        </a:ln>
+        <a:effectLst/>
+      </dsp:spPr>
+      <dsp:style>
+        <a:lnRef idx="0">
+          <a:scrgbClr r="0" g="0" b="0"/>
+        </a:lnRef>
+        <a:fillRef idx="0">
+          <a:scrgbClr r="0" g="0" b="0"/>
+        </a:fillRef>
+        <a:effectRef idx="0">
+          <a:scrgbClr r="0" g="0" b="0"/>
+        </a:effectRef>
+        <a:fontRef idx="minor"/>
+      </dsp:style>
+      <dsp:txBody>
+        <a:bodyPr spcFirstLastPara="0" vert="horz" wrap="square" lIns="137160" tIns="137160" rIns="137160" bIns="137160" numCol="1" spcCol="1270" anchor="t" anchorCtr="0">
+          <a:noAutofit/>
+        </a:bodyPr>
+        <a:lstStyle/>
+        <a:p>
+          <a:pPr marL="0" lvl="0" indent="0" algn="l" defTabSz="1600200">
+            <a:lnSpc>
+              <a:spcPct val="90000"/>
+            </a:lnSpc>
+            <a:spcBef>
+              <a:spcPct val="0"/>
+            </a:spcBef>
+            <a:spcAft>
+              <a:spcPct val="35000"/>
+            </a:spcAft>
+            <a:buNone/>
+          </a:pPr>
+          <a:r>
+            <a:rPr lang="bg-BG" sz="3600" kern="1200"/>
+            <a:t>Защо програмиране и софтуерно инженерство?</a:t>
+          </a:r>
+          <a:endParaRPr lang="en-US" sz="3600" kern="1200"/>
+        </a:p>
+      </dsp:txBody>
+      <dsp:txXfrm>
+        <a:off x="0" y="3222964"/>
+        <a:ext cx="10995660" cy="805618"/>
+      </dsp:txXfrm>
+    </dsp:sp>
+  </dsp:spTree>
+</dsp:drawing>
+</file>
+
+<file path=ppt/diagrams/layout1.xml><?xml version="1.0" encoding="utf-8"?>
+<dgm:layoutDef xmlns:dgm="http://schemas.openxmlformats.org/drawingml/2006/diagram" xmlns:a="http://schemas.openxmlformats.org/drawingml/2006/main" uniqueId="urn:microsoft.com/office/officeart/2008/layout/LinedList">
+  <dgm:title val=""/>
+  <dgm:desc val=""/>
+  <dgm:catLst>
+    <dgm:cat type="hierarchy" pri="8000"/>
+    <dgm:cat type="list" pri="2500"/>
+  </dgm:catLst>
+  <dgm:sampData>
+    <dgm:dataModel>
+      <dgm:ptLst>
+        <dgm:pt modelId="0" type="doc"/>
+        <dgm:pt modelId="1">
+          <dgm:prSet phldr="1"/>
+        </dgm:pt>
+        <dgm:pt modelId="11">
+          <dgm:prSet phldr="1"/>
+        </dgm:pt>
+        <dgm:pt modelId="12">
+          <dgm:prSet phldr="1"/>
+        </dgm:pt>
+        <dgm:pt modelId="13">
+          <dgm:prSet phldr="1"/>
+        </dgm:pt>
+      </dgm:ptLst>
+      <dgm:cxnLst>
+        <dgm:cxn modelId="2" srcId="0" destId="1" srcOrd="0" destOrd="0"/>
+        <dgm:cxn modelId="3" srcId="1" destId="11" srcOrd="0" destOrd="0"/>
+        <dgm:cxn modelId="4" srcId="1" destId="12" srcOrd="1" destOrd="0"/>
+        <dgm:cxn modelId="5" srcId="1" destId="13" srcOrd="2" destOrd="0"/>
+      </dgm:cxnLst>
+      <dgm:bg/>
+      <dgm:whole/>
+    </dgm:dataModel>
+  </dgm:sampData>
+  <dgm:styleData>
+    <dgm:dataModel>
+      <dgm:ptLst>
+        <dgm:pt modelId="0" type="doc"/>
+        <dgm:pt modelId="1">
+          <dgm:prSet phldr="1"/>
+        </dgm:pt>
+        <dgm:pt modelId="11">
+          <dgm:prSet phldr="1"/>
+        </dgm:pt>
+        <dgm:pt modelId="12">
+          <dgm:prSet phldr="1"/>
+        </dgm:pt>
+      </dgm:ptLst>
+      <dgm:cxnLst>
+        <dgm:cxn modelId="2" srcId="0" destId="1" srcOrd="0" destOrd="0"/>
+        <dgm:cxn modelId="3" srcId="1" destId="11" srcOrd="0" destOrd="0"/>
+        <dgm:cxn modelId="4" srcId="1" destId="12" srcOrd="1" destOrd="0"/>
+      </dgm:cxnLst>
+      <dgm:bg/>
+      <dgm:whole/>
+    </dgm:dataModel>
+  </dgm:styleData>
+  <dgm:clrData>
+    <dgm:dataModel>
+      <dgm:ptLst>
+        <dgm:pt modelId="0" type="doc"/>
+        <dgm:pt modelId="1">
+          <dgm:prSet phldr="1"/>
+        </dgm:pt>
+        <dgm:pt modelId="11">
+          <dgm:prSet phldr="1"/>
+        </dgm:pt>
+        <dgm:pt modelId="12">
+          <dgm:prSet phldr="1"/>
+        </dgm:pt>
+      </dgm:ptLst>
+      <dgm:cxnLst>
+        <dgm:cxn modelId="2" srcId="0" destId="1" srcOrd="0" destOrd="0"/>
+        <dgm:cxn modelId="3" srcId="1" destId="11" srcOrd="0" destOrd="0"/>
+        <dgm:cxn modelId="4" srcId="1" destId="12" srcOrd="1" destOrd="0"/>
+      </dgm:cxnLst>
+      <dgm:bg/>
+      <dgm:whole/>
+    </dgm:dataModel>
+  </dgm:clrData>
+  <dgm:layoutNode name="vert0">
+    <dgm:varLst>
+      <dgm:dir/>
+      <dgm:animOne val="branch"/>
+      <dgm:animLvl val="lvl"/>
+    </dgm:varLst>
+    <dgm:choose name="Name0">
+      <dgm:if name="Name1" func="var" arg="dir" op="equ" val="norm">
+        <dgm:alg type="lin">
+          <dgm:param type="linDir" val="fromT"/>
+          <dgm:param type="nodeHorzAlign" val="l"/>
+        </dgm:alg>
+      </dgm:if>
+      <dgm:else name="Name2">
+        <dgm:alg type="lin">
+          <dgm:param type="linDir" val="fromT"/>
+          <dgm:param type="nodeHorzAlign" val="r"/>
+        </dgm:alg>
+      </dgm:else>
+    </dgm:choose>
+    <dgm:shape xmlns:r="http://schemas.openxmlformats.org/officeDocument/2006/relationships" r:blip="">
+      <dgm:adjLst/>
+    </dgm:shape>
+    <dgm:presOf/>
+    <dgm:constrLst>
+      <dgm:constr type="w" for="ch" forName="horz1" refType="w"/>
+      <dgm:constr type="h" for="ch" forName="horz1" refType="h"/>
+      <dgm:constr type="h" for="des" forName="vert1" refType="h"/>
+      <dgm:constr type="h" for="des" forName="tx1" refType="h"/>
+      <dgm:constr type="h" for="des" forName="horz2" refType="h"/>
+      <dgm:constr type="h" for="des" forName="vert2" refType="h"/>
+      <dgm:constr type="h" for="des" forName="horz3" refType="h"/>
+      <dgm:constr type="h" for="des" forName="vert3" refType="h"/>
+      <dgm:constr type="h" for="des" forName="horz4" refType="h"/>
+      <dgm:constr type="h" for="des" ptType="node" refType="h"/>
+      <dgm:constr type="primFontSz" for="des" forName="tx1" op="equ" val="65"/>
+      <dgm:constr type="primFontSz" for="des" forName="tx2" op="equ" val="65"/>
+      <dgm:constr type="primFontSz" for="des" forName="tx3" op="equ" val="65"/>
+      <dgm:constr type="primFontSz" for="des" forName="tx4" op="equ" val="65"/>
+      <dgm:constr type="w" for="des" forName="thickLine" refType="w"/>
+      <dgm:constr type="h" for="des" forName="thickLine"/>
+      <dgm:constr type="h" for="des" forName="thinLine1"/>
+      <dgm:constr type="h" for="des" forName="thinLine2b"/>
+      <dgm:constr type="h" for="des" forName="thinLine3"/>
+      <dgm:constr type="h" for="des" forName="vertSpace2a" refType="h" fact="0.05"/>
+      <dgm:constr type="h" for="des" forName="vertSpace2b" refType="h" refFor="des" refForName="vertSpace2a"/>
+    </dgm:constrLst>
+    <dgm:forEach name="Name3" axis="ch" ptType="node">
+      <dgm:layoutNode name="thickLine" styleLbl="alignNode1">
+        <dgm:alg type="sp"/>
+        <dgm:shape xmlns:r="http://schemas.openxmlformats.org/officeDocument/2006/relationships" type="line" r:blip="">
+          <dgm:adjLst/>
+        </dgm:shape>
+        <dgm:presOf/>
+      </dgm:layoutNode>
+      <dgm:layoutNode name="horz1">
+        <dgm:choose name="Name4">
+          <dgm:if name="Name5" func="var" arg="dir" op="equ" val="norm">
+            <dgm:alg type="lin">
+              <dgm:param type="linDir" val="fromL"/>
+              <dgm:param type="nodeVertAlign" val="t"/>
+            </dgm:alg>
+          </dgm:if>
+          <dgm:else name="Name6">
+            <dgm:alg type="lin">
+              <dgm:param type="linDir" val="fromR"/>
+              <dgm:param type="nodeVertAlign" val="t"/>
+            </dgm:alg>
+          </dgm:else>
+        </dgm:choose>
+        <dgm:shape xmlns:r="http://schemas.openxmlformats.org/officeDocument/2006/relationships" r:blip="">
+          <dgm:adjLst/>
+        </dgm:shape>
+        <dgm:presOf/>
+        <dgm:choose name="Name7">
+          <dgm:if name="Name8" axis="root des" func="maxDepth" op="equ" val="1">
+            <dgm:constrLst>
+              <dgm:constr type="w" for="ch" forName="tx1" refType="w"/>
+            </dgm:constrLst>
+          </dgm:if>
+          <dgm:if name="Name9" axis="root des" func="maxDepth" op="equ" val="2">
+            <dgm:constrLst>
+              <dgm:constr type="w" for="ch" forName="tx1" refType="w" fact="0.2"/>
+              <dgm:constr type="w" for="des" forName="tx2" refType="w" fact="0.785"/>
+              <dgm:constr type="w" for="des" forName="horzSpace2" refType="w" fact="0.015"/>
+              <dgm:constr type="w" for="des" forName="thinLine2b" refType="w" fact="0.8"/>
+            </dgm:constrLst>
+          </dgm:if>
+          <dgm:if name="Name10" axis="root des" func="maxDepth" op="equ" val="3">
+            <dgm:constrLst>
+              <dgm:constr type="w" for="ch" forName="tx1" refType="w" fact="0.2"/>
+              <dgm:constr type="w" for="des" forName="tx2" refType="w" fact="0.385"/>
+              <dgm:constr type="w" for="des" forName="tx3" refType="w" fact="0.385"/>
+              <dgm:constr type="w" for="des" forName="horzSpace2" refType="w" fact="0.015"/>
+              <dgm:constr type="w" for="des" forName="horzSpace3" refType="w" fact="0.015"/>
+              <dgm:constr type="w" for="des" forName="thinLine2b" refType="w" fact="0.8"/>
+              <dgm:constr type="w" for="des" forName="thinLine3" refType="w" fact="0.385"/>
+            </dgm:constrLst>
+          </dgm:if>
+          <dgm:if name="Name11" axis="root des" func="maxDepth" op="gte" val="4">
+            <dgm:constrLst>
+              <dgm:constr type="w" for="ch" forName="tx1" refType="w" fact="0.2"/>
+              <dgm:constr type="w" for="des" forName="tx2" refType="w" fact="0.2516"/>
+              <dgm:constr type="w" for="des" forName="tx3" refType="w" fact="0.2516"/>
+              <dgm:constr type="w" for="des" forName="tx4" refType="w" fact="0.2516"/>
+              <dgm:constr type="w" for="des" forName="horzSpace2" refType="w" fact="0.015"/>
+              <dgm:constr type="w" for="des" forName="horzSpace3" refType="w" fact="0.015"/>
+              <dgm:constr type="w" for="des" forName="horzSpace4" refType="w" fact="0.015"/>
+              <dgm:constr type="w" for="des" forName="thinLine2b" refType="w" fact="0.8"/>
+              <dgm:constr type="w" for="des" forName="thinLine3" refType="w" fact="0.5332"/>
+            </dgm:constrLst>
+          </dgm:if>
+          <dgm:else name="Name12"/>
+        </dgm:choose>
+        <dgm:layoutNode name="tx1" styleLbl="revTx">
+          <dgm:alg type="tx">
+            <dgm:param type="parTxLTRAlign" val="l"/>
+            <dgm:param type="parTxRTLAlign" val="r"/>
+            <dgm:param type="txAnchorVert" val="t"/>
+          </dgm:alg>
+          <dgm:shape xmlns:r="http://schemas.openxmlformats.org/officeDocument/2006/relationships" type="rect" r:blip="">
+            <dgm:adjLst/>
+          </dgm:shape>
+          <dgm:presOf axis="self"/>
+          <dgm:constrLst>
+            <dgm:constr type="tMarg" refType="primFontSz" fact="0.3"/>
+            <dgm:constr type="bMarg" refType="primFontSz" fact="0.3"/>
+            <dgm:constr type="lMarg" refType="primFontSz" fact="0.3"/>
+            <dgm:constr type="rMarg" refType="primFontSz" fact="0.3"/>
+          </dgm:constrLst>
+          <dgm:ruleLst>
+            <dgm:rule type="primFontSz" val="5" fact="NaN" max="NaN"/>
+          </dgm:ruleLst>
+        </dgm:layoutNode>
+        <dgm:layoutNode name="vert1">
+          <dgm:choose name="Name13">
+            <dgm:if name="Name14" func="var" arg="dir" op="equ" val="norm">
+              <dgm:alg type="lin">
+                <dgm:param type="linDir" val="fromT"/>
+                <dgm:param type="nodeHorzAlign" val="l"/>
+              </dgm:alg>
+            </dgm:if>
+            <dgm:else name="Name15">
+              <dgm:alg type="lin">
+                <dgm:param type="linDir" val="fromT"/>
+                <dgm:param type="nodeHorzAlign" val="r"/>
+              </dgm:alg>
+            </dgm:else>
+          </dgm:choose>
+          <dgm:shape xmlns:r="http://schemas.openxmlformats.org/officeDocument/2006/relationships" r:blip="">
+            <dgm:adjLst/>
+          </dgm:shape>
+          <dgm:presOf/>
+          <dgm:forEach name="Name16" axis="ch" ptType="node">
+            <dgm:choose name="Name17">
+              <dgm:if name="Name18" axis="self" ptType="node" func="pos" op="equ" val="1">
+                <dgm:layoutNode name="vertSpace2a">
+                  <dgm:alg type="sp"/>
+                  <dgm:shape xmlns:r="http://schemas.openxmlformats.org/officeDocument/2006/relationships" r:blip="">
+                    <dgm:adjLst/>
+                  </dgm:shape>
+                  <dgm:presOf/>
+                </dgm:layoutNode>
+              </dgm:if>
+              <dgm:else name="Name19"/>
+            </dgm:choose>
+            <dgm:layoutNode name="horz2">
+              <dgm:choose name="Name20">
+                <dgm:if name="Name21" func="var" arg="dir" op="equ" val="norm">
+                  <dgm:alg type="lin">
+                    <dgm:param type="linDir" val="fromL"/>
+                    <dgm:param type="nodeVertAlign" val="t"/>
+                  </dgm:alg>
+                </dgm:if>
+                <dgm:else name="Name22">
+                  <dgm:alg type="lin">
+                    <dgm:param type="linDir" val="fromR"/>
+                    <dgm:param type="nodeVertAlign" val="t"/>
+                  </dgm:alg>
+                </dgm:else>
+              </dgm:choose>
+              <dgm:shape xmlns:r="http://schemas.openxmlformats.org/officeDocument/2006/relationships" r:blip="">
+                <dgm:adjLst/>
+              </dgm:shape>
+              <dgm:presOf/>
+              <dgm:layoutNode name="horzSpace2">
+                <dgm:alg type="sp"/>
+                <dgm:shape xmlns:r="http://schemas.openxmlformats.org/officeDocument/2006/relationships" r:blip="">
+                  <dgm:adjLst/>
+                </dgm:shape>
+                <dgm:presOf/>
+              </dgm:layoutNode>
+              <dgm:layoutNode name="tx2" styleLbl="revTx">
+                <dgm:alg type="tx">
+                  <dgm:param type="parTxLTRAlign" val="l"/>
+                  <dgm:param type="parTxRTLAlign" val="r"/>
+                  <dgm:param type="txAnchorVert" val="t"/>
+                </dgm:alg>
+                <dgm:shape xmlns:r="http://schemas.openxmlformats.org/officeDocument/2006/relationships" type="rect" r:blip="">
+                  <dgm:adjLst/>
+                </dgm:shape>
+                <dgm:presOf axis="self"/>
+                <dgm:constrLst>
+                  <dgm:constr type="tMarg" refType="primFontSz" fact="0.3"/>
+                  <dgm:constr type="bMarg" refType="primFontSz" fact="0.3"/>
+                  <dgm:constr type="lMarg" refType="primFontSz" fact="0.3"/>
+                  <dgm:constr type="rMarg" refType="primFontSz" fact="0.3"/>
+                </dgm:constrLst>
+                <dgm:ruleLst>
+                  <dgm:rule type="primFontSz" val="5" fact="NaN" max="NaN"/>
+                </dgm:ruleLst>
+              </dgm:layoutNode>
+              <dgm:layoutNode name="vert2">
+                <dgm:choose name="Name23">
+                  <dgm:if name="Name24" func="var" arg="dir" op="equ" val="norm">
+                    <dgm:alg type="lin">
+                      <dgm:param type="linDir" val="fromT"/>
+                      <dgm:param type="nodeHorzAlign" val="l"/>
+                    </dgm:alg>
+                  </dgm:if>
+                  <dgm:else name="Name25">
+                    <dgm:alg type="lin">
+                      <dgm:param type="linDir" val="fromT"/>
+                      <dgm:param type="nodeHorzAlign" val="r"/>
+                    </dgm:alg>
+                  </dgm:else>
+                </dgm:choose>
+                <dgm:shape xmlns:r="http://schemas.openxmlformats.org/officeDocument/2006/relationships" r:blip="">
+                  <dgm:adjLst/>
+                </dgm:shape>
+                <dgm:presOf/>
+                <dgm:forEach name="Name26" axis="ch" ptType="node">
+                  <dgm:layoutNode name="horz3">
+                    <dgm:choose name="Name27">
+                      <dgm:if name="Name28" func="var" arg="dir" op="equ" val="norm">
+                        <dgm:alg type="lin">
+                          <dgm:param type="linDir" val="fromL"/>
+                          <dgm:param type="nodeVertAlign" val="t"/>
+                        </dgm:alg>
+                      </dgm:if>
+                      <dgm:else name="Name29">
+                        <dgm:alg type="lin">
+                          <dgm:param type="linDir" val="fromR"/>
+                          <dgm:param type="nodeVertAlign" val="t"/>
+                        </dgm:alg>
+                      </dgm:else>
+                    </dgm:choose>
+                    <dgm:shape xmlns:r="http://schemas.openxmlformats.org/officeDocument/2006/relationships" r:blip="">
+                      <dgm:adjLst/>
+                    </dgm:shape>
+                    <dgm:presOf/>
+                    <dgm:layoutNode name="horzSpace3">
+                      <dgm:alg type="sp"/>
+                      <dgm:shape xmlns:r="http://schemas.openxmlformats.org/officeDocument/2006/relationships" r:blip="">
+                        <dgm:adjLst/>
+                      </dgm:shape>
+                      <dgm:presOf/>
+                    </dgm:layoutNode>
+                    <dgm:layoutNode name="tx3" styleLbl="revTx">
+                      <dgm:alg type="tx">
+                        <dgm:param type="parTxLTRAlign" val="l"/>
+                        <dgm:param type="parTxRTLAlign" val="r"/>
+                        <dgm:param type="txAnchorVert" val="t"/>
+                      </dgm:alg>
+                      <dgm:shape xmlns:r="http://schemas.openxmlformats.org/officeDocument/2006/relationships" type="rect" r:blip="">
+                        <dgm:adjLst/>
+                      </dgm:shape>
+                      <dgm:presOf axis="self"/>
+                      <dgm:constrLst>
+                        <dgm:constr type="tMarg" refType="primFontSz" fact="0.3"/>
+                        <dgm:constr type="bMarg" refType="primFontSz" fact="0.3"/>
+                        <dgm:constr type="lMarg" refType="primFontSz" fact="0.3"/>
+                        <dgm:constr type="rMarg" refType="primFontSz" fact="0.3"/>
+                      </dgm:constrLst>
+                      <dgm:ruleLst>
+                        <dgm:rule type="primFontSz" val="5" fact="NaN" max="NaN"/>
+                      </dgm:ruleLst>
+                    </dgm:layoutNode>
+                    <dgm:layoutNode name="vert3">
+                      <dgm:choose name="Name30">
+                        <dgm:if name="Name31" func="var" arg="dir" op="equ" val="norm">
+                          <dgm:alg type="lin">
+                            <dgm:param type="linDir" val="fromT"/>
+                            <dgm:param type="nodeHorzAlign" val="l"/>
+                          </dgm:alg>
+                        </dgm:if>
+                        <dgm:else name="Name32">
+                          <dgm:alg type="lin">
+                            <dgm:param type="linDir" val="fromT"/>
+                            <dgm:param type="nodeHorzAlign" val="r"/>
+                          </dgm:alg>
+                        </dgm:else>
+                      </dgm:choose>
+                      <dgm:shape xmlns:r="http://schemas.openxmlformats.org/officeDocument/2006/relationships" r:blip="">
+                        <dgm:adjLst/>
+                      </dgm:shape>
+                      <dgm:presOf/>
+                      <dgm:forEach name="Name33" axis="ch" ptType="node">
+                        <dgm:layoutNode name="horz4">
+                          <dgm:choose name="Name34">
+                            <dgm:if name="Name35" func="var" arg="dir" op="equ" val="norm">
+                              <dgm:alg type="lin">
+                                <dgm:param type="linDir" val="fromL"/>
+                                <dgm:param type="nodeVertAlign" val="t"/>
+                              </dgm:alg>
+                            </dgm:if>
+                            <dgm:else name="Name36">
+                              <dgm:alg type="lin">
+                                <dgm:param type="linDir" val="fromR"/>
+                                <dgm:param type="nodeVertAlign" val="t"/>
+                              </dgm:alg>
+                            </dgm:else>
+                          </dgm:choose>
+                          <dgm:shape xmlns:r="http://schemas.openxmlformats.org/officeDocument/2006/relationships" r:blip="">
+                            <dgm:adjLst/>
+                          </dgm:shape>
+                          <dgm:presOf/>
+                          <dgm:layoutNode name="horzSpace4">
+                            <dgm:alg type="sp"/>
+                            <dgm:shape xmlns:r="http://schemas.openxmlformats.org/officeDocument/2006/relationships" r:blip="">
+                              <dgm:adjLst/>
+                            </dgm:shape>
+                            <dgm:presOf/>
+                          </dgm:layoutNode>
+                          <dgm:layoutNode name="tx4" styleLbl="revTx">
+                            <dgm:varLst>
+                              <dgm:bulletEnabled val="1"/>
+                            </dgm:varLst>
+                            <dgm:alg type="tx">
+                              <dgm:param type="parTxLTRAlign" val="l"/>
+                              <dgm:param type="parTxRTLAlign" val="r"/>
+                              <dgm:param type="txAnchorVert" val="t"/>
+                            </dgm:alg>
+                            <dgm:shape xmlns:r="http://schemas.openxmlformats.org/officeDocument/2006/relationships" type="rect" r:blip="">
+                              <dgm:adjLst/>
+                            </dgm:shape>
+                            <dgm:presOf axis="desOrSelf" ptType="node"/>
+                            <dgm:constrLst>
+                              <dgm:constr type="tMarg" refType="primFontSz" fact="0.3"/>
+                              <dgm:constr type="bMarg" refType="primFontSz" fact="0.3"/>
+                              <dgm:constr type="lMarg" refType="primFontSz" fact="0.3"/>
+                              <dgm:constr type="rMarg" refType="primFontSz" fact="0.3"/>
+                            </dgm:constrLst>
+                            <dgm:ruleLst>
+                              <dgm:rule type="primFontSz" val="5" fact="NaN" max="NaN"/>
+                            </dgm:ruleLst>
+                          </dgm:layoutNode>
+                        </dgm:layoutNode>
+                      </dgm:forEach>
+                    </dgm:layoutNode>
+                  </dgm:layoutNode>
+                  <dgm:forEach name="Name37" axis="followSib" ptType="sibTrans" cnt="1">
+                    <dgm:layoutNode name="thinLine3" styleLbl="callout">
+                      <dgm:alg type="sp"/>
+                      <dgm:shape xmlns:r="http://schemas.openxmlformats.org/officeDocument/2006/relationships" type="line" r:blip="">
+                        <dgm:adjLst/>
+                      </dgm:shape>
+                      <dgm:presOf/>
+                    </dgm:layoutNode>
+                  </dgm:forEach>
+                </dgm:forEach>
+              </dgm:layoutNode>
+            </dgm:layoutNode>
+            <dgm:layoutNode name="thinLine2b" styleLbl="callout">
+              <dgm:alg type="sp"/>
+              <dgm:shape xmlns:r="http://schemas.openxmlformats.org/officeDocument/2006/relationships" type="line" r:blip="">
+                <dgm:adjLst/>
+              </dgm:shape>
+              <dgm:presOf/>
+            </dgm:layoutNode>
+            <dgm:layoutNode name="vertSpace2b">
+              <dgm:alg type="sp"/>
+              <dgm:shape xmlns:r="http://schemas.openxmlformats.org/officeDocument/2006/relationships" r:blip="">
+                <dgm:adjLst/>
+              </dgm:shape>
+              <dgm:presOf/>
+            </dgm:layoutNode>
+          </dgm:forEach>
+        </dgm:layoutNode>
+      </dgm:layoutNode>
+    </dgm:forEach>
+  </dgm:layoutNode>
+</dgm:layoutDef>
+</file>
+
+<file path=ppt/diagrams/quickStyle1.xml><?xml version="1.0" encoding="utf-8"?>
+<dgm:styleDef xmlns:dgm="http://schemas.openxmlformats.org/drawingml/2006/diagram" xmlns:a="http://schemas.openxmlformats.org/drawingml/2006/main" uniqueId="urn:microsoft.com/office/officeart/2005/8/quickstyle/simple1">
+  <dgm:title val=""/>
+  <dgm:desc val=""/>
+  <dgm:catLst>
+    <dgm:cat type="simple" pri="10100"/>
+  </dgm:catLst>
+  <dgm:scene3d>
+    <a:camera prst="orthographicFront"/>
+    <a:lightRig rig="threePt" dir="t"/>
+  </dgm:scene3d>
+  <dgm:styleLbl name="node0">
+    <dgm:scene3d>
+      <a:camera prst="orthographicFront"/>
+      <a:lightRig rig="threePt" dir="t"/>
+    </dgm:scene3d>
+    <dgm:sp3d/>
+    <dgm:txPr/>
+    <dgm:style>
+      <a:lnRef idx="2">
+        <a:scrgbClr r="0" g="0" b="0"/>
+      </a:lnRef>
+      <a:fillRef idx="1">
+        <a:scrgbClr r="0" g="0" b="0"/>
+      </a:fillRef>
+      <a:effectRef idx="0">
+        <a:scrgbClr r="0" g="0" b="0"/>
+      </a:effectRef>
+      <a:fontRef idx="minor">
+        <a:schemeClr val="lt1"/>
+      </a:fontRef>
+    </dgm:style>
+  </dgm:styleLbl>
+  <dgm:styleLbl name="lnNode1">
+    <dgm:scene3d>
+      <a:camera prst="orthographicFront"/>
+      <a:lightRig rig="threePt" dir="t"/>
+    </dgm:scene3d>
+    <dgm:sp3d/>
+    <dgm:txPr/>
+    <dgm:style>
+      <a:lnRef idx="2">
+        <a:scrgbClr r="0" g="0" b="0"/>
+      </a:lnRef>
+      <a:fillRef idx="1">
+        <a:scrgbClr r="0" g="0" b="0"/>
+      </a:fillRef>
+      <a:effectRef idx="0">
+        <a:scrgbClr r="0" g="0" b="0"/>
+      </a:effectRef>
+      <a:fontRef idx="minor">
+        <a:schemeClr val="lt1"/>
+      </a:fontRef>
+    </dgm:style>
+  </dgm:styleLbl>
+  <dgm:styleLbl name="vennNode1">
+    <dgm:scene3d>
+      <a:camera prst="orthographicFront"/>
+      <a:lightRig rig="threePt" dir="t"/>
+    </dgm:scene3d>
+    <dgm:sp3d/>
+    <dgm:txPr/>
+    <dgm:style>
+      <a:lnRef idx="2">
+        <a:scrgbClr r="0" g="0" b="0"/>
+      </a:lnRef>
+      <a:fillRef idx="1">
+        <a:scrgbClr r="0" g="0" b="0"/>
+      </a:fillRef>
+      <a:effectRef idx="0">
+        <a:scrgbClr r="0" g="0" b="0"/>
+      </a:effectRef>
+      <a:fontRef idx="minor">
+        <a:schemeClr val="tx1"/>
+      </a:fontRef>
+    </dgm:style>
+  </dgm:styleLbl>
+  <dgm:styleLbl name="alignNode1">
+    <dgm:scene3d>
+      <a:camera prst="orthographicFront"/>
+      <a:lightRig rig="threePt" dir="t"/>
+    </dgm:scene3d>
+    <dgm:sp3d/>
+    <dgm:txPr/>
+    <dgm:style>
+      <a:lnRef idx="2">
+        <a:scrgbClr r="0" g="0" b="0"/>
+      </a:lnRef>
+      <a:fillRef idx="1">
+        <a:scrgbClr r="0" g="0" b="0"/>
+      </a:fillRef>
+      <a:effectRef idx="0">
+        <a:scrgbClr r="0" g="0" b="0"/>
+      </a:effectRef>
+      <a:fontRef idx="minor">
+        <a:schemeClr val="lt1"/>
+      </a:fontRef>
+    </dgm:style>
+  </dgm:styleLbl>
+  <dgm:styleLbl name="node1">
+    <dgm:scene3d>
+      <a:camera prst="orthographicFront"/>
+      <a:lightRig rig="threePt" dir="t"/>
+    </dgm:scene3d>
+    <dgm:sp3d/>
+    <dgm:txPr/>
+    <dgm:style>
+      <a:lnRef idx="2">
+        <a:scrgbClr r="0" g="0" b="0"/>
+      </a:lnRef>
+      <a:fillRef idx="1">
+        <a:scrgbClr r="0" g="0" b="0"/>
+      </a:fillRef>
+      <a:effectRef idx="0">
+        <a:scrgbClr r="0" g="0" b="0"/>
+      </a:effectRef>
+      <a:fontRef idx="minor">
+        <a:schemeClr val="lt1"/>
+      </a:fontRef>
+    </dgm:style>
+  </dgm:styleLbl>
+  <dgm:styleLbl name="node2">
+    <dgm:scene3d>
+      <a:camera prst="orthographicFront"/>
+      <a:lightRig rig="threePt" dir="t"/>
+    </dgm:scene3d>
+    <dgm:sp3d/>
+    <dgm:txPr/>
+    <dgm:style>
+      <a:lnRef idx="2">
+        <a:scrgbClr r="0" g="0" b="0"/>
+      </a:lnRef>
+      <a:fillRef idx="1">
+        <a:scrgbClr r="0" g="0" b="0"/>
+      </a:fillRef>
+      <a:effectRef idx="0">
+        <a:scrgbClr r="0" g="0" b="0"/>
+      </a:effectRef>
+      <a:fontRef idx="minor">
+        <a:schemeClr val="lt1"/>
+      </a:fontRef>
+    </dgm:style>
+  </dgm:styleLbl>
+  <dgm:styleLbl name="node3">
+    <dgm:scene3d>
+      <a:camera prst="orthographicFront"/>
+      <a:lightRig rig="threePt" dir="t"/>
+    </dgm:scene3d>
+    <dgm:sp3d/>
+    <dgm:txPr/>
+    <dgm:style>
+      <a:lnRef idx="2">
+        <a:scrgbClr r="0" g="0" b="0"/>
+      </a:lnRef>
+      <a:fillRef idx="1">
+        <a:scrgbClr r="0" g="0" b="0"/>
+      </a:fillRef>
+      <a:effectRef idx="0">
+        <a:scrgbClr r="0" g="0" b="0"/>
+      </a:effectRef>
+      <a:fontRef idx="minor">
+        <a:schemeClr val="lt1"/>
+      </a:fontRef>
+    </dgm:style>
+  </dgm:styleLbl>
+  <dgm:styleLbl name="node4">
+    <dgm:scene3d>
+      <a:camera prst="orthographicFront"/>
+      <a:lightRig rig="threePt" dir="t"/>
+    </dgm:scene3d>
+    <dgm:sp3d/>
+    <dgm:txPr/>
+    <dgm:style>
+      <a:lnRef idx="2">
+        <a:scrgbClr r="0" g="0" b="0"/>
+      </a:lnRef>
+      <a:fillRef idx="1">
+        <a:scrgbClr r="0" g="0" b="0"/>
+      </a:fillRef>
+      <a:effectRef idx="0">
+        <a:scrgbClr r="0" g="0" b="0"/>
+      </a:effectRef>
+      <a:fontRef idx="minor">
+        <a:schemeClr val="lt1"/>
+      </a:fontRef>
+    </dgm:style>
+  </dgm:styleLbl>
+  <dgm:styleLbl name="fgImgPlace1">
+    <dgm:scene3d>
+      <a:camera prst="orthographicFront"/>
+      <a:lightRig rig="threePt" dir="t"/>
+    </dgm:scene3d>
+    <dgm:sp3d/>
+    <dgm:txPr/>
+    <dgm:style>
+      <a:lnRef idx="2">
+        <a:scrgbClr r="0" g="0" b="0"/>
+      </a:lnRef>
+      <a:fillRef idx="1">
+        <a:scrgbClr r="0" g="0" b="0"/>
+      </a:fillRef>
+      <a:effectRef idx="0">
+        <a:scrgbClr r="0" g="0" b="0"/>
+      </a:effectRef>
+      <a:fontRef idx="minor"/>
+    </dgm:style>
+  </dgm:styleLbl>
+  <dgm:styleLbl name="alignImgPlace1">
+    <dgm:scene3d>
+      <a:camera prst="orthographicFront"/>
+      <a:lightRig rig="threePt" dir="t"/>
+    </dgm:scene3d>
+    <dgm:sp3d/>
+    <dgm:txPr/>
+    <dgm:style>
+      <a:lnRef idx="2">
+        <a:scrgbClr r="0" g="0" b="0"/>
+      </a:lnRef>
+      <a:fillRef idx="1">
+        <a:scrgbClr r="0" g="0" b="0"/>
+      </a:fillRef>
+      <a:effectRef idx="0">
+        <a:scrgbClr r="0" g="0" b="0"/>
+      </a:effectRef>
+      <a:fontRef idx="minor"/>
+    </dgm:style>
+  </dgm:styleLbl>
+  <dgm:styleLbl name="bgImgPlace1">
+    <dgm:scene3d>
+      <a:camera prst="orthographicFront"/>
+      <a:lightRig rig="threePt" dir="t"/>
+    </dgm:scene3d>
+    <dgm:sp3d/>
+    <dgm:txPr/>
+    <dgm:style>
+      <a:lnRef idx="2">
+        <a:scrgbClr r="0" g="0" b="0"/>
+      </a:lnRef>
+      <a:fillRef idx="1">
+        <a:scrgbClr r="0" g="0" b="0"/>
+      </a:fillRef>
+      <a:effectRef idx="0">
+        <a:scrgbClr r="0" g="0" b="0"/>
+      </a:effectRef>
+      <a:fontRef idx="minor"/>
+    </dgm:style>
+  </dgm:styleLbl>
+  <dgm:styleLbl name="sibTrans2D1">
+    <dgm:scene3d>
+      <a:camera prst="orthographicFront"/>
+      <a:lightRig rig="threePt" dir="t"/>
+    </dgm:scene3d>
+    <dgm:sp3d/>
+    <dgm:txPr/>
+    <dgm:style>
+      <a:lnRef idx="0">
+        <a:scrgbClr r="0" g="0" b="0"/>
+      </a:lnRef>
+      <a:fillRef idx="1">
+        <a:scrgbClr r="0" g="0" b="0"/>
+      </a:fillRef>
+      <a:effectRef idx="0">
+        <a:scrgbClr r="0" g="0" b="0"/>
+      </a:effectRef>
+      <a:fontRef idx="minor">
+        <a:schemeClr val="lt1"/>
+      </a:fontRef>
+    </dgm:style>
+  </dgm:styleLbl>
+  <dgm:styleLbl name="fgSibTrans2D1">
+    <dgm:scene3d>
+      <a:camera prst="orthographicFront"/>
+      <a:lightRig rig="threePt" dir="t"/>
+    </dgm:scene3d>
+    <dgm:sp3d/>
+    <dgm:txPr/>
+    <dgm:style>
+      <a:lnRef idx="0">
+        <a:scrgbClr r="0" g="0" b="0"/>
+      </a:lnRef>
+      <a:fillRef idx="1">
+        <a:scrgbClr r="0" g="0" b="0"/>
+      </a:fillRef>
+      <a:effectRef idx="0">
+        <a:scrgbClr r="0" g="0" b="0"/>
+      </a:effectRef>
+      <a:fontRef idx="minor">
+        <a:schemeClr val="lt1"/>
+      </a:fontRef>
+    </dgm:style>
+  </dgm:styleLbl>
+  <dgm:styleLbl name="bgSibTrans2D1">
+    <dgm:scene3d>
+      <a:camera prst="orthographicFront"/>
+      <a:lightRig rig="threePt" dir="t"/>
+    </dgm:scene3d>
+    <dgm:sp3d/>
+    <dgm:txPr/>
+    <dgm:style>
+      <a:lnRef idx="0">
+        <a:scrgbClr r="0" g="0" b="0"/>
+      </a:lnRef>
+      <a:fillRef idx="1">
+        <a:scrgbClr r="0" g="0" b="0"/>
+      </a:fillRef>
+      <a:effectRef idx="0">
+        <a:scrgbClr r="0" g="0" b="0"/>
+      </a:effectRef>
+      <a:fontRef idx="minor">
+        <a:schemeClr val="lt1"/>
+      </a:fontRef>
+    </dgm:style>
+  </dgm:styleLbl>
+  <dgm:styleLbl name="sibTrans1D1">
+    <dgm:scene3d>
+      <a:camera prst="orthographicFront"/>
+      <a:lightRig rig="threePt" dir="t"/>
+    </dgm:scene3d>
+    <dgm:sp3d/>
+    <dgm:txPr/>
+    <dgm:style>
+      <a:lnRef idx="1">
+        <a:scrgbClr r="0" g="0" b="0"/>
+      </a:lnRef>
+      <a:fillRef idx="0">
+        <a:scrgbClr r="0" g="0" b="0"/>
+      </a:fillRef>
+      <a:effectRef idx="0">
+        <a:scrgbClr r="0" g="0" b="0"/>
+      </a:effectRef>
+      <a:fontRef idx="minor"/>
+    </dgm:style>
+  </dgm:styleLbl>
+  <dgm:styleLbl name="callout">
+    <dgm:scene3d>
+      <a:camera prst="orthographicFront"/>
+      <a:lightRig rig="threePt" dir="t"/>
+    </dgm:scene3d>
+    <dgm:sp3d/>
+    <dgm:txPr/>
+    <dgm:style>
+      <a:lnRef idx="2">
+        <a:scrgbClr r="0" g="0" b="0"/>
+      </a:lnRef>
+      <a:fillRef idx="1">
+        <a:scrgbClr r="0" g="0" b="0"/>
+      </a:fillRef>
+      <a:effectRef idx="0">
+        <a:scrgbClr r="0" g="0" b="0"/>
+      </a:effectRef>
+      <a:fontRef idx="minor"/>
+    </dgm:style>
+  </dgm:styleLbl>
+  <dgm:styleLbl name="asst0">
+    <dgm:scene3d>
+      <a:camera prst="orthographicFront"/>
+      <a:lightRig rig="threePt" dir="t"/>
+    </dgm:scene3d>
+    <dgm:sp3d/>
+    <dgm:txPr/>
+    <dgm:style>
+      <a:lnRef idx="2">
+        <a:scrgbClr r="0" g="0" b="0"/>
+      </a:lnRef>
+      <a:fillRef idx="1">
+        <a:scrgbClr r="0" g="0" b="0"/>
+      </a:fillRef>
+      <a:effectRef idx="0">
+        <a:scrgbClr r="0" g="0" b="0"/>
+      </a:effectRef>
+      <a:fontRef idx="minor">
+        <a:schemeClr val="lt1"/>
+      </a:fontRef>
+    </dgm:style>
+  </dgm:styleLbl>
+  <dgm:styleLbl name="asst1">
+    <dgm:scene3d>
+      <a:camera prst="orthographicFront"/>
+      <a:lightRig rig="threePt" dir="t"/>
+    </dgm:scene3d>
+    <dgm:sp3d/>
+    <dgm:txPr/>
+    <dgm:style>
+      <a:lnRef idx="2">
+        <a:scrgbClr r="0" g="0" b="0"/>
+      </a:lnRef>
+      <a:fillRef idx="1">
+        <a:scrgbClr r="0" g="0" b="0"/>
+      </a:fillRef>
+      <a:effectRef idx="0">
+        <a:scrgbClr r="0" g="0" b="0"/>
+      </a:effectRef>
+      <a:fontRef idx="minor">
+        <a:schemeClr val="lt1"/>
+      </a:fontRef>
+    </dgm:style>
+  </dgm:styleLbl>
+  <dgm:styleLbl name="asst2">
+    <dgm:scene3d>
+      <a:camera prst="orthographicFront"/>
+      <a:lightRig rig="threePt" dir="t"/>
+    </dgm:scene3d>
+    <dgm:sp3d/>
+    <dgm:txPr/>
+    <dgm:style>
+      <a:lnRef idx="2">
+        <a:scrgbClr r="0" g="0" b="0"/>
+      </a:lnRef>
+      <a:fillRef idx="1">
+        <a:scrgbClr r="0" g="0" b="0"/>
+      </a:fillRef>
+      <a:effectRef idx="0">
+        <a:scrgbClr r="0" g="0" b="0"/>
+      </a:effectRef>
+      <a:fontRef idx="minor">
+        <a:schemeClr val="lt1"/>
+      </a:fontRef>
+    </dgm:style>
+  </dgm:styleLbl>
+  <dgm:styleLbl name="asst3">
+    <dgm:scene3d>
+      <a:camera prst="orthographicFront"/>
+      <a:lightRig rig="threePt" dir="t"/>
+    </dgm:scene3d>
+    <dgm:sp3d/>
+    <dgm:txPr/>
+    <dgm:style>
+      <a:lnRef idx="2">
+        <a:scrgbClr r="0" g="0" b="0"/>
+      </a:lnRef>
+      <a:fillRef idx="1">
+        <a:scrgbClr r="0" g="0" b="0"/>
+      </a:fillRef>
+      <a:effectRef idx="0">
+        <a:scrgbClr r="0" g="0" b="0"/>
+      </a:effectRef>
+      <a:fontRef idx="minor">
+        <a:schemeClr val="lt1"/>
+      </a:fontRef>
+    </dgm:style>
+  </dgm:styleLbl>
+  <dgm:styleLbl name="asst4">
+    <dgm:scene3d>
+      <a:camera prst="orthographicFront"/>
+      <a:lightRig rig="threePt" dir="t"/>
+    </dgm:scene3d>
+    <dgm:sp3d/>
+    <dgm:txPr/>
+    <dgm:style>
+      <a:lnRef idx="2">
+        <a:scrgbClr r="0" g="0" b="0"/>
+      </a:lnRef>
+      <a:fillRef idx="1">
+        <a:scrgbClr r="0" g="0" b="0"/>
+      </a:fillRef>
+      <a:effectRef idx="0">
+        <a:scrgbClr r="0" g="0" b="0"/>
+      </a:effectRef>
+      <a:fontRef idx="minor">
+        <a:schemeClr val="lt1"/>
+      </a:fontRef>
+    </dgm:style>
+  </dgm:styleLbl>
+  <dgm:styleLbl name="parChTrans2D1">
+    <dgm:scene3d>
+      <a:camera prst="orthographicFront"/>
+      <a:lightRig rig="threePt" dir="t"/>
+    </dgm:scene3d>
+    <dgm:sp3d/>
+    <dgm:txPr/>
+    <dgm:style>
+      <a:lnRef idx="2">
+        <a:scrgbClr r="0" g="0" b="0"/>
+      </a:lnRef>
+      <a:fillRef idx="1">
+        <a:scrgbClr r="0" g="0" b="0"/>
+      </a:fillRef>
+      <a:effectRef idx="0">
+        <a:scrgbClr r="0" g="0" b="0"/>
+      </a:effectRef>
+      <a:fontRef idx="minor">
+        <a:schemeClr val="lt1"/>
+      </a:fontRef>
+    </dgm:style>
+  </dgm:styleLbl>
+  <dgm:styleLbl name="parChTrans2D2">
+    <dgm:scene3d>
+      <a:camera prst="orthographicFront"/>
+      <a:lightRig rig="threePt" dir="t"/>
+    </dgm:scene3d>
+    <dgm:sp3d/>
+    <dgm:txPr/>
+    <dgm:style>
+      <a:lnRef idx="2">
+        <a:scrgbClr r="0" g="0" b="0"/>
+      </a:lnRef>
+      <a:fillRef idx="1">
+        <a:scrgbClr r="0" g="0" b="0"/>
+      </a:fillRef>
+      <a:effectRef idx="0">
+        <a:scrgbClr r="0" g="0" b="0"/>
+      </a:effectRef>
+      <a:fontRef idx="minor">
+        <a:schemeClr val="lt1"/>
+      </a:fontRef>
+    </dgm:style>
+  </dgm:styleLbl>
+  <dgm:styleLbl name="parChTrans2D3">
+    <dgm:scene3d>
+      <a:camera prst="orthographicFront"/>
+      <a:lightRig rig="threePt" dir="t"/>
+    </dgm:scene3d>
+    <dgm:sp3d/>
+    <dgm:txPr/>
+    <dgm:style>
+      <a:lnRef idx="2">
+        <a:scrgbClr r="0" g="0" b="0"/>
+      </a:lnRef>
+      <a:fillRef idx="1">
+        <a:scrgbClr r="0" g="0" b="0"/>
+      </a:fillRef>
+      <a:effectRef idx="0">
+        <a:scrgbClr r="0" g="0" b="0"/>
+      </a:effectRef>
+      <a:fontRef idx="minor">
+        <a:schemeClr val="lt1"/>
+      </a:fontRef>
+    </dgm:style>
+  </dgm:styleLbl>
+  <dgm:styleLbl name="parChTrans2D4">
+    <dgm:scene3d>
+      <a:camera prst="orthographicFront"/>
+      <a:lightRig rig="threePt" dir="t"/>
+    </dgm:scene3d>
+    <dgm:sp3d/>
+    <dgm:txPr/>
+    <dgm:style>
+      <a:lnRef idx="2">
+        <a:scrgbClr r="0" g="0" b="0"/>
+      </a:lnRef>
+      <a:fillRef idx="1">
+        <a:scrgbClr r="0" g="0" b="0"/>
+      </a:fillRef>
+      <a:effectRef idx="0">
+        <a:scrgbClr r="0" g="0" b="0"/>
+      </a:effectRef>
+      <a:fontRef idx="minor">
+        <a:schemeClr val="lt1"/>
+      </a:fontRef>
+    </dgm:style>
+  </dgm:styleLbl>
+  <dgm:styleLbl name="parChTrans1D1">
+    <dgm:scene3d>
+      <a:camera prst="orthographicFront"/>
+      <a:lightRig rig="threePt" dir="t"/>
+    </dgm:scene3d>
+    <dgm:sp3d/>
+    <dgm:txPr/>
+    <dgm:style>
+      <a:lnRef idx="2">
+        <a:scrgbClr r="0" g="0" b="0"/>
+      </a:lnRef>
+      <a:fillRef idx="0">
+        <a:scrgbClr r="0" g="0" b="0"/>
+      </a:fillRef>
+      <a:effectRef idx="0">
+        <a:scrgbClr r="0" g="0" b="0"/>
+      </a:effectRef>
+      <a:fontRef idx="minor"/>
+    </dgm:style>
+  </dgm:styleLbl>
+  <dgm:styleLbl name="parChTrans1D2">
+    <dgm:scene3d>
+      <a:camera prst="orthographicFront"/>
+      <a:lightRig rig="threePt" dir="t"/>
+    </dgm:scene3d>
+    <dgm:sp3d/>
+    <dgm:txPr/>
+    <dgm:style>
+      <a:lnRef idx="2">
+        <a:scrgbClr r="0" g="0" b="0"/>
+      </a:lnRef>
+      <a:fillRef idx="0">
+        <a:scrgbClr r="0" g="0" b="0"/>
+      </a:fillRef>
+      <a:effectRef idx="0">
+        <a:scrgbClr r="0" g="0" b="0"/>
+      </a:effectRef>
+      <a:fontRef idx="minor"/>
+    </dgm:style>
+  </dgm:styleLbl>
+  <dgm:styleLbl name="parChTrans1D3">
+    <dgm:scene3d>
+      <a:camera prst="orthographicFront"/>
+      <a:lightRig rig="threePt" dir="t"/>
+    </dgm:scene3d>
+    <dgm:sp3d/>
+    <dgm:txPr/>
+    <dgm:style>
+      <a:lnRef idx="2">
+        <a:scrgbClr r="0" g="0" b="0"/>
+      </a:lnRef>
+      <a:fillRef idx="0">
+        <a:scrgbClr r="0" g="0" b="0"/>
+      </a:fillRef>
+      <a:effectRef idx="0">
+        <a:scrgbClr r="0" g="0" b="0"/>
+      </a:effectRef>
+      <a:fontRef idx="minor"/>
+    </dgm:style>
+  </dgm:styleLbl>
+  <dgm:styleLbl name="parChTrans1D4">
+    <dgm:scene3d>
+      <a:camera prst="orthographicFront"/>
+      <a:lightRig rig="threePt" dir="t"/>
+    </dgm:scene3d>
+    <dgm:sp3d/>
+    <dgm:txPr/>
+    <dgm:style>
+      <a:lnRef idx="2">
+        <a:scrgbClr r="0" g="0" b="0"/>
+      </a:lnRef>
+      <a:fillRef idx="0">
+        <a:scrgbClr r="0" g="0" b="0"/>
+      </a:fillRef>
+      <a:effectRef idx="0">
+        <a:scrgbClr r="0" g="0" b="0"/>
+      </a:effectRef>
+      <a:fontRef idx="minor"/>
+    </dgm:style>
+  </dgm:styleLbl>
+  <dgm:styleLbl name="fgAcc1">
+    <dgm:scene3d>
+      <a:camera prst="orthographicFront"/>
+      <a:lightRig rig="threePt" dir="t"/>
+    </dgm:scene3d>
+    <dgm:sp3d/>
+    <dgm:txPr/>
+    <dgm:style>
+      <a:lnRef idx="2">
+        <a:scrgbClr r="0" g="0" b="0"/>
+      </a:lnRef>
+      <a:fillRef idx="1">
+        <a:scrgbClr r="0" g="0" b="0"/>
+      </a:fillRef>
+      <a:effectRef idx="0">
+        <a:scrgbClr r="0" g="0" b="0"/>
+      </a:effectRef>
+      <a:fontRef idx="minor"/>
+    </dgm:style>
+  </dgm:styleLbl>
+  <dgm:styleLbl name="conFgAcc1">
+    <dgm:scene3d>
+      <a:camera prst="orthographicFront"/>
+      <a:lightRig rig="threePt" dir="t"/>
+    </dgm:scene3d>
+    <dgm:sp3d/>
+    <dgm:txPr/>
+    <dgm:style>
+      <a:lnRef idx="2">
+        <a:scrgbClr r="0" g="0" b="0"/>
+      </a:lnRef>
+      <a:fillRef idx="1">
+        <a:scrgbClr r="0" g="0" b="0"/>
+      </a:fillRef>
+      <a:effectRef idx="0">
+        <a:scrgbClr r="0" g="0" b="0"/>
+      </a:effectRef>
+      <a:fontRef idx="minor"/>
+    </dgm:style>
+  </dgm:styleLbl>
+  <dgm:styleLbl name="alignAcc1">
+    <dgm:scene3d>
+      <a:camera prst="orthographicFront"/>
+      <a:lightRig rig="threePt" dir="t"/>
+    </dgm:scene3d>
+    <dgm:sp3d/>
+    <dgm:txPr/>
+    <dgm:style>
+      <a:lnRef idx="2">
+        <a:scrgbClr r="0" g="0" b="0"/>
+      </a:lnRef>
+      <a:fillRef idx="1">
+        <a:scrgbClr r="0" g="0" b="0"/>
+      </a:fillRef>
+      <a:effectRef idx="0">
+        <a:scrgbClr r="0" g="0" b="0"/>
+      </a:effectRef>
+      <a:fontRef idx="minor"/>
+    </dgm:style>
+  </dgm:styleLbl>
+  <dgm:styleLbl name="trAlignAcc1">
+    <dgm:scene3d>
+      <a:camera prst="orthographicFront"/>
+      <a:lightRig rig="threePt" dir="t"/>
+    </dgm:scene3d>
+    <dgm:sp3d/>
+    <dgm:txPr/>
+    <dgm:style>
+      <a:lnRef idx="1">
+        <a:scrgbClr r="0" g="0" b="0"/>
+      </a:lnRef>
+      <a:fillRef idx="1">
+        <a:scrgbClr r="0" g="0" b="0"/>
+      </a:fillRef>
+      <a:effectRef idx="0">
+        <a:scrgbClr r="0" g="0" b="0"/>
+      </a:effectRef>
+      <a:fontRef idx="minor"/>
+    </dgm:style>
+  </dgm:styleLbl>
+  <dgm:styleLbl name="bgAcc1">
+    <dgm:scene3d>
+      <a:camera prst="orthographicFront"/>
+      <a:lightRig rig="threePt" dir="t"/>
+    </dgm:scene3d>
+    <dgm:sp3d/>
+    <dgm:txPr/>
+    <dgm:style>
+      <a:lnRef idx="2">
+        <a:scrgbClr r="0" g="0" b="0"/>
+      </a:lnRef>
+      <a:fillRef idx="1">
+        <a:scrgbClr r="0" g="0" b="0"/>
+      </a:fillRef>
+      <a:effectRef idx="0">
+        <a:scrgbClr r="0" g="0" b="0"/>
+      </a:effectRef>
+      <a:fontRef idx="minor"/>
+    </dgm:style>
+  </dgm:styleLbl>
+  <dgm:styleLbl name="solidFgAcc1">
+    <dgm:scene3d>
+      <a:camera prst="orthographicFront"/>
+      <a:lightRig rig="threePt" dir="t"/>
+    </dgm:scene3d>
+    <dgm:sp3d/>
+    <dgm:txPr/>
+    <dgm:style>
+      <a:lnRef idx="2">
+        <a:scrgbClr r="0" g="0" b="0"/>
+      </a:lnRef>
+      <a:fillRef idx="1">
+        <a:scrgbClr r="0" g="0" b="0"/>
+      </a:fillRef>
+      <a:effectRef idx="0">
+        <a:scrgbClr r="0" g="0" b="0"/>
+      </a:effectRef>
+      <a:fontRef idx="minor"/>
+    </dgm:style>
+  </dgm:styleLbl>
+  <dgm:styleLbl name="solidAlignAcc1">
+    <dgm:scene3d>
+      <a:camera prst="orthographicFront"/>
+      <a:lightRig rig="threePt" dir="t"/>
+    </dgm:scene3d>
+    <dgm:sp3d/>
+    <dgm:txPr/>
+    <dgm:style>
+      <a:lnRef idx="2">
+        <a:scrgbClr r="0" g="0" b="0"/>
+      </a:lnRef>
+      <a:fillRef idx="1">
+        <a:scrgbClr r="0" g="0" b="0"/>
+      </a:fillRef>
+      <a:effectRef idx="0">
+        <a:scrgbClr r="0" g="0" b="0"/>
+      </a:effectRef>
+      <a:fontRef idx="minor"/>
+    </dgm:style>
+  </dgm:styleLbl>
+  <dgm:styleLbl name="solidBgAcc1">
+    <dgm:scene3d>
+      <a:camera prst="orthographicFront"/>
+      <a:lightRig rig="threePt" dir="t"/>
+    </dgm:scene3d>
+    <dgm:sp3d/>
+    <dgm:txPr/>
+    <dgm:style>
+      <a:lnRef idx="2">
+        <a:scrgbClr r="0" g="0" b="0"/>
+      </a:lnRef>
+      <a:fillRef idx="1">
+        <a:scrgbClr r="0" g="0" b="0"/>
+      </a:fillRef>
+      <a:effectRef idx="0">
+        <a:scrgbClr r="0" g="0" b="0"/>
+      </a:effectRef>
+      <a:fontRef idx="minor"/>
+    </dgm:style>
+  </dgm:styleLbl>
+  <dgm:styleLbl name="fgAccFollowNode1">
+    <dgm:scene3d>
+      <a:camera prst="orthographicFront"/>
+      <a:lightRig rig="threePt" dir="t"/>
+    </dgm:scene3d>
+    <dgm:sp3d/>
+    <dgm:txPr/>
+    <dgm:style>
+      <a:lnRef idx="2">
+        <a:scrgbClr r="0" g="0" b="0"/>
+      </a:lnRef>
+      <a:fillRef idx="1">
+        <a:scrgbClr r="0" g="0" b="0"/>
+      </a:fillRef>
+      <a:effectRef idx="0">
+        <a:scrgbClr r="0" g="0" b="0"/>
+      </a:effectRef>
+      <a:fontRef idx="minor"/>
+    </dgm:style>
+  </dgm:styleLbl>
+  <dgm:styleLbl name="alignAccFollowNode1">
+    <dgm:scene3d>
+      <a:camera prst="orthographicFront"/>
+      <a:lightRig rig="threePt" dir="t"/>
+    </dgm:scene3d>
+    <dgm:sp3d/>
+    <dgm:txPr/>
+    <dgm:style>
+      <a:lnRef idx="2">
+        <a:scrgbClr r="0" g="0" b="0"/>
+      </a:lnRef>
+      <a:fillRef idx="1">
+        <a:scrgbClr r="0" g="0" b="0"/>
+      </a:fillRef>
+      <a:effectRef idx="0">
+        <a:scrgbClr r="0" g="0" b="0"/>
+      </a:effectRef>
+      <a:fontRef idx="minor"/>
+    </dgm:style>
+  </dgm:styleLbl>
+  <dgm:styleLbl name="bgAccFollowNode1">
+    <dgm:scene3d>
+      <a:camera prst="orthographicFront"/>
+      <a:lightRig rig="threePt" dir="t"/>
+    </dgm:scene3d>
+    <dgm:sp3d/>
+    <dgm:txPr/>
+    <dgm:style>
+      <a:lnRef idx="2">
+        <a:scrgbClr r="0" g="0" b="0"/>
+      </a:lnRef>
+      <a:fillRef idx="1">
+        <a:scrgbClr r="0" g="0" b="0"/>
+      </a:fillRef>
+      <a:effectRef idx="0">
+        <a:scrgbClr r="0" g="0" b="0"/>
+      </a:effectRef>
+      <a:fontRef idx="minor"/>
+    </dgm:style>
+  </dgm:styleLbl>
+  <dgm:styleLbl name="fgAcc0">
+    <dgm:scene3d>
+      <a:camera prst="orthographicFront"/>
+      <a:lightRig rig="threePt" dir="t"/>
+    </dgm:scene3d>
+    <dgm:sp3d/>
+    <dgm:txPr/>
+    <dgm:style>
+      <a:lnRef idx="2">
+        <a:scrgbClr r="0" g="0" b="0"/>
+      </a:lnRef>
+      <a:fillRef idx="1">
+        <a:scrgbClr r="0" g="0" b="0"/>
+      </a:fillRef>
+      <a:effectRef idx="0">
+        <a:scrgbClr r="0" g="0" b="0"/>
+      </a:effectRef>
+      <a:fontRef idx="minor"/>
+    </dgm:style>
+  </dgm:styleLbl>
+  <dgm:styleLbl name="fgAcc2">
+    <dgm:scene3d>
+      <a:camera prst="orthographicFront"/>
+      <a:lightRig rig="threePt" dir="t"/>
+    </dgm:scene3d>
+    <dgm:sp3d/>
+    <dgm:txPr/>
+    <dgm:style>
+      <a:lnRef idx="2">
+        <a:scrgbClr r="0" g="0" b="0"/>
+      </a:lnRef>
+      <a:fillRef idx="1">
+        <a:scrgbClr r="0" g="0" b="0"/>
+      </a:fillRef>
+      <a:effectRef idx="0">
+        <a:scrgbClr r="0" g="0" b="0"/>
+      </a:effectRef>
+      <a:fontRef idx="minor"/>
+    </dgm:style>
+  </dgm:styleLbl>
+  <dgm:styleLbl name="fgAcc3">
+    <dgm:scene3d>
+      <a:camera prst="orthographicFront"/>
+      <a:lightRig rig="threePt" dir="t"/>
+    </dgm:scene3d>
+    <dgm:sp3d/>
+    <dgm:txPr/>
+    <dgm:style>
+      <a:lnRef idx="2">
+        <a:scrgbClr r="0" g="0" b="0"/>
+      </a:lnRef>
+      <a:fillRef idx="1">
+        <a:scrgbClr r="0" g="0" b="0"/>
+      </a:fillRef>
+      <a:effectRef idx="0">
+        <a:scrgbClr r="0" g="0" b="0"/>
+      </a:effectRef>
+      <a:fontRef idx="minor"/>
+    </dgm:style>
+  </dgm:styleLbl>
+  <dgm:styleLbl name="fgAcc4">
+    <dgm:scene3d>
+      <a:camera prst="orthographicFront"/>
+      <a:lightRig rig="threePt" dir="t"/>
+    </dgm:scene3d>
+    <dgm:sp3d/>
+    <dgm:txPr/>
+    <dgm:style>
+      <a:lnRef idx="2">
+        <a:scrgbClr r="0" g="0" b="0"/>
+      </a:lnRef>
+      <a:fillRef idx="1">
+        <a:scrgbClr r="0" g="0" b="0"/>
+      </a:fillRef>
+      <a:effectRef idx="0">
+        <a:scrgbClr r="0" g="0" b="0"/>
+      </a:effectRef>
+      <a:fontRef idx="minor"/>
+    </dgm:style>
+  </dgm:styleLbl>
+  <dgm:styleLbl name="bgShp">
+    <dgm:scene3d>
+      <a:camera prst="orthographicFront"/>
+      <a:lightRig rig="threePt" dir="t"/>
+    </dgm:scene3d>
+    <dgm:sp3d/>
+    <dgm:txPr/>
+    <dgm:style>
+      <a:lnRef idx="0">
+        <a:scrgbClr r="0" g="0" b="0"/>
+      </a:lnRef>
+      <a:fillRef idx="1">
+        <a:scrgbClr r="0" g="0" b="0"/>
+      </a:fillRef>
+      <a:effectRef idx="0">
+        <a:scrgbClr r="0" g="0" b="0"/>
+      </a:effectRef>
+      <a:fontRef idx="minor"/>
+    </dgm:style>
+  </dgm:styleLbl>
+  <dgm:styleLbl name="dkBgShp">
+    <dgm:scene3d>
+      <a:camera prst="orthographicFront"/>
+      <a:lightRig rig="threePt" dir="t"/>
+    </dgm:scene3d>
+    <dgm:sp3d/>
+    <dgm:txPr/>
+    <dgm:style>
+      <a:lnRef idx="0">
+        <a:scrgbClr r="0" g="0" b="0"/>
+      </a:lnRef>
+      <a:fillRef idx="1">
+        <a:scrgbClr r="0" g="0" b="0"/>
+      </a:fillRef>
+      <a:effectRef idx="0">
+        <a:scrgbClr r="0" g="0" b="0"/>
+      </a:effectRef>
+      <a:fontRef idx="minor"/>
+    </dgm:style>
+  </dgm:styleLbl>
+  <dgm:styleLbl name="trBgShp">
+    <dgm:scene3d>
+      <a:camera prst="orthographicFront"/>
+      <a:lightRig rig="threePt" dir="t"/>
+    </dgm:scene3d>
+    <dgm:sp3d/>
+    <dgm:txPr/>
+    <dgm:style>
+      <a:lnRef idx="0">
+        <a:scrgbClr r="0" g="0" b="0"/>
+      </a:lnRef>
+      <a:fillRef idx="1">
+        <a:scrgbClr r="0" g="0" b="0"/>
+      </a:fillRef>
+      <a:effectRef idx="0">
+        <a:scrgbClr r="0" g="0" b="0"/>
+      </a:effectRef>
+      <a:fontRef idx="minor"/>
+    </dgm:style>
+  </dgm:styleLbl>
+  <dgm:styleLbl name="fgShp">
+    <dgm:scene3d>
+      <a:camera prst="orthographicFront"/>
+      <a:lightRig rig="threePt" dir="t"/>
+    </dgm:scene3d>
+    <dgm:sp3d/>
+    <dgm:txPr/>
+    <dgm:style>
+      <a:lnRef idx="2">
+        <a:scrgbClr r="0" g="0" b="0"/>
+      </a:lnRef>
+      <a:fillRef idx="1">
+        <a:scrgbClr r="0" g="0" b="0"/>
+      </a:fillRef>
+      <a:effectRef idx="0">
+        <a:scrgbClr r="0" g="0" b="0"/>
+      </a:effectRef>
+      <a:fontRef idx="minor"/>
+    </dgm:style>
+  </dgm:styleLbl>
+  <dgm:styleLbl name="revTx">
+    <dgm:scene3d>
+      <a:camera prst="orthographicFront"/>
+      <a:lightRig rig="threePt" dir="t"/>
+    </dgm:scene3d>
+    <dgm:sp3d/>
+    <dgm:txPr/>
+    <dgm:style>
+      <a:lnRef idx="0">
+        <a:scrgbClr r="0" g="0" b="0"/>
+      </a:lnRef>
+      <a:fillRef idx="0">
+        <a:scrgbClr r="0" g="0" b="0"/>
+      </a:fillRef>
+      <a:effectRef idx="0">
+        <a:scrgbClr r="0" g="0" b="0"/>
+      </a:effectRef>
+      <a:fontRef idx="minor"/>
+    </dgm:style>
+  </dgm:styleLbl>
+</dgm:styleDef>
 </file>
 
 <file path=ppt/slideLayouts/slideLayout1.xml><?xml version="1.0" encoding="utf-8"?>
@@ -129,7 +3289,7 @@
           <p:cNvPr id="2" name="Title 1">
             <a:extLst>
               <a:ext uri="{FF2B5EF4-FFF2-40B4-BE49-F238E27FC236}">
-                <a16:creationId xmlns:a16="http://schemas.microsoft.com/office/drawing/2014/main" id="{6ADF9204-3F29-4C3A-BA41-3063400202C4}"/>
+                <a16:creationId xmlns:a16="http://schemas.microsoft.com/office/drawing/2014/main" id="{D8033821-597E-4B4F-8572-5DA1CB183565}"/>
               </a:ext>
             </a:extLst>
           </p:cNvPr>
@@ -142,23 +3302,24 @@
         </p:nvSpPr>
         <p:spPr>
           <a:xfrm>
-            <a:off x="1524000" y="1122363"/>
-            <a:ext cx="9144000" cy="2387600"/>
+            <a:off x="548640" y="950976"/>
+            <a:ext cx="6509385" cy="3556730"/>
           </a:xfrm>
         </p:spPr>
         <p:txBody>
-          <a:bodyPr anchor="b"/>
+          <a:bodyPr anchor="t">
+            <a:normAutofit/>
+          </a:bodyPr>
           <a:lstStyle>
-            <a:lvl1pPr algn="ctr">
+            <a:lvl1pPr algn="l">
               <a:defRPr sz="4400"/>
             </a:lvl1pPr>
           </a:lstStyle>
           <a:p>
             <a:r>
-              <a:rPr lang="en-US"/>
+              <a:rPr lang="en-US" dirty="0"/>
               <a:t>Click to edit Master title style</a:t>
             </a:r>
-            <a:endParaRPr lang="en-US" dirty="0"/>
           </a:p>
         </p:txBody>
       </p:sp>
@@ -167,7 +3328,7 @@
           <p:cNvPr id="3" name="Subtitle 2">
             <a:extLst>
               <a:ext uri="{FF2B5EF4-FFF2-40B4-BE49-F238E27FC236}">
-                <a16:creationId xmlns:a16="http://schemas.microsoft.com/office/drawing/2014/main" id="{203393CD-7262-4AC7-80E6-52FE6F3F39BA}"/>
+                <a16:creationId xmlns:a16="http://schemas.microsoft.com/office/drawing/2014/main" id="{F4C38D70-8FF5-47D7-A0DD-087A227BC94F}"/>
               </a:ext>
             </a:extLst>
           </p:cNvPr>
@@ -180,18 +3341,18 @@
         </p:nvSpPr>
         <p:spPr>
           <a:xfrm>
-            <a:off x="1524000" y="3602038"/>
-            <a:ext cx="9144000" cy="1655762"/>
+            <a:off x="576072" y="4572000"/>
+            <a:ext cx="6481953" cy="1485900"/>
           </a:xfrm>
         </p:spPr>
         <p:txBody>
-          <a:bodyPr/>
+          <a:bodyPr anchor="b">
+            <a:normAutofit/>
+          </a:bodyPr>
           <a:lstStyle>
-            <a:lvl1pPr marL="0" indent="0" algn="ctr">
+            <a:lvl1pPr marL="0" indent="0" algn="l">
               <a:buNone/>
-              <a:defRPr sz="2000">
-                <a:latin typeface="+mn-lt"/>
-              </a:defRPr>
+              <a:defRPr sz="2000"/>
             </a:lvl1pPr>
             <a:lvl2pPr marL="457200" indent="0" algn="ctr">
               <a:buNone/>
@@ -228,10 +3389,9 @@
           </a:lstStyle>
           <a:p>
             <a:r>
-              <a:rPr lang="en-US"/>
+              <a:rPr lang="en-US" dirty="0"/>
               <a:t>Click to edit Master subtitle style</a:t>
             </a:r>
-            <a:endParaRPr lang="en-US" dirty="0"/>
           </a:p>
         </p:txBody>
       </p:sp>
@@ -240,7 +3400,7 @@
           <p:cNvPr id="4" name="Date Placeholder 3">
             <a:extLst>
               <a:ext uri="{FF2B5EF4-FFF2-40B4-BE49-F238E27FC236}">
-                <a16:creationId xmlns:a16="http://schemas.microsoft.com/office/drawing/2014/main" id="{D7D430AE-0210-4E82-AD7B-41B112DE7F7D}"/>
+                <a16:creationId xmlns:a16="http://schemas.microsoft.com/office/drawing/2014/main" id="{6DB5B485-516D-48B7-AF1D-69AEEA351A94}"/>
               </a:ext>
             </a:extLst>
           </p:cNvPr>
@@ -254,25 +3414,13 @@
         <p:spPr/>
         <p:txBody>
           <a:bodyPr/>
-          <a:lstStyle>
-            <a:lvl1pPr>
-              <a:defRPr>
-                <a:solidFill>
-                  <a:schemeClr val="tx1">
-                    <a:alpha val="60000"/>
-                  </a:schemeClr>
-                </a:solidFill>
-                <a:latin typeface="+mn-lt"/>
-              </a:defRPr>
-            </a:lvl1pPr>
-          </a:lstStyle>
-          <a:p>
-            <a:fld id="{11A6662E-FAF4-44BC-88B5-85A7CBFB6D30}" type="datetime1">
+          <a:lstStyle/>
+          <a:p>
+            <a:fld id="{4CDE23C7-78A4-413A-A84B-93D4CC0A9EB1}" type="datetimeFigureOut">
               <a:rPr lang="en-US" smtClean="0"/>
-              <a:pPr/>
-              <a:t>4/10/2024</a:t>
+              <a:t>4/11/2024</a:t>
             </a:fld>
-            <a:endParaRPr lang="en-US" dirty="0"/>
+            <a:endParaRPr lang="en-US"/>
           </a:p>
         </p:txBody>
       </p:sp>
@@ -281,7 +3429,7 @@
           <p:cNvPr id="5" name="Footer Placeholder 4">
             <a:extLst>
               <a:ext uri="{FF2B5EF4-FFF2-40B4-BE49-F238E27FC236}">
-                <a16:creationId xmlns:a16="http://schemas.microsoft.com/office/drawing/2014/main" id="{0F221974-7DEC-459D-9642-CB5B59C82771}"/>
+                <a16:creationId xmlns:a16="http://schemas.microsoft.com/office/drawing/2014/main" id="{1D614DDB-2831-4FF8-9DA7-0449659D7AD9}"/>
               </a:ext>
             </a:extLst>
           </p:cNvPr>
@@ -295,26 +3443,9 @@
         <p:spPr/>
         <p:txBody>
           <a:bodyPr/>
-          <a:lstStyle>
-            <a:lvl1pPr>
-              <a:defRPr>
-                <a:solidFill>
-                  <a:schemeClr val="tx1">
-                    <a:alpha val="60000"/>
-                  </a:schemeClr>
-                </a:solidFill>
-                <a:latin typeface="+mn-lt"/>
-              </a:defRPr>
-            </a:lvl1pPr>
-          </a:lstStyle>
-          <a:p>
-            <a:endParaRPr lang="en-US">
-              <a:solidFill>
-                <a:schemeClr val="tx1">
-                  <a:alpha val="60000"/>
-                </a:schemeClr>
-              </a:solidFill>
-            </a:endParaRPr>
+          <a:lstStyle/>
+          <a:p>
+            <a:endParaRPr lang="en-US"/>
           </a:p>
         </p:txBody>
       </p:sp>
@@ -323,7 +3454,7 @@
           <p:cNvPr id="6" name="Slide Number Placeholder 5">
             <a:extLst>
               <a:ext uri="{FF2B5EF4-FFF2-40B4-BE49-F238E27FC236}">
-                <a16:creationId xmlns:a16="http://schemas.microsoft.com/office/drawing/2014/main" id="{60731837-C94E-4B5B-BCF0-110C69EDB41C}"/>
+                <a16:creationId xmlns:a16="http://schemas.microsoft.com/office/drawing/2014/main" id="{79F178F6-65BA-4964-80E2-DB6EA3355FBB}"/>
               </a:ext>
             </a:extLst>
           </p:cNvPr>
@@ -337,22 +3468,10 @@
         <p:spPr/>
         <p:txBody>
           <a:bodyPr/>
-          <a:lstStyle>
-            <a:lvl1pPr>
-              <a:defRPr>
-                <a:solidFill>
-                  <a:schemeClr val="tx1">
-                    <a:alpha val="60000"/>
-                  </a:schemeClr>
-                </a:solidFill>
-                <a:latin typeface="+mn-lt"/>
-              </a:defRPr>
-            </a:lvl1pPr>
-          </a:lstStyle>
-          <a:p>
-            <a:fld id="{73B850FF-6169-4056-8077-06FFA93A5366}" type="slidenum">
+          <a:lstStyle/>
+          <a:p>
+            <a:fld id="{6CB39E08-E0E5-4B1A-8F7D-08FE7678A3B6}" type="slidenum">
               <a:rPr lang="en-US" smtClean="0"/>
-              <a:pPr/>
               <a:t>‹#›</a:t>
             </a:fld>
             <a:endParaRPr lang="en-US"/>
@@ -362,7 +3481,7 @@
     </p:spTree>
     <p:extLst>
       <p:ext uri="{BB962C8B-B14F-4D97-AF65-F5344CB8AC3E}">
-        <p14:creationId xmlns:p14="http://schemas.microsoft.com/office/powerpoint/2010/main" val="279913872"/>
+        <p14:creationId xmlns:p14="http://schemas.microsoft.com/office/powerpoint/2010/main" val="2354772182"/>
       </p:ext>
     </p:extLst>
   </p:cSld>
@@ -394,7 +3513,7 @@
           <p:cNvPr id="2" name="Title 1">
             <a:extLst>
               <a:ext uri="{FF2B5EF4-FFF2-40B4-BE49-F238E27FC236}">
-                <a16:creationId xmlns:a16="http://schemas.microsoft.com/office/drawing/2014/main" id="{077ABDD2-E186-4F25-8FDE-D1E875E9C303}"/>
+                <a16:creationId xmlns:a16="http://schemas.microsoft.com/office/drawing/2014/main" id="{C6307F1B-6F93-4E6E-8C8C-D01A9DEB6AA4}"/>
               </a:ext>
             </a:extLst>
           </p:cNvPr>
@@ -422,7 +3541,7 @@
           <p:cNvPr id="3" name="Vertical Text Placeholder 2">
             <a:extLst>
               <a:ext uri="{FF2B5EF4-FFF2-40B4-BE49-F238E27FC236}">
-                <a16:creationId xmlns:a16="http://schemas.microsoft.com/office/drawing/2014/main" id="{8318CC5B-A7E0-48B1-8329-6533AC76E7B7}"/>
+                <a16:creationId xmlns:a16="http://schemas.microsoft.com/office/drawing/2014/main" id="{F97D2968-FE85-492F-A77B-1771F4EAA8C6}"/>
               </a:ext>
             </a:extLst>
           </p:cNvPr>
@@ -433,42 +3552,47 @@
             <p:ph type="body" orient="vert" idx="1"/>
           </p:nvPr>
         </p:nvSpPr>
-        <p:spPr/>
+        <p:spPr>
+          <a:xfrm>
+            <a:off x="548641" y="2028826"/>
+            <a:ext cx="11094348" cy="4029074"/>
+          </a:xfrm>
+        </p:spPr>
         <p:txBody>
           <a:bodyPr vert="eaVert"/>
           <a:lstStyle/>
           <a:p>
             <a:pPr lvl="0"/>
             <a:r>
-              <a:rPr lang="en-US"/>
+              <a:rPr lang="en-US" dirty="0"/>
               <a:t>Click to edit Master text styles</a:t>
             </a:r>
           </a:p>
           <a:p>
             <a:pPr lvl="1"/>
             <a:r>
-              <a:rPr lang="en-US"/>
+              <a:rPr lang="en-US" dirty="0"/>
               <a:t>Second level</a:t>
             </a:r>
           </a:p>
           <a:p>
             <a:pPr lvl="2"/>
             <a:r>
-              <a:rPr lang="en-US"/>
+              <a:rPr lang="en-US" dirty="0"/>
               <a:t>Third level</a:t>
             </a:r>
           </a:p>
           <a:p>
             <a:pPr lvl="3"/>
             <a:r>
-              <a:rPr lang="en-US"/>
+              <a:rPr lang="en-US" dirty="0"/>
               <a:t>Fourth level</a:t>
             </a:r>
           </a:p>
           <a:p>
             <a:pPr lvl="4"/>
             <a:r>
-              <a:rPr lang="en-US"/>
+              <a:rPr lang="en-US" dirty="0"/>
               <a:t>Fifth level</a:t>
             </a:r>
           </a:p>
@@ -479,7 +3603,7 @@
           <p:cNvPr id="4" name="Date Placeholder 3">
             <a:extLst>
               <a:ext uri="{FF2B5EF4-FFF2-40B4-BE49-F238E27FC236}">
-                <a16:creationId xmlns:a16="http://schemas.microsoft.com/office/drawing/2014/main" id="{63905B1B-77FE-4BFC-BF87-87DA989F0082}"/>
+                <a16:creationId xmlns:a16="http://schemas.microsoft.com/office/drawing/2014/main" id="{D4592DA2-B1FB-45C6-B10C-141AC2BFB381}"/>
               </a:ext>
             </a:extLst>
           </p:cNvPr>
@@ -495,9 +3619,9 @@
           <a:bodyPr/>
           <a:lstStyle/>
           <a:p>
-            <a:fld id="{4C559632-1575-4E14-B53B-3DC3D5ED3947}" type="datetime1">
+            <a:fld id="{4CDE23C7-78A4-413A-A84B-93D4CC0A9EB1}" type="datetimeFigureOut">
               <a:rPr lang="en-US" smtClean="0"/>
-              <a:t>4/10/2024</a:t>
+              <a:t>4/11/2024</a:t>
             </a:fld>
             <a:endParaRPr lang="en-US"/>
           </a:p>
@@ -508,7 +3632,7 @@
           <p:cNvPr id="5" name="Footer Placeholder 4">
             <a:extLst>
               <a:ext uri="{FF2B5EF4-FFF2-40B4-BE49-F238E27FC236}">
-                <a16:creationId xmlns:a16="http://schemas.microsoft.com/office/drawing/2014/main" id="{3118531E-1B90-4631-BD37-4BB1DBFABF44}"/>
+                <a16:creationId xmlns:a16="http://schemas.microsoft.com/office/drawing/2014/main" id="{18CA6D78-CE47-4CA7-B3B6-AFAE5175F6F6}"/>
               </a:ext>
             </a:extLst>
           </p:cNvPr>
@@ -533,7 +3657,7 @@
           <p:cNvPr id="6" name="Slide Number Placeholder 5">
             <a:extLst>
               <a:ext uri="{FF2B5EF4-FFF2-40B4-BE49-F238E27FC236}">
-                <a16:creationId xmlns:a16="http://schemas.microsoft.com/office/drawing/2014/main" id="{238A55E8-88DC-4280-8E04-FF50FF8EDB5A}"/>
+                <a16:creationId xmlns:a16="http://schemas.microsoft.com/office/drawing/2014/main" id="{DBEDC5C0-8780-4819-A8FC-32A0141D271C}"/>
               </a:ext>
             </a:extLst>
           </p:cNvPr>
@@ -549,7 +3673,7 @@
           <a:bodyPr/>
           <a:lstStyle/>
           <a:p>
-            <a:fld id="{73B850FF-6169-4056-8077-06FFA93A5366}" type="slidenum">
+            <a:fld id="{6CB39E08-E0E5-4B1A-8F7D-08FE7678A3B6}" type="slidenum">
               <a:rPr lang="en-US" smtClean="0"/>
               <a:t>‹#›</a:t>
             </a:fld>
@@ -560,7 +3684,7 @@
     </p:spTree>
     <p:extLst>
       <p:ext uri="{BB962C8B-B14F-4D97-AF65-F5344CB8AC3E}">
-        <p14:creationId xmlns:p14="http://schemas.microsoft.com/office/powerpoint/2010/main" val="1630813365"/>
+        <p14:creationId xmlns:p14="http://schemas.microsoft.com/office/powerpoint/2010/main" val="3048980693"/>
       </p:ext>
     </p:extLst>
   </p:cSld>
@@ -592,7 +3716,7 @@
           <p:cNvPr id="2" name="Vertical Title 1">
             <a:extLst>
               <a:ext uri="{FF2B5EF4-FFF2-40B4-BE49-F238E27FC236}">
-                <a16:creationId xmlns:a16="http://schemas.microsoft.com/office/drawing/2014/main" id="{6960633D-90E4-4F5A-9EBF-DDEC2B0B471A}"/>
+                <a16:creationId xmlns:a16="http://schemas.microsoft.com/office/drawing/2014/main" id="{E7B8F9A8-05F2-4F79-B689-1FA2F31965D8}"/>
               </a:ext>
             </a:extLst>
           </p:cNvPr>
@@ -605,8 +3729,8 @@
         </p:nvSpPr>
         <p:spPr>
           <a:xfrm>
-            <a:off x="8724900" y="365125"/>
-            <a:ext cx="2628900" cy="5811838"/>
+            <a:off x="9472612" y="952499"/>
+            <a:ext cx="2207417" cy="5105401"/>
           </a:xfrm>
         </p:spPr>
         <p:txBody>
@@ -614,7 +3738,7 @@
           <a:lstStyle/>
           <a:p>
             <a:r>
-              <a:rPr lang="en-US"/>
+              <a:rPr lang="en-US" dirty="0"/>
               <a:t>Click to edit Master title style</a:t>
             </a:r>
           </a:p>
@@ -625,7 +3749,7 @@
           <p:cNvPr id="3" name="Vertical Text Placeholder 2">
             <a:extLst>
               <a:ext uri="{FF2B5EF4-FFF2-40B4-BE49-F238E27FC236}">
-                <a16:creationId xmlns:a16="http://schemas.microsoft.com/office/drawing/2014/main" id="{0DDD3065-FA3D-42C8-BFDA-967C87F4F285}"/>
+                <a16:creationId xmlns:a16="http://schemas.microsoft.com/office/drawing/2014/main" id="{05D615BC-61CD-4D59-8E85-B59072E2B22D}"/>
               </a:ext>
             </a:extLst>
           </p:cNvPr>
@@ -638,8 +3762,8 @@
         </p:nvSpPr>
         <p:spPr>
           <a:xfrm>
-            <a:off x="838200" y="365125"/>
-            <a:ext cx="7734300" cy="5811838"/>
+            <a:off x="557924" y="952499"/>
+            <a:ext cx="8914688" cy="5105401"/>
           </a:xfrm>
         </p:spPr>
         <p:txBody>
@@ -648,35 +3772,35 @@
           <a:p>
             <a:pPr lvl="0"/>
             <a:r>
-              <a:rPr lang="en-US"/>
+              <a:rPr lang="en-US" dirty="0"/>
               <a:t>Click to edit Master text styles</a:t>
             </a:r>
           </a:p>
           <a:p>
             <a:pPr lvl="1"/>
             <a:r>
-              <a:rPr lang="en-US"/>
+              <a:rPr lang="en-US" dirty="0"/>
               <a:t>Second level</a:t>
             </a:r>
           </a:p>
           <a:p>
             <a:pPr lvl="2"/>
             <a:r>
-              <a:rPr lang="en-US"/>
+              <a:rPr lang="en-US" dirty="0"/>
               <a:t>Third level</a:t>
             </a:r>
           </a:p>
           <a:p>
             <a:pPr lvl="3"/>
             <a:r>
-              <a:rPr lang="en-US"/>
+              <a:rPr lang="en-US" dirty="0"/>
               <a:t>Fourth level</a:t>
             </a:r>
           </a:p>
           <a:p>
             <a:pPr lvl="4"/>
             <a:r>
-              <a:rPr lang="en-US"/>
+              <a:rPr lang="en-US" dirty="0"/>
               <a:t>Fifth level</a:t>
             </a:r>
           </a:p>
@@ -687,7 +3811,7 @@
           <p:cNvPr id="4" name="Date Placeholder 3">
             <a:extLst>
               <a:ext uri="{FF2B5EF4-FFF2-40B4-BE49-F238E27FC236}">
-                <a16:creationId xmlns:a16="http://schemas.microsoft.com/office/drawing/2014/main" id="{E4DC126F-38E2-4425-861F-98ED432284BA}"/>
+                <a16:creationId xmlns:a16="http://schemas.microsoft.com/office/drawing/2014/main" id="{63F81C46-8CC0-4B79-AF2E-84C86C6A803A}"/>
               </a:ext>
             </a:extLst>
           </p:cNvPr>
@@ -703,9 +3827,9 @@
           <a:bodyPr/>
           <a:lstStyle/>
           <a:p>
-            <a:fld id="{CC4A6868-2568-4CC9-B302-F37117B01A6E}" type="datetime1">
+            <a:fld id="{4CDE23C7-78A4-413A-A84B-93D4CC0A9EB1}" type="datetimeFigureOut">
               <a:rPr lang="en-US" smtClean="0"/>
-              <a:t>4/10/2024</a:t>
+              <a:t>4/11/2024</a:t>
             </a:fld>
             <a:endParaRPr lang="en-US"/>
           </a:p>
@@ -716,7 +3840,7 @@
           <p:cNvPr id="5" name="Footer Placeholder 4">
             <a:extLst>
               <a:ext uri="{FF2B5EF4-FFF2-40B4-BE49-F238E27FC236}">
-                <a16:creationId xmlns:a16="http://schemas.microsoft.com/office/drawing/2014/main" id="{CA9645D8-F22A-4354-A8B3-96E8A2D232AE}"/>
+                <a16:creationId xmlns:a16="http://schemas.microsoft.com/office/drawing/2014/main" id="{A1A76817-4D29-4888-B68C-A35F5A069C99}"/>
               </a:ext>
             </a:extLst>
           </p:cNvPr>
@@ -741,7 +3865,7 @@
           <p:cNvPr id="6" name="Slide Number Placeholder 5">
             <a:extLst>
               <a:ext uri="{FF2B5EF4-FFF2-40B4-BE49-F238E27FC236}">
-                <a16:creationId xmlns:a16="http://schemas.microsoft.com/office/drawing/2014/main" id="{E59E2295-A616-4D57-8800-7B7E213A8CC8}"/>
+                <a16:creationId xmlns:a16="http://schemas.microsoft.com/office/drawing/2014/main" id="{2FA0B21A-30A9-4173-9E3F-D985B86A35CE}"/>
               </a:ext>
             </a:extLst>
           </p:cNvPr>
@@ -757,7 +3881,7 @@
           <a:bodyPr/>
           <a:lstStyle/>
           <a:p>
-            <a:fld id="{73B850FF-6169-4056-8077-06FFA93A5366}" type="slidenum">
+            <a:fld id="{6CB39E08-E0E5-4B1A-8F7D-08FE7678A3B6}" type="slidenum">
               <a:rPr lang="en-US" smtClean="0"/>
               <a:t>‹#›</a:t>
             </a:fld>
@@ -768,7 +3892,7 @@
     </p:spTree>
     <p:extLst>
       <p:ext uri="{BB962C8B-B14F-4D97-AF65-F5344CB8AC3E}">
-        <p14:creationId xmlns:p14="http://schemas.microsoft.com/office/powerpoint/2010/main" val="3212294145"/>
+        <p14:creationId xmlns:p14="http://schemas.microsoft.com/office/powerpoint/2010/main" val="3056534555"/>
       </p:ext>
     </p:extLst>
   </p:cSld>
@@ -800,7 +3924,7 @@
           <p:cNvPr id="2" name="Title 1">
             <a:extLst>
               <a:ext uri="{FF2B5EF4-FFF2-40B4-BE49-F238E27FC236}">
-                <a16:creationId xmlns:a16="http://schemas.microsoft.com/office/drawing/2014/main" id="{7D4CC1FC-ADE8-488C-A1DA-2FD569FD4D09}"/>
+                <a16:creationId xmlns:a16="http://schemas.microsoft.com/office/drawing/2014/main" id="{BEDA45AC-24E0-45A1-90C3-7BF96C3FC73A}"/>
               </a:ext>
             </a:extLst>
           </p:cNvPr>
@@ -811,12 +3935,7 @@
             <p:ph type="title"/>
           </p:nvPr>
         </p:nvSpPr>
-        <p:spPr>
-          <a:xfrm>
-            <a:off x="458694" y="365760"/>
-            <a:ext cx="10895106" cy="1325563"/>
-          </a:xfrm>
-        </p:spPr>
+        <p:spPr/>
         <p:txBody>
           <a:bodyPr/>
           <a:lstStyle/>
@@ -825,7 +3944,6 @@
               <a:rPr lang="en-US"/>
               <a:t>Click to edit Master title style</a:t>
             </a:r>
-            <a:endParaRPr lang="en-US" dirty="0"/>
           </a:p>
         </p:txBody>
       </p:sp>
@@ -834,7 +3952,7 @@
           <p:cNvPr id="3" name="Content Placeholder 2">
             <a:extLst>
               <a:ext uri="{FF2B5EF4-FFF2-40B4-BE49-F238E27FC236}">
-                <a16:creationId xmlns:a16="http://schemas.microsoft.com/office/drawing/2014/main" id="{57F02842-38C3-46D6-8527-0F6FE623C511}"/>
+                <a16:creationId xmlns:a16="http://schemas.microsoft.com/office/drawing/2014/main" id="{6D2018E1-7CA3-4B5E-9683-554FDFC63E4D}"/>
               </a:ext>
             </a:extLst>
           </p:cNvPr>
@@ -883,7 +4001,6 @@
               <a:rPr lang="en-US"/>
               <a:t>Fifth level</a:t>
             </a:r>
-            <a:endParaRPr lang="en-US" dirty="0"/>
           </a:p>
         </p:txBody>
       </p:sp>
@@ -892,7 +4009,7 @@
           <p:cNvPr id="4" name="Date Placeholder 3">
             <a:extLst>
               <a:ext uri="{FF2B5EF4-FFF2-40B4-BE49-F238E27FC236}">
-                <a16:creationId xmlns:a16="http://schemas.microsoft.com/office/drawing/2014/main" id="{0E864CF5-F681-40C2-88CC-E02206C9CECB}"/>
+                <a16:creationId xmlns:a16="http://schemas.microsoft.com/office/drawing/2014/main" id="{8895D32D-7150-4DF2-B992-A2B4F5605D94}"/>
               </a:ext>
             </a:extLst>
           </p:cNvPr>
@@ -908,11 +4025,11 @@
           <a:bodyPr/>
           <a:lstStyle/>
           <a:p>
-            <a:fld id="{0055F08A-1E71-4B2B-BB49-E743F2903911}" type="datetime1">
+            <a:fld id="{4CDE23C7-78A4-413A-A84B-93D4CC0A9EB1}" type="datetimeFigureOut">
               <a:rPr lang="en-US" smtClean="0"/>
-              <a:t>4/10/2024</a:t>
+              <a:t>4/11/2024</a:t>
             </a:fld>
-            <a:endParaRPr lang="en-US" dirty="0"/>
+            <a:endParaRPr lang="en-US"/>
           </a:p>
         </p:txBody>
       </p:sp>
@@ -921,7 +4038,7 @@
           <p:cNvPr id="5" name="Footer Placeholder 4">
             <a:extLst>
               <a:ext uri="{FF2B5EF4-FFF2-40B4-BE49-F238E27FC236}">
-                <a16:creationId xmlns:a16="http://schemas.microsoft.com/office/drawing/2014/main" id="{82C04753-4FE4-4A6F-99BB-CFFC92E0CD06}"/>
+                <a16:creationId xmlns:a16="http://schemas.microsoft.com/office/drawing/2014/main" id="{F3D03F0C-FCA3-464C-B6ED-864DB51E7DD1}"/>
               </a:ext>
             </a:extLst>
           </p:cNvPr>
@@ -946,7 +4063,7 @@
           <p:cNvPr id="6" name="Slide Number Placeholder 5">
             <a:extLst>
               <a:ext uri="{FF2B5EF4-FFF2-40B4-BE49-F238E27FC236}">
-                <a16:creationId xmlns:a16="http://schemas.microsoft.com/office/drawing/2014/main" id="{80A569D1-DB13-4BD9-8BA9-0DEAD98F893F}"/>
+                <a16:creationId xmlns:a16="http://schemas.microsoft.com/office/drawing/2014/main" id="{C9C41006-DAE1-4326-B1AE-FD527A653BDE}"/>
               </a:ext>
             </a:extLst>
           </p:cNvPr>
@@ -962,7 +4079,7 @@
           <a:bodyPr/>
           <a:lstStyle/>
           <a:p>
-            <a:fld id="{73B850FF-6169-4056-8077-06FFA93A5366}" type="slidenum">
+            <a:fld id="{6CB39E08-E0E5-4B1A-8F7D-08FE7678A3B6}" type="slidenum">
               <a:rPr lang="en-US" smtClean="0"/>
               <a:t>‹#›</a:t>
             </a:fld>
@@ -973,7 +4090,7 @@
     </p:spTree>
     <p:extLst>
       <p:ext uri="{BB962C8B-B14F-4D97-AF65-F5344CB8AC3E}">
-        <p14:creationId xmlns:p14="http://schemas.microsoft.com/office/powerpoint/2010/main" val="3102798639"/>
+        <p14:creationId xmlns:p14="http://schemas.microsoft.com/office/powerpoint/2010/main" val="3018206622"/>
       </p:ext>
     </p:extLst>
   </p:cSld>
@@ -1005,7 +4122,7 @@
           <p:cNvPr id="2" name="Title 1">
             <a:extLst>
               <a:ext uri="{FF2B5EF4-FFF2-40B4-BE49-F238E27FC236}">
-                <a16:creationId xmlns:a16="http://schemas.microsoft.com/office/drawing/2014/main" id="{AE020B05-7BF6-4073-9106-FA19E97273CB}"/>
+                <a16:creationId xmlns:a16="http://schemas.microsoft.com/office/drawing/2014/main" id="{3B173B84-BE32-464A-A765-975C21B5CF4B}"/>
               </a:ext>
             </a:extLst>
           </p:cNvPr>
@@ -1018,23 +4135,24 @@
         </p:nvSpPr>
         <p:spPr>
           <a:xfrm>
-            <a:off x="831850" y="1709738"/>
-            <a:ext cx="10515600" cy="2852737"/>
+            <a:off x="557923" y="952500"/>
+            <a:ext cx="6678695" cy="3962398"/>
           </a:xfrm>
         </p:spPr>
         <p:txBody>
-          <a:bodyPr anchor="b"/>
+          <a:bodyPr anchor="t">
+            <a:normAutofit/>
+          </a:bodyPr>
           <a:lstStyle>
             <a:lvl1pPr>
-              <a:defRPr sz="4400"/>
+              <a:defRPr sz="5400"/>
             </a:lvl1pPr>
           </a:lstStyle>
           <a:p>
             <a:r>
-              <a:rPr lang="en-US"/>
+              <a:rPr lang="en-US" dirty="0"/>
               <a:t>Click to edit Master title style</a:t>
             </a:r>
-            <a:endParaRPr lang="en-US" dirty="0"/>
           </a:p>
         </p:txBody>
       </p:sp>
@@ -1043,7 +4161,7 @@
           <p:cNvPr id="3" name="Text Placeholder 2">
             <a:extLst>
               <a:ext uri="{FF2B5EF4-FFF2-40B4-BE49-F238E27FC236}">
-                <a16:creationId xmlns:a16="http://schemas.microsoft.com/office/drawing/2014/main" id="{4E8EE8D7-6B58-4A3F-9DD5-E563D5192A68}"/>
+                <a16:creationId xmlns:a16="http://schemas.microsoft.com/office/drawing/2014/main" id="{640145C2-97CF-4887-904A-8ADC80525A2E}"/>
               </a:ext>
             </a:extLst>
           </p:cNvPr>
@@ -1056,18 +4174,20 @@
         </p:nvSpPr>
         <p:spPr>
           <a:xfrm>
-            <a:off x="831850" y="4589463"/>
-            <a:ext cx="10515600" cy="1500187"/>
+            <a:off x="8043860" y="952501"/>
+            <a:ext cx="3500440" cy="3962399"/>
           </a:xfrm>
         </p:spPr>
         <p:txBody>
-          <a:bodyPr/>
+          <a:bodyPr>
+            <a:normAutofit/>
+          </a:bodyPr>
           <a:lstStyle>
             <a:lvl1pPr marL="0" indent="0">
               <a:buNone/>
-              <a:defRPr sz="2400">
+              <a:defRPr sz="2000">
                 <a:solidFill>
-                  <a:schemeClr val="tx2"/>
+                  <a:schemeClr val="tx1"/>
                 </a:solidFill>
               </a:defRPr>
             </a:lvl1pPr>
@@ -1155,7 +4275,7 @@
           <a:p>
             <a:pPr lvl="0"/>
             <a:r>
-              <a:rPr lang="en-US"/>
+              <a:rPr lang="en-US" dirty="0"/>
               <a:t>Click to edit Master text styles</a:t>
             </a:r>
           </a:p>
@@ -1166,7 +4286,7 @@
           <p:cNvPr id="4" name="Date Placeholder 3">
             <a:extLst>
               <a:ext uri="{FF2B5EF4-FFF2-40B4-BE49-F238E27FC236}">
-                <a16:creationId xmlns:a16="http://schemas.microsoft.com/office/drawing/2014/main" id="{2102990E-9F0A-446A-B5B8-459CA8D98D92}"/>
+                <a16:creationId xmlns:a16="http://schemas.microsoft.com/office/drawing/2014/main" id="{5E524559-DA32-4398-A8EE-EED2469D63BB}"/>
               </a:ext>
             </a:extLst>
           </p:cNvPr>
@@ -1182,9 +4302,9 @@
           <a:bodyPr/>
           <a:lstStyle/>
           <a:p>
-            <a:fld id="{15417D9E-721A-44BB-8863-9873FE64DA75}" type="datetime1">
+            <a:fld id="{4CDE23C7-78A4-413A-A84B-93D4CC0A9EB1}" type="datetimeFigureOut">
               <a:rPr lang="en-US" smtClean="0"/>
-              <a:t>4/10/2024</a:t>
+              <a:t>4/11/2024</a:t>
             </a:fld>
             <a:endParaRPr lang="en-US"/>
           </a:p>
@@ -1195,7 +4315,7 @@
           <p:cNvPr id="5" name="Footer Placeholder 4">
             <a:extLst>
               <a:ext uri="{FF2B5EF4-FFF2-40B4-BE49-F238E27FC236}">
-                <a16:creationId xmlns:a16="http://schemas.microsoft.com/office/drawing/2014/main" id="{89E68EAA-4377-45FF-9D7C-9E77BC9F275D}"/>
+                <a16:creationId xmlns:a16="http://schemas.microsoft.com/office/drawing/2014/main" id="{73967BE1-F1AC-4732-B52E-1C7D63DEF80D}"/>
               </a:ext>
             </a:extLst>
           </p:cNvPr>
@@ -1220,7 +4340,7 @@
           <p:cNvPr id="6" name="Slide Number Placeholder 5">
             <a:extLst>
               <a:ext uri="{FF2B5EF4-FFF2-40B4-BE49-F238E27FC236}">
-                <a16:creationId xmlns:a16="http://schemas.microsoft.com/office/drawing/2014/main" id="{8207FA71-74C3-44B8-A0AC-E18A1E76B43D}"/>
+                <a16:creationId xmlns:a16="http://schemas.microsoft.com/office/drawing/2014/main" id="{B5A13C03-DDF0-48C6-B1BF-D28875F8238F}"/>
               </a:ext>
             </a:extLst>
           </p:cNvPr>
@@ -1236,7 +4356,7 @@
           <a:bodyPr/>
           <a:lstStyle/>
           <a:p>
-            <a:fld id="{73B850FF-6169-4056-8077-06FFA93A5366}" type="slidenum">
+            <a:fld id="{6CB39E08-E0E5-4B1A-8F7D-08FE7678A3B6}" type="slidenum">
               <a:rPr lang="en-US" smtClean="0"/>
               <a:t>‹#›</a:t>
             </a:fld>
@@ -1247,7 +4367,7 @@
     </p:spTree>
     <p:extLst>
       <p:ext uri="{BB962C8B-B14F-4D97-AF65-F5344CB8AC3E}">
-        <p14:creationId xmlns:p14="http://schemas.microsoft.com/office/powerpoint/2010/main" val="2762879226"/>
+        <p14:creationId xmlns:p14="http://schemas.microsoft.com/office/powerpoint/2010/main" val="3768838930"/>
       </p:ext>
     </p:extLst>
   </p:cSld>
@@ -1279,7 +4399,7 @@
           <p:cNvPr id="2" name="Title 1">
             <a:extLst>
               <a:ext uri="{FF2B5EF4-FFF2-40B4-BE49-F238E27FC236}">
-                <a16:creationId xmlns:a16="http://schemas.microsoft.com/office/drawing/2014/main" id="{9AB71F12-2D88-4F76-AF46-BD5156C127A9}"/>
+                <a16:creationId xmlns:a16="http://schemas.microsoft.com/office/drawing/2014/main" id="{4B46F411-42B3-4A17-BE7E-861BE7E7DC98}"/>
               </a:ext>
             </a:extLst>
           </p:cNvPr>
@@ -1290,30 +4410,86 @@
             <p:ph type="title"/>
           </p:nvPr>
         </p:nvSpPr>
+        <p:spPr/>
+        <p:txBody>
+          <a:bodyPr/>
+          <a:lstStyle/>
+          <a:p>
+            <a:r>
+              <a:rPr lang="en-US"/>
+              <a:t>Click to edit Master title style</a:t>
+            </a:r>
+          </a:p>
+        </p:txBody>
+      </p:sp>
+      <p:sp>
+        <p:nvSpPr>
+          <p:cNvPr id="3" name="Content Placeholder 2">
+            <a:extLst>
+              <a:ext uri="{FF2B5EF4-FFF2-40B4-BE49-F238E27FC236}">
+                <a16:creationId xmlns:a16="http://schemas.microsoft.com/office/drawing/2014/main" id="{558E0603-F4C0-40AC-A53E-40449D53D741}"/>
+              </a:ext>
+            </a:extLst>
+          </p:cNvPr>
+          <p:cNvSpPr>
+            <a:spLocks noGrp="1"/>
+          </p:cNvSpPr>
+          <p:nvPr>
+            <p:ph sz="half" idx="1"/>
+          </p:nvPr>
+        </p:nvSpPr>
         <p:spPr>
           <a:xfrm>
-            <a:off x="458694" y="365760"/>
-            <a:ext cx="10895106" cy="1325563"/>
+            <a:off x="548640" y="2029968"/>
+            <a:ext cx="5281506" cy="4148138"/>
           </a:xfrm>
         </p:spPr>
         <p:txBody>
           <a:bodyPr/>
           <a:lstStyle/>
           <a:p>
-            <a:r>
-              <a:rPr lang="en-US"/>
-              <a:t>Click to edit Master title style</a:t>
-            </a:r>
-            <a:endParaRPr lang="en-US" dirty="0"/>
+            <a:pPr lvl="0"/>
+            <a:r>
+              <a:rPr lang="en-US" dirty="0"/>
+              <a:t>Click to edit Master text styles</a:t>
+            </a:r>
+          </a:p>
+          <a:p>
+            <a:pPr lvl="1"/>
+            <a:r>
+              <a:rPr lang="en-US" dirty="0"/>
+              <a:t>Second level</a:t>
+            </a:r>
+          </a:p>
+          <a:p>
+            <a:pPr lvl="2"/>
+            <a:r>
+              <a:rPr lang="en-US" dirty="0"/>
+              <a:t>Third level</a:t>
+            </a:r>
+          </a:p>
+          <a:p>
+            <a:pPr lvl="3"/>
+            <a:r>
+              <a:rPr lang="en-US" dirty="0"/>
+              <a:t>Fourth level</a:t>
+            </a:r>
+          </a:p>
+          <a:p>
+            <a:pPr lvl="4"/>
+            <a:r>
+              <a:rPr lang="en-US" dirty="0"/>
+              <a:t>Fifth level</a:t>
+            </a:r>
           </a:p>
         </p:txBody>
       </p:sp>
       <p:sp>
         <p:nvSpPr>
-          <p:cNvPr id="3" name="Content Placeholder 2">
-            <a:extLst>
-              <a:ext uri="{FF2B5EF4-FFF2-40B4-BE49-F238E27FC236}">
-                <a16:creationId xmlns:a16="http://schemas.microsoft.com/office/drawing/2014/main" id="{E6E1AA46-E3EB-4704-B019-F90F1E6177A5}"/>
+          <p:cNvPr id="4" name="Content Placeholder 3">
+            <a:extLst>
+              <a:ext uri="{FF2B5EF4-FFF2-40B4-BE49-F238E27FC236}">
+                <a16:creationId xmlns:a16="http://schemas.microsoft.com/office/drawing/2014/main" id="{F6BC5634-2887-4182-A9BE-B382357D4F9C}"/>
               </a:ext>
             </a:extLst>
           </p:cNvPr>
@@ -1321,13 +4497,13 @@
             <a:spLocks noGrp="1"/>
           </p:cNvSpPr>
           <p:nvPr>
-            <p:ph sz="half" idx="1"/>
+            <p:ph sz="half" idx="2"/>
           </p:nvPr>
         </p:nvSpPr>
         <p:spPr>
           <a:xfrm>
-            <a:off x="458695" y="1825625"/>
-            <a:ext cx="5561106" cy="4351338"/>
+            <a:off x="6257928" y="2029968"/>
+            <a:ext cx="5281506" cy="4148138"/>
           </a:xfrm>
         </p:spPr>
         <p:txBody>
@@ -1336,101 +4512,37 @@
           <a:p>
             <a:pPr lvl="0"/>
             <a:r>
-              <a:rPr lang="en-US"/>
+              <a:rPr lang="en-US" dirty="0"/>
               <a:t>Click to edit Master text styles</a:t>
             </a:r>
           </a:p>
           <a:p>
             <a:pPr lvl="1"/>
             <a:r>
-              <a:rPr lang="en-US"/>
+              <a:rPr lang="en-US" dirty="0"/>
               <a:t>Second level</a:t>
             </a:r>
           </a:p>
           <a:p>
             <a:pPr lvl="2"/>
             <a:r>
-              <a:rPr lang="en-US"/>
+              <a:rPr lang="en-US" dirty="0"/>
               <a:t>Third level</a:t>
             </a:r>
           </a:p>
           <a:p>
             <a:pPr lvl="3"/>
             <a:r>
-              <a:rPr lang="en-US"/>
+              <a:rPr lang="en-US" dirty="0"/>
               <a:t>Fourth level</a:t>
             </a:r>
           </a:p>
           <a:p>
             <a:pPr lvl="4"/>
             <a:r>
-              <a:rPr lang="en-US"/>
+              <a:rPr lang="en-US" dirty="0"/>
               <a:t>Fifth level</a:t>
             </a:r>
-            <a:endParaRPr lang="en-US" dirty="0"/>
-          </a:p>
-        </p:txBody>
-      </p:sp>
-      <p:sp>
-        <p:nvSpPr>
-          <p:cNvPr id="4" name="Content Placeholder 3">
-            <a:extLst>
-              <a:ext uri="{FF2B5EF4-FFF2-40B4-BE49-F238E27FC236}">
-                <a16:creationId xmlns:a16="http://schemas.microsoft.com/office/drawing/2014/main" id="{5C17480F-A530-4D05-9A22-E573FB4BA620}"/>
-              </a:ext>
-            </a:extLst>
-          </p:cNvPr>
-          <p:cNvSpPr>
-            <a:spLocks noGrp="1"/>
-          </p:cNvSpPr>
-          <p:nvPr>
-            <p:ph sz="half" idx="2"/>
-          </p:nvPr>
-        </p:nvSpPr>
-        <p:spPr>
-          <a:xfrm>
-            <a:off x="6172199" y="1825625"/>
-            <a:ext cx="5561105" cy="4351338"/>
-          </a:xfrm>
-        </p:spPr>
-        <p:txBody>
-          <a:bodyPr/>
-          <a:lstStyle/>
-          <a:p>
-            <a:pPr lvl="0"/>
-            <a:r>
-              <a:rPr lang="en-US"/>
-              <a:t>Click to edit Master text styles</a:t>
-            </a:r>
-          </a:p>
-          <a:p>
-            <a:pPr lvl="1"/>
-            <a:r>
-              <a:rPr lang="en-US"/>
-              <a:t>Second level</a:t>
-            </a:r>
-          </a:p>
-          <a:p>
-            <a:pPr lvl="2"/>
-            <a:r>
-              <a:rPr lang="en-US"/>
-              <a:t>Third level</a:t>
-            </a:r>
-          </a:p>
-          <a:p>
-            <a:pPr lvl="3"/>
-            <a:r>
-              <a:rPr lang="en-US"/>
-              <a:t>Fourth level</a:t>
-            </a:r>
-          </a:p>
-          <a:p>
-            <a:pPr lvl="4"/>
-            <a:r>
-              <a:rPr lang="en-US"/>
-              <a:t>Fifth level</a:t>
-            </a:r>
-            <a:endParaRPr lang="en-US" dirty="0"/>
           </a:p>
         </p:txBody>
       </p:sp>
@@ -1439,7 +4551,7 @@
           <p:cNvPr id="5" name="Date Placeholder 4">
             <a:extLst>
               <a:ext uri="{FF2B5EF4-FFF2-40B4-BE49-F238E27FC236}">
-                <a16:creationId xmlns:a16="http://schemas.microsoft.com/office/drawing/2014/main" id="{55B56FDA-C47A-4F4A-A364-BA60A25AB90A}"/>
+                <a16:creationId xmlns:a16="http://schemas.microsoft.com/office/drawing/2014/main" id="{D56B6E74-28E1-4684-B515-4265ED7B1EAE}"/>
               </a:ext>
             </a:extLst>
           </p:cNvPr>
@@ -1455,9 +4567,9 @@
           <a:bodyPr/>
           <a:lstStyle/>
           <a:p>
-            <a:fld id="{5F31DA2F-80B8-49CF-99FB-5ABCA53A607A}" type="datetime1">
+            <a:fld id="{4CDE23C7-78A4-413A-A84B-93D4CC0A9EB1}" type="datetimeFigureOut">
               <a:rPr lang="en-US" smtClean="0"/>
-              <a:t>4/10/2024</a:t>
+              <a:t>4/11/2024</a:t>
             </a:fld>
             <a:endParaRPr lang="en-US"/>
           </a:p>
@@ -1468,7 +4580,7 @@
           <p:cNvPr id="6" name="Footer Placeholder 5">
             <a:extLst>
               <a:ext uri="{FF2B5EF4-FFF2-40B4-BE49-F238E27FC236}">
-                <a16:creationId xmlns:a16="http://schemas.microsoft.com/office/drawing/2014/main" id="{7326D8DD-6D84-44D4-8A1B-57615B3ED835}"/>
+                <a16:creationId xmlns:a16="http://schemas.microsoft.com/office/drawing/2014/main" id="{18D375EA-A8F8-485D-A82F-CD85D4C9E17D}"/>
               </a:ext>
             </a:extLst>
           </p:cNvPr>
@@ -1493,7 +4605,7 @@
           <p:cNvPr id="7" name="Slide Number Placeholder 6">
             <a:extLst>
               <a:ext uri="{FF2B5EF4-FFF2-40B4-BE49-F238E27FC236}">
-                <a16:creationId xmlns:a16="http://schemas.microsoft.com/office/drawing/2014/main" id="{14C8FE31-B577-4017-8AFE-A8BA09596E9C}"/>
+                <a16:creationId xmlns:a16="http://schemas.microsoft.com/office/drawing/2014/main" id="{5AD9E4B0-F5E3-407F-A548-B616E774987F}"/>
               </a:ext>
             </a:extLst>
           </p:cNvPr>
@@ -1509,7 +4621,7 @@
           <a:bodyPr/>
           <a:lstStyle/>
           <a:p>
-            <a:fld id="{73B850FF-6169-4056-8077-06FFA93A5366}" type="slidenum">
+            <a:fld id="{6CB39E08-E0E5-4B1A-8F7D-08FE7678A3B6}" type="slidenum">
               <a:rPr lang="en-US" smtClean="0"/>
               <a:t>‹#›</a:t>
             </a:fld>
@@ -1520,7 +4632,7 @@
     </p:spTree>
     <p:extLst>
       <p:ext uri="{BB962C8B-B14F-4D97-AF65-F5344CB8AC3E}">
-        <p14:creationId xmlns:p14="http://schemas.microsoft.com/office/powerpoint/2010/main" val="3889016091"/>
+        <p14:creationId xmlns:p14="http://schemas.microsoft.com/office/powerpoint/2010/main" val="777321515"/>
       </p:ext>
     </p:extLst>
   </p:cSld>
@@ -1552,7 +4664,7 @@
           <p:cNvPr id="2" name="Title 1">
             <a:extLst>
               <a:ext uri="{FF2B5EF4-FFF2-40B4-BE49-F238E27FC236}">
-                <a16:creationId xmlns:a16="http://schemas.microsoft.com/office/drawing/2014/main" id="{A1EC28C9-B8CC-413F-9FFA-626680E4A828}"/>
+                <a16:creationId xmlns:a16="http://schemas.microsoft.com/office/drawing/2014/main" id="{1282161A-7627-4D64-AF08-10D702AFE286}"/>
               </a:ext>
             </a:extLst>
           </p:cNvPr>
@@ -1565,8 +4677,8 @@
         </p:nvSpPr>
         <p:spPr>
           <a:xfrm>
-            <a:off x="458694" y="365125"/>
-            <a:ext cx="11274612" cy="1325563"/>
+            <a:off x="552659" y="950976"/>
+            <a:ext cx="10802729" cy="881796"/>
           </a:xfrm>
         </p:spPr>
         <p:txBody>
@@ -1574,10 +4686,9 @@
           <a:lstStyle/>
           <a:p>
             <a:r>
-              <a:rPr lang="en-US"/>
+              <a:rPr lang="en-US" dirty="0"/>
               <a:t>Click to edit Master title style</a:t>
             </a:r>
-            <a:endParaRPr lang="en-US" dirty="0"/>
           </a:p>
         </p:txBody>
       </p:sp>
@@ -1586,7 +4697,7 @@
           <p:cNvPr id="3" name="Text Placeholder 2">
             <a:extLst>
               <a:ext uri="{FF2B5EF4-FFF2-40B4-BE49-F238E27FC236}">
-                <a16:creationId xmlns:a16="http://schemas.microsoft.com/office/drawing/2014/main" id="{CB53FE72-9D42-45F5-A37F-B12130388AD5}"/>
+                <a16:creationId xmlns:a16="http://schemas.microsoft.com/office/drawing/2014/main" id="{553B6884-07D8-4CC4-BE99-516F1433BED8}"/>
               </a:ext>
             </a:extLst>
           </p:cNvPr>
@@ -1599,16 +4710,18 @@
         </p:nvSpPr>
         <p:spPr>
           <a:xfrm>
-            <a:off x="465256" y="1752600"/>
-            <a:ext cx="5532319" cy="823912"/>
+            <a:off x="542918" y="1832772"/>
+            <a:ext cx="5281507" cy="742638"/>
           </a:xfrm>
         </p:spPr>
         <p:txBody>
-          <a:bodyPr anchor="b"/>
+          <a:bodyPr anchor="b">
+            <a:normAutofit/>
+          </a:bodyPr>
           <a:lstStyle>
             <a:lvl1pPr marL="0" indent="0">
               <a:buNone/>
-              <a:defRPr sz="2400" b="0" i="1"/>
+              <a:defRPr sz="1800" b="1" cap="all" spc="130" baseline="0"/>
             </a:lvl1pPr>
             <a:lvl2pPr marL="457200" indent="0">
               <a:buNone/>
@@ -1646,7 +4759,7 @@
           <a:p>
             <a:pPr lvl="0"/>
             <a:r>
-              <a:rPr lang="en-US"/>
+              <a:rPr lang="en-US" dirty="0"/>
               <a:t>Click to edit Master text styles</a:t>
             </a:r>
           </a:p>
@@ -1657,7 +4770,7 @@
           <p:cNvPr id="4" name="Content Placeholder 3">
             <a:extLst>
               <a:ext uri="{FF2B5EF4-FFF2-40B4-BE49-F238E27FC236}">
-                <a16:creationId xmlns:a16="http://schemas.microsoft.com/office/drawing/2014/main" id="{5EE3A31D-9B5F-4DE3-B18D-F7F77782EB46}"/>
+                <a16:creationId xmlns:a16="http://schemas.microsoft.com/office/drawing/2014/main" id="{E182C638-B5A8-4F8C-85AE-33BEAF54C07A}"/>
               </a:ext>
             </a:extLst>
           </p:cNvPr>
@@ -1670,8 +4783,8 @@
         </p:nvSpPr>
         <p:spPr>
           <a:xfrm>
-            <a:off x="465256" y="2666999"/>
-            <a:ext cx="5532319" cy="3522663"/>
+            <a:off x="548640" y="2600531"/>
+            <a:ext cx="5281507" cy="3684588"/>
           </a:xfrm>
         </p:spPr>
         <p:txBody>
@@ -1680,38 +4793,37 @@
           <a:p>
             <a:pPr lvl="0"/>
             <a:r>
-              <a:rPr lang="en-US"/>
+              <a:rPr lang="en-US" dirty="0"/>
               <a:t>Click to edit Master text styles</a:t>
             </a:r>
           </a:p>
           <a:p>
             <a:pPr lvl="1"/>
             <a:r>
-              <a:rPr lang="en-US"/>
+              <a:rPr lang="en-US" dirty="0"/>
               <a:t>Second level</a:t>
             </a:r>
           </a:p>
           <a:p>
             <a:pPr lvl="2"/>
             <a:r>
-              <a:rPr lang="en-US"/>
+              <a:rPr lang="en-US" dirty="0"/>
               <a:t>Third level</a:t>
             </a:r>
           </a:p>
           <a:p>
             <a:pPr lvl="3"/>
             <a:r>
-              <a:rPr lang="en-US"/>
+              <a:rPr lang="en-US" dirty="0"/>
               <a:t>Fourth level</a:t>
             </a:r>
           </a:p>
           <a:p>
             <a:pPr lvl="4"/>
             <a:r>
-              <a:rPr lang="en-US"/>
+              <a:rPr lang="en-US" dirty="0"/>
               <a:t>Fifth level</a:t>
             </a:r>
-            <a:endParaRPr lang="en-US" dirty="0"/>
           </a:p>
         </p:txBody>
       </p:sp>
@@ -1720,7 +4832,7 @@
           <p:cNvPr id="5" name="Text Placeholder 4">
             <a:extLst>
               <a:ext uri="{FF2B5EF4-FFF2-40B4-BE49-F238E27FC236}">
-                <a16:creationId xmlns:a16="http://schemas.microsoft.com/office/drawing/2014/main" id="{F0BE1D2D-822C-466C-A7B9-1A2D97366A41}"/>
+                <a16:creationId xmlns:a16="http://schemas.microsoft.com/office/drawing/2014/main" id="{E40D1933-A703-4BDC-A697-728E899EEDE1}"/>
               </a:ext>
             </a:extLst>
           </p:cNvPr>
@@ -1733,16 +4845,18 @@
         </p:nvSpPr>
         <p:spPr>
           <a:xfrm>
-            <a:off x="6172200" y="1752600"/>
-            <a:ext cx="5561106" cy="823912"/>
+            <a:off x="6257927" y="1832772"/>
+            <a:ext cx="5283202" cy="742638"/>
           </a:xfrm>
         </p:spPr>
         <p:txBody>
-          <a:bodyPr anchor="b"/>
+          <a:bodyPr anchor="b">
+            <a:normAutofit/>
+          </a:bodyPr>
           <a:lstStyle>
             <a:lvl1pPr marL="0" indent="0">
               <a:buNone/>
-              <a:defRPr sz="2400" b="0" i="1"/>
+              <a:defRPr sz="1800" b="1" cap="all" spc="130" baseline="0"/>
             </a:lvl1pPr>
             <a:lvl2pPr marL="457200" indent="0">
               <a:buNone/>
@@ -1780,7 +4894,7 @@
           <a:p>
             <a:pPr lvl="0"/>
             <a:r>
-              <a:rPr lang="en-US"/>
+              <a:rPr lang="en-US" dirty="0"/>
               <a:t>Click to edit Master text styles</a:t>
             </a:r>
           </a:p>
@@ -1791,7 +4905,7 @@
           <p:cNvPr id="6" name="Content Placeholder 5">
             <a:extLst>
               <a:ext uri="{FF2B5EF4-FFF2-40B4-BE49-F238E27FC236}">
-                <a16:creationId xmlns:a16="http://schemas.microsoft.com/office/drawing/2014/main" id="{F6F13B2C-44CA-49C4-BC84-02AF1638F381}"/>
+                <a16:creationId xmlns:a16="http://schemas.microsoft.com/office/drawing/2014/main" id="{95925DBD-4D51-4A2D-B1E4-6D094CD1E803}"/>
               </a:ext>
             </a:extLst>
           </p:cNvPr>
@@ -1804,8 +4918,8 @@
         </p:nvSpPr>
         <p:spPr>
           <a:xfrm>
-            <a:off x="6172200" y="2666999"/>
-            <a:ext cx="5561106" cy="3522663"/>
+            <a:off x="6257927" y="2600531"/>
+            <a:ext cx="5283202" cy="3684588"/>
           </a:xfrm>
         </p:spPr>
         <p:txBody>
@@ -1845,7 +4959,6 @@
               <a:rPr lang="en-US"/>
               <a:t>Fifth level</a:t>
             </a:r>
-            <a:endParaRPr lang="en-US" dirty="0"/>
           </a:p>
         </p:txBody>
       </p:sp>
@@ -1854,7 +4967,7 @@
           <p:cNvPr id="7" name="Date Placeholder 6">
             <a:extLst>
               <a:ext uri="{FF2B5EF4-FFF2-40B4-BE49-F238E27FC236}">
-                <a16:creationId xmlns:a16="http://schemas.microsoft.com/office/drawing/2014/main" id="{3793CB55-E9C1-4CE6-9B61-81B71475B960}"/>
+                <a16:creationId xmlns:a16="http://schemas.microsoft.com/office/drawing/2014/main" id="{D62636E2-E26E-42F7-9E05-3F756C7D17AE}"/>
               </a:ext>
             </a:extLst>
           </p:cNvPr>
@@ -1870,9 +4983,9 @@
           <a:bodyPr/>
           <a:lstStyle/>
           <a:p>
-            <a:fld id="{28852172-E6C9-4B6C-929A-A9DE3837BBF1}" type="datetime1">
+            <a:fld id="{4CDE23C7-78A4-413A-A84B-93D4CC0A9EB1}" type="datetimeFigureOut">
               <a:rPr lang="en-US" smtClean="0"/>
-              <a:t>4/10/2024</a:t>
+              <a:t>4/11/2024</a:t>
             </a:fld>
             <a:endParaRPr lang="en-US"/>
           </a:p>
@@ -1883,7 +4996,7 @@
           <p:cNvPr id="8" name="Footer Placeholder 7">
             <a:extLst>
               <a:ext uri="{FF2B5EF4-FFF2-40B4-BE49-F238E27FC236}">
-                <a16:creationId xmlns:a16="http://schemas.microsoft.com/office/drawing/2014/main" id="{0DF22318-747B-4EC9-862C-D9FD488CCCE9}"/>
+                <a16:creationId xmlns:a16="http://schemas.microsoft.com/office/drawing/2014/main" id="{86F7281B-0E5C-421E-AFFE-775F57C5DDB9}"/>
               </a:ext>
             </a:extLst>
           </p:cNvPr>
@@ -1908,7 +5021,7 @@
           <p:cNvPr id="9" name="Slide Number Placeholder 8">
             <a:extLst>
               <a:ext uri="{FF2B5EF4-FFF2-40B4-BE49-F238E27FC236}">
-                <a16:creationId xmlns:a16="http://schemas.microsoft.com/office/drawing/2014/main" id="{0CFBDDDF-16BD-438D-937D-0E3E30E74E86}"/>
+                <a16:creationId xmlns:a16="http://schemas.microsoft.com/office/drawing/2014/main" id="{7E483462-E410-4DC7-AE53-27AABECFE6E8}"/>
               </a:ext>
             </a:extLst>
           </p:cNvPr>
@@ -1924,7 +5037,7 @@
           <a:bodyPr/>
           <a:lstStyle/>
           <a:p>
-            <a:fld id="{73B850FF-6169-4056-8077-06FFA93A5366}" type="slidenum">
+            <a:fld id="{6CB39E08-E0E5-4B1A-8F7D-08FE7678A3B6}" type="slidenum">
               <a:rPr lang="en-US" smtClean="0"/>
               <a:t>‹#›</a:t>
             </a:fld>
@@ -1935,7 +5048,7 @@
     </p:spTree>
     <p:extLst>
       <p:ext uri="{BB962C8B-B14F-4D97-AF65-F5344CB8AC3E}">
-        <p14:creationId xmlns:p14="http://schemas.microsoft.com/office/powerpoint/2010/main" val="3448554383"/>
+        <p14:creationId xmlns:p14="http://schemas.microsoft.com/office/powerpoint/2010/main" val="4180870147"/>
       </p:ext>
     </p:extLst>
   </p:cSld>
@@ -1967,7 +5080,7 @@
           <p:cNvPr id="2" name="Title 1">
             <a:extLst>
               <a:ext uri="{FF2B5EF4-FFF2-40B4-BE49-F238E27FC236}">
-                <a16:creationId xmlns:a16="http://schemas.microsoft.com/office/drawing/2014/main" id="{35792D5F-0BD4-4517-9233-E08AF405B6DE}"/>
+                <a16:creationId xmlns:a16="http://schemas.microsoft.com/office/drawing/2014/main" id="{F8ACFA68-31B5-48C5-929A-842FDF0FD8E7}"/>
               </a:ext>
             </a:extLst>
           </p:cNvPr>
@@ -1978,21 +5091,15 @@
             <p:ph type="title"/>
           </p:nvPr>
         </p:nvSpPr>
-        <p:spPr>
-          <a:xfrm>
-            <a:off x="458694" y="365760"/>
-            <a:ext cx="11274612" cy="1325563"/>
-          </a:xfrm>
-        </p:spPr>
+        <p:spPr/>
         <p:txBody>
           <a:bodyPr/>
           <a:lstStyle/>
           <a:p>
             <a:r>
-              <a:rPr lang="en-US"/>
+              <a:rPr lang="en-US" dirty="0"/>
               <a:t>Click to edit Master title style</a:t>
             </a:r>
-            <a:endParaRPr lang="en-US" dirty="0"/>
           </a:p>
         </p:txBody>
       </p:sp>
@@ -2001,7 +5108,7 @@
           <p:cNvPr id="3" name="Date Placeholder 2">
             <a:extLst>
               <a:ext uri="{FF2B5EF4-FFF2-40B4-BE49-F238E27FC236}">
-                <a16:creationId xmlns:a16="http://schemas.microsoft.com/office/drawing/2014/main" id="{B83523B8-51E3-48B8-BFD8-CE950619804E}"/>
+                <a16:creationId xmlns:a16="http://schemas.microsoft.com/office/drawing/2014/main" id="{595A2600-419E-46E9-946F-FBDEDBA1D448}"/>
               </a:ext>
             </a:extLst>
           </p:cNvPr>
@@ -2012,19 +5119,14 @@
             <p:ph type="dt" sz="half" idx="10"/>
           </p:nvPr>
         </p:nvSpPr>
-        <p:spPr>
-          <a:xfrm>
-            <a:off x="458693" y="6416675"/>
-            <a:ext cx="2921715" cy="365125"/>
-          </a:xfrm>
-        </p:spPr>
+        <p:spPr/>
         <p:txBody>
           <a:bodyPr/>
           <a:lstStyle/>
           <a:p>
-            <a:fld id="{3AB41CFF-90C9-47B3-9DA1-F2BF8D839F7E}" type="datetime1">
+            <a:fld id="{4CDE23C7-78A4-413A-A84B-93D4CC0A9EB1}" type="datetimeFigureOut">
               <a:rPr lang="en-US" smtClean="0"/>
-              <a:t>4/10/2024</a:t>
+              <a:t>4/11/2024</a:t>
             </a:fld>
             <a:endParaRPr lang="en-US"/>
           </a:p>
@@ -2035,7 +5137,7 @@
           <p:cNvPr id="4" name="Footer Placeholder 3">
             <a:extLst>
               <a:ext uri="{FF2B5EF4-FFF2-40B4-BE49-F238E27FC236}">
-                <a16:creationId xmlns:a16="http://schemas.microsoft.com/office/drawing/2014/main" id="{7D739B90-5D50-4424-B51D-53C391621869}"/>
+                <a16:creationId xmlns:a16="http://schemas.microsoft.com/office/drawing/2014/main" id="{1385F9A9-98FF-4653-A570-9F351A1ABDC4}"/>
               </a:ext>
             </a:extLst>
           </p:cNvPr>
@@ -2060,7 +5162,7 @@
           <p:cNvPr id="5" name="Slide Number Placeholder 4">
             <a:extLst>
               <a:ext uri="{FF2B5EF4-FFF2-40B4-BE49-F238E27FC236}">
-                <a16:creationId xmlns:a16="http://schemas.microsoft.com/office/drawing/2014/main" id="{216F9286-3A00-4D3C-A3F0-50AC9045C4E1}"/>
+                <a16:creationId xmlns:a16="http://schemas.microsoft.com/office/drawing/2014/main" id="{7BD44457-95F1-4B15-A647-B14F91F7A6D4}"/>
               </a:ext>
             </a:extLst>
           </p:cNvPr>
@@ -2076,7 +5178,7 @@
           <a:bodyPr/>
           <a:lstStyle/>
           <a:p>
-            <a:fld id="{73B850FF-6169-4056-8077-06FFA93A5366}" type="slidenum">
+            <a:fld id="{6CB39E08-E0E5-4B1A-8F7D-08FE7678A3B6}" type="slidenum">
               <a:rPr lang="en-US" smtClean="0"/>
               <a:t>‹#›</a:t>
             </a:fld>
@@ -2087,7 +5189,7 @@
     </p:spTree>
     <p:extLst>
       <p:ext uri="{BB962C8B-B14F-4D97-AF65-F5344CB8AC3E}">
-        <p14:creationId xmlns:p14="http://schemas.microsoft.com/office/powerpoint/2010/main" val="1210556128"/>
+        <p14:creationId xmlns:p14="http://schemas.microsoft.com/office/powerpoint/2010/main" val="2849655866"/>
       </p:ext>
     </p:extLst>
   </p:cSld>
@@ -2119,7 +5221,7 @@
           <p:cNvPr id="2" name="Date Placeholder 1">
             <a:extLst>
               <a:ext uri="{FF2B5EF4-FFF2-40B4-BE49-F238E27FC236}">
-                <a16:creationId xmlns:a16="http://schemas.microsoft.com/office/drawing/2014/main" id="{72933BE2-665A-42DA-A3B7-835F81A3F46B}"/>
+                <a16:creationId xmlns:a16="http://schemas.microsoft.com/office/drawing/2014/main" id="{8519EABA-1008-4E49-9184-3A946ECD7199}"/>
               </a:ext>
             </a:extLst>
           </p:cNvPr>
@@ -2135,9 +5237,9 @@
           <a:bodyPr/>
           <a:lstStyle/>
           <a:p>
-            <a:fld id="{F06048FA-06AB-4884-A69B-986B96E68A24}" type="datetime1">
+            <a:fld id="{4CDE23C7-78A4-413A-A84B-93D4CC0A9EB1}" type="datetimeFigureOut">
               <a:rPr lang="en-US" smtClean="0"/>
-              <a:t>4/10/2024</a:t>
+              <a:t>4/11/2024</a:t>
             </a:fld>
             <a:endParaRPr lang="en-US"/>
           </a:p>
@@ -2148,7 +5250,7 @@
           <p:cNvPr id="3" name="Footer Placeholder 2">
             <a:extLst>
               <a:ext uri="{FF2B5EF4-FFF2-40B4-BE49-F238E27FC236}">
-                <a16:creationId xmlns:a16="http://schemas.microsoft.com/office/drawing/2014/main" id="{634DBCBD-AD42-432D-ABA9-20D616AF3ED7}"/>
+                <a16:creationId xmlns:a16="http://schemas.microsoft.com/office/drawing/2014/main" id="{D05C3BD0-269D-4127-B5F7-84B0D8A7422B}"/>
               </a:ext>
             </a:extLst>
           </p:cNvPr>
@@ -2173,7 +5275,7 @@
           <p:cNvPr id="4" name="Slide Number Placeholder 3">
             <a:extLst>
               <a:ext uri="{FF2B5EF4-FFF2-40B4-BE49-F238E27FC236}">
-                <a16:creationId xmlns:a16="http://schemas.microsoft.com/office/drawing/2014/main" id="{EE140251-3596-4673-B24B-59A6F9ED8FB3}"/>
+                <a16:creationId xmlns:a16="http://schemas.microsoft.com/office/drawing/2014/main" id="{31623447-C740-4495-93EC-7252B1B929E4}"/>
               </a:ext>
             </a:extLst>
           </p:cNvPr>
@@ -2189,7 +5291,7 @@
           <a:bodyPr/>
           <a:lstStyle/>
           <a:p>
-            <a:fld id="{73B850FF-6169-4056-8077-06FFA93A5366}" type="slidenum">
+            <a:fld id="{6CB39E08-E0E5-4B1A-8F7D-08FE7678A3B6}" type="slidenum">
               <a:rPr lang="en-US" smtClean="0"/>
               <a:t>‹#›</a:t>
             </a:fld>
@@ -2200,7 +5302,7 @@
     </p:spTree>
     <p:extLst>
       <p:ext uri="{BB962C8B-B14F-4D97-AF65-F5344CB8AC3E}">
-        <p14:creationId xmlns:p14="http://schemas.microsoft.com/office/powerpoint/2010/main" val="799458186"/>
+        <p14:creationId xmlns:p14="http://schemas.microsoft.com/office/powerpoint/2010/main" val="2111204202"/>
       </p:ext>
     </p:extLst>
   </p:cSld>
@@ -2232,7 +5334,7 @@
           <p:cNvPr id="2" name="Title 1">
             <a:extLst>
               <a:ext uri="{FF2B5EF4-FFF2-40B4-BE49-F238E27FC236}">
-                <a16:creationId xmlns:a16="http://schemas.microsoft.com/office/drawing/2014/main" id="{2D6A81A1-6D8E-4DD6-8E49-DABDE6D107E4}"/>
+                <a16:creationId xmlns:a16="http://schemas.microsoft.com/office/drawing/2014/main" id="{B12D1155-71E7-4F0A-BB62-933743CF6EDD}"/>
               </a:ext>
             </a:extLst>
           </p:cNvPr>
@@ -2245,12 +5347,12 @@
         </p:nvSpPr>
         <p:spPr>
           <a:xfrm>
-            <a:off x="839788" y="457200"/>
-            <a:ext cx="3932237" cy="1600200"/>
+            <a:off x="548640" y="952500"/>
+            <a:ext cx="4124084" cy="2362200"/>
           </a:xfrm>
         </p:spPr>
         <p:txBody>
-          <a:bodyPr anchor="b"/>
+          <a:bodyPr anchor="t"/>
           <a:lstStyle>
             <a:lvl1pPr>
               <a:defRPr sz="3200"/>
@@ -2258,7 +5360,7 @@
           </a:lstStyle>
           <a:p>
             <a:r>
-              <a:rPr lang="en-US"/>
+              <a:rPr lang="en-US" dirty="0"/>
               <a:t>Click to edit Master title style</a:t>
             </a:r>
           </a:p>
@@ -2269,7 +5371,7 @@
           <p:cNvPr id="3" name="Content Placeholder 2">
             <a:extLst>
               <a:ext uri="{FF2B5EF4-FFF2-40B4-BE49-F238E27FC236}">
-                <a16:creationId xmlns:a16="http://schemas.microsoft.com/office/drawing/2014/main" id="{1693F18F-F78D-4A31-A6BC-6552105BCFDA}"/>
+                <a16:creationId xmlns:a16="http://schemas.microsoft.com/office/drawing/2014/main" id="{E0CB6D44-5A1E-4176-8766-4B81E045D50A}"/>
               </a:ext>
             </a:extLst>
           </p:cNvPr>
@@ -2282,8 +5384,8 @@
         </p:nvSpPr>
         <p:spPr>
           <a:xfrm>
-            <a:off x="5183188" y="987425"/>
-            <a:ext cx="6172200" cy="4873625"/>
+            <a:off x="5600700" y="952500"/>
+            <a:ext cx="5934074" cy="4908551"/>
           </a:xfrm>
         </p:spPr>
         <p:txBody>
@@ -2320,35 +5422,35 @@
           <a:p>
             <a:pPr lvl="0"/>
             <a:r>
-              <a:rPr lang="en-US"/>
+              <a:rPr lang="en-US" dirty="0"/>
               <a:t>Click to edit Master text styles</a:t>
             </a:r>
           </a:p>
           <a:p>
             <a:pPr lvl="1"/>
             <a:r>
-              <a:rPr lang="en-US"/>
+              <a:rPr lang="en-US" dirty="0"/>
               <a:t>Second level</a:t>
             </a:r>
           </a:p>
           <a:p>
             <a:pPr lvl="2"/>
             <a:r>
-              <a:rPr lang="en-US"/>
+              <a:rPr lang="en-US" dirty="0"/>
               <a:t>Third level</a:t>
             </a:r>
           </a:p>
           <a:p>
             <a:pPr lvl="3"/>
             <a:r>
-              <a:rPr lang="en-US"/>
+              <a:rPr lang="en-US" dirty="0"/>
               <a:t>Fourth level</a:t>
             </a:r>
           </a:p>
           <a:p>
             <a:pPr lvl="4"/>
             <a:r>
-              <a:rPr lang="en-US"/>
+              <a:rPr lang="en-US" dirty="0"/>
               <a:t>Fifth level</a:t>
             </a:r>
           </a:p>
@@ -2359,7 +5461,7 @@
           <p:cNvPr id="4" name="Text Placeholder 3">
             <a:extLst>
               <a:ext uri="{FF2B5EF4-FFF2-40B4-BE49-F238E27FC236}">
-                <a16:creationId xmlns:a16="http://schemas.microsoft.com/office/drawing/2014/main" id="{8582C2F4-BDF4-4A4F-AA3D-52692932C24C}"/>
+                <a16:creationId xmlns:a16="http://schemas.microsoft.com/office/drawing/2014/main" id="{8C810EC6-11DD-4B5D-A2D2-4DCF73E58389}"/>
               </a:ext>
             </a:extLst>
           </p:cNvPr>
@@ -2372,8 +5474,8 @@
         </p:nvSpPr>
         <p:spPr>
           <a:xfrm>
-            <a:off x="839788" y="2057400"/>
-            <a:ext cx="3932237" cy="3811588"/>
+            <a:off x="548641" y="3429000"/>
+            <a:ext cx="4124084" cy="2439987"/>
           </a:xfrm>
         </p:spPr>
         <p:txBody>
@@ -2419,7 +5521,7 @@
           <a:p>
             <a:pPr lvl="0"/>
             <a:r>
-              <a:rPr lang="en-US"/>
+              <a:rPr lang="en-US" dirty="0"/>
               <a:t>Click to edit Master text styles</a:t>
             </a:r>
           </a:p>
@@ -2430,7 +5532,7 @@
           <p:cNvPr id="5" name="Date Placeholder 4">
             <a:extLst>
               <a:ext uri="{FF2B5EF4-FFF2-40B4-BE49-F238E27FC236}">
-                <a16:creationId xmlns:a16="http://schemas.microsoft.com/office/drawing/2014/main" id="{0113850F-5C87-4F08-9658-EAF049B60EB0}"/>
+                <a16:creationId xmlns:a16="http://schemas.microsoft.com/office/drawing/2014/main" id="{CD5DFCDF-666E-4DB4-A1C0-79D40A007066}"/>
               </a:ext>
             </a:extLst>
           </p:cNvPr>
@@ -2446,9 +5548,9 @@
           <a:bodyPr/>
           <a:lstStyle/>
           <a:p>
-            <a:fld id="{50DB7ABA-0172-4F9C-889D-567164F66BCD}" type="datetime1">
+            <a:fld id="{4CDE23C7-78A4-413A-A84B-93D4CC0A9EB1}" type="datetimeFigureOut">
               <a:rPr lang="en-US" smtClean="0"/>
-              <a:t>4/10/2024</a:t>
+              <a:t>4/11/2024</a:t>
             </a:fld>
             <a:endParaRPr lang="en-US"/>
           </a:p>
@@ -2459,7 +5561,7 @@
           <p:cNvPr id="6" name="Footer Placeholder 5">
             <a:extLst>
               <a:ext uri="{FF2B5EF4-FFF2-40B4-BE49-F238E27FC236}">
-                <a16:creationId xmlns:a16="http://schemas.microsoft.com/office/drawing/2014/main" id="{210BCE9A-A746-4439-B5D3-966FBC8E5FC2}"/>
+                <a16:creationId xmlns:a16="http://schemas.microsoft.com/office/drawing/2014/main" id="{083A69AC-15E6-4B19-A59D-DBDBE923DB48}"/>
               </a:ext>
             </a:extLst>
           </p:cNvPr>
@@ -2484,7 +5586,7 @@
           <p:cNvPr id="7" name="Slide Number Placeholder 6">
             <a:extLst>
               <a:ext uri="{FF2B5EF4-FFF2-40B4-BE49-F238E27FC236}">
-                <a16:creationId xmlns:a16="http://schemas.microsoft.com/office/drawing/2014/main" id="{E41D3B51-AA2E-4AA1-8062-A0D476D80CCB}"/>
+                <a16:creationId xmlns:a16="http://schemas.microsoft.com/office/drawing/2014/main" id="{CD79F0EE-74DE-4FEC-81E9-E40D53397857}"/>
               </a:ext>
             </a:extLst>
           </p:cNvPr>
@@ -2500,7 +5602,7 @@
           <a:bodyPr/>
           <a:lstStyle/>
           <a:p>
-            <a:fld id="{73B850FF-6169-4056-8077-06FFA93A5366}" type="slidenum">
+            <a:fld id="{6CB39E08-E0E5-4B1A-8F7D-08FE7678A3B6}" type="slidenum">
               <a:rPr lang="en-US" smtClean="0"/>
               <a:t>‹#›</a:t>
             </a:fld>
@@ -2511,7 +5613,7 @@
     </p:spTree>
     <p:extLst>
       <p:ext uri="{BB962C8B-B14F-4D97-AF65-F5344CB8AC3E}">
-        <p14:creationId xmlns:p14="http://schemas.microsoft.com/office/powerpoint/2010/main" val="3624218423"/>
+        <p14:creationId xmlns:p14="http://schemas.microsoft.com/office/powerpoint/2010/main" val="1086759654"/>
       </p:ext>
     </p:extLst>
   </p:cSld>
@@ -2543,7 +5645,7 @@
           <p:cNvPr id="2" name="Title 1">
             <a:extLst>
               <a:ext uri="{FF2B5EF4-FFF2-40B4-BE49-F238E27FC236}">
-                <a16:creationId xmlns:a16="http://schemas.microsoft.com/office/drawing/2014/main" id="{4ED02CF7-F453-4B3E-9510-D747979878A9}"/>
+                <a16:creationId xmlns:a16="http://schemas.microsoft.com/office/drawing/2014/main" id="{32A3CA4F-6508-4AD6-8367-A0288D888DD6}"/>
               </a:ext>
             </a:extLst>
           </p:cNvPr>
@@ -2556,12 +5658,12 @@
         </p:nvSpPr>
         <p:spPr>
           <a:xfrm>
-            <a:off x="839788" y="457200"/>
-            <a:ext cx="3932237" cy="1600200"/>
+            <a:off x="548641" y="952500"/>
+            <a:ext cx="4124084" cy="2397918"/>
           </a:xfrm>
         </p:spPr>
         <p:txBody>
-          <a:bodyPr anchor="b"/>
+          <a:bodyPr anchor="t"/>
           <a:lstStyle>
             <a:lvl1pPr>
               <a:defRPr sz="3200"/>
@@ -2569,7 +5671,7 @@
           </a:lstStyle>
           <a:p>
             <a:r>
-              <a:rPr lang="en-US"/>
+              <a:rPr lang="en-US" dirty="0"/>
               <a:t>Click to edit Master title style</a:t>
             </a:r>
           </a:p>
@@ -2580,7 +5682,7 @@
           <p:cNvPr id="3" name="Picture Placeholder 2">
             <a:extLst>
               <a:ext uri="{FF2B5EF4-FFF2-40B4-BE49-F238E27FC236}">
-                <a16:creationId xmlns:a16="http://schemas.microsoft.com/office/drawing/2014/main" id="{63E2A1B9-8A2A-4B49-8B79-76D3EEB36B43}"/>
+                <a16:creationId xmlns:a16="http://schemas.microsoft.com/office/drawing/2014/main" id="{1906BFCD-2F93-4D99-89EA-F0359FB782B7}"/>
               </a:ext>
             </a:extLst>
           </p:cNvPr>
@@ -2593,8 +5695,8 @@
         </p:nvSpPr>
         <p:spPr>
           <a:xfrm>
-            <a:off x="5183188" y="987425"/>
-            <a:ext cx="6172200" cy="4873625"/>
+            <a:off x="5522119" y="987425"/>
+            <a:ext cx="6022181" cy="4873625"/>
           </a:xfrm>
         </p:spPr>
         <p:txBody>
@@ -2638,10 +5740,7 @@
             </a:lvl9pPr>
           </a:lstStyle>
           <a:p>
-            <a:r>
-              <a:rPr lang="en-US"/>
-              <a:t>Click icon to add picture</a:t>
-            </a:r>
+            <a:endParaRPr lang="en-US"/>
           </a:p>
         </p:txBody>
       </p:sp>
@@ -2650,7 +5749,7 @@
           <p:cNvPr id="4" name="Text Placeholder 3">
             <a:extLst>
               <a:ext uri="{FF2B5EF4-FFF2-40B4-BE49-F238E27FC236}">
-                <a16:creationId xmlns:a16="http://schemas.microsoft.com/office/drawing/2014/main" id="{BD9FEA03-0EC4-4085-AE63-4AA492D61A97}"/>
+                <a16:creationId xmlns:a16="http://schemas.microsoft.com/office/drawing/2014/main" id="{6FF4C1F7-1272-41C8-8C29-676316D02D5D}"/>
               </a:ext>
             </a:extLst>
           </p:cNvPr>
@@ -2663,8 +5762,8 @@
         </p:nvSpPr>
         <p:spPr>
           <a:xfrm>
-            <a:off x="839788" y="2057400"/>
-            <a:ext cx="3932237" cy="3811588"/>
+            <a:off x="548641" y="3429000"/>
+            <a:ext cx="4124084" cy="2439988"/>
           </a:xfrm>
         </p:spPr>
         <p:txBody>
@@ -2710,7 +5809,7 @@
           <a:p>
             <a:pPr lvl="0"/>
             <a:r>
-              <a:rPr lang="en-US"/>
+              <a:rPr lang="en-US" dirty="0"/>
               <a:t>Click to edit Master text styles</a:t>
             </a:r>
           </a:p>
@@ -2721,7 +5820,7 @@
           <p:cNvPr id="5" name="Date Placeholder 4">
             <a:extLst>
               <a:ext uri="{FF2B5EF4-FFF2-40B4-BE49-F238E27FC236}">
-                <a16:creationId xmlns:a16="http://schemas.microsoft.com/office/drawing/2014/main" id="{9605AD5B-0DEA-4C6F-94D2-FAA99F2E5DA9}"/>
+                <a16:creationId xmlns:a16="http://schemas.microsoft.com/office/drawing/2014/main" id="{A5CDD491-0FE6-4B42-AAA6-B698E46F1A8E}"/>
               </a:ext>
             </a:extLst>
           </p:cNvPr>
@@ -2737,9 +5836,9 @@
           <a:bodyPr/>
           <a:lstStyle/>
           <a:p>
-            <a:fld id="{78AC6A5B-8AE7-4A41-B5A7-9ADC6686DC18}" type="datetime1">
+            <a:fld id="{4CDE23C7-78A4-413A-A84B-93D4CC0A9EB1}" type="datetimeFigureOut">
               <a:rPr lang="en-US" smtClean="0"/>
-              <a:t>4/10/2024</a:t>
+              <a:t>4/11/2024</a:t>
             </a:fld>
             <a:endParaRPr lang="en-US"/>
           </a:p>
@@ -2750,7 +5849,7 @@
           <p:cNvPr id="6" name="Footer Placeholder 5">
             <a:extLst>
               <a:ext uri="{FF2B5EF4-FFF2-40B4-BE49-F238E27FC236}">
-                <a16:creationId xmlns:a16="http://schemas.microsoft.com/office/drawing/2014/main" id="{F0DC6744-7CBA-4A1D-8F87-10699F9812F3}"/>
+                <a16:creationId xmlns:a16="http://schemas.microsoft.com/office/drawing/2014/main" id="{D258F83F-4E9F-4607-A69B-DFC932560ABE}"/>
               </a:ext>
             </a:extLst>
           </p:cNvPr>
@@ -2775,7 +5874,7 @@
           <p:cNvPr id="7" name="Slide Number Placeholder 6">
             <a:extLst>
               <a:ext uri="{FF2B5EF4-FFF2-40B4-BE49-F238E27FC236}">
-                <a16:creationId xmlns:a16="http://schemas.microsoft.com/office/drawing/2014/main" id="{DEAD9048-35FF-4BE9-8157-BE4BAA1C7251}"/>
+                <a16:creationId xmlns:a16="http://schemas.microsoft.com/office/drawing/2014/main" id="{8D324484-C6E4-4D8A-BDAB-09B1FBB43631}"/>
               </a:ext>
             </a:extLst>
           </p:cNvPr>
@@ -2791,7 +5890,7 @@
           <a:bodyPr/>
           <a:lstStyle/>
           <a:p>
-            <a:fld id="{73B850FF-6169-4056-8077-06FFA93A5366}" type="slidenum">
+            <a:fld id="{6CB39E08-E0E5-4B1A-8F7D-08FE7678A3B6}" type="slidenum">
               <a:rPr lang="en-US" smtClean="0"/>
               <a:t>‹#›</a:t>
             </a:fld>
@@ -2802,7 +5901,7 @@
     </p:spTree>
     <p:extLst>
       <p:ext uri="{BB962C8B-B14F-4D97-AF65-F5344CB8AC3E}">
-        <p14:creationId xmlns:p14="http://schemas.microsoft.com/office/powerpoint/2010/main" val="313212280"/>
+        <p14:creationId xmlns:p14="http://schemas.microsoft.com/office/powerpoint/2010/main" val="1726123268"/>
       </p:ext>
     </p:extLst>
   </p:cSld>
@@ -2836,97 +5935,31 @@
       </p:grpSpPr>
       <p:sp>
         <p:nvSpPr>
-          <p:cNvPr id="12" name="Rectangle 11">
-            <a:extLst>
-              <a:ext uri="{FF2B5EF4-FFF2-40B4-BE49-F238E27FC236}">
-                <a16:creationId xmlns:a16="http://schemas.microsoft.com/office/drawing/2014/main" id="{0BABF38A-8A0D-492E-BD20-6CF4D46B50BD}"/>
-              </a:ext>
-              <a:ext uri="{C183D7F6-B498-43B3-948B-1728B52AA6E4}">
-                <adec:decorative xmlns:adec="http://schemas.microsoft.com/office/drawing/2017/decorative" val="1"/>
-              </a:ext>
-            </a:extLst>
-          </p:cNvPr>
-          <p:cNvSpPr/>
-          <p:nvPr/>
+          <p:cNvPr id="2" name="Title Placeholder 1">
+            <a:extLst>
+              <a:ext uri="{FF2B5EF4-FFF2-40B4-BE49-F238E27FC236}">
+                <a16:creationId xmlns:a16="http://schemas.microsoft.com/office/drawing/2014/main" id="{1F90E843-90BA-4A7D-8F9F-FFE49387A618}"/>
+              </a:ext>
+            </a:extLst>
+          </p:cNvPr>
+          <p:cNvSpPr>
+            <a:spLocks noGrp="1"/>
+          </p:cNvSpPr>
+          <p:nvPr>
+            <p:ph type="title"/>
+          </p:nvPr>
         </p:nvSpPr>
         <p:spPr>
           <a:xfrm>
-            <a:off x="0" y="0"/>
-            <a:ext cx="12192000" cy="6858004"/>
-          </a:xfrm>
-          <a:prstGeom prst="rect">
-            <a:avLst/>
-          </a:prstGeom>
-          <a:solidFill>
-            <a:schemeClr val="bg2">
-              <a:lumMod val="90000"/>
-              <a:alpha val="70000"/>
-            </a:schemeClr>
-          </a:solidFill>
-          <a:ln>
-            <a:noFill/>
-          </a:ln>
-        </p:spPr>
-        <p:style>
-          <a:lnRef idx="2">
-            <a:schemeClr val="accent1">
-              <a:shade val="50000"/>
-            </a:schemeClr>
-          </a:lnRef>
-          <a:fillRef idx="1">
-            <a:schemeClr val="accent1"/>
-          </a:fillRef>
-          <a:effectRef idx="0">
-            <a:schemeClr val="accent1"/>
-          </a:effectRef>
-          <a:fontRef idx="minor">
-            <a:schemeClr val="lt1"/>
-          </a:fontRef>
-        </p:style>
-        <p:txBody>
-          <a:bodyPr rtlCol="0" anchor="ctr"/>
-          <a:lstStyle/>
-          <a:p>
-            <a:pPr algn="ctr"/>
-            <a:endParaRPr lang="en-US" dirty="0">
-              <a:solidFill>
-                <a:schemeClr val="tx1">
-                  <a:lumMod val="65000"/>
-                  <a:lumOff val="35000"/>
-                </a:schemeClr>
-              </a:solidFill>
-              <a:latin typeface="AvenirNext LT Pro Medium" panose="020B0504020202020204" pitchFamily="34" charset="0"/>
-            </a:endParaRPr>
-          </a:p>
-        </p:txBody>
-      </p:sp>
-      <p:sp>
-        <p:nvSpPr>
-          <p:cNvPr id="2" name="Title Placeholder 1">
-            <a:extLst>
-              <a:ext uri="{FF2B5EF4-FFF2-40B4-BE49-F238E27FC236}">
-                <a16:creationId xmlns:a16="http://schemas.microsoft.com/office/drawing/2014/main" id="{E9984D45-0ED3-4D03-8E44-5E355C9134F1}"/>
-              </a:ext>
-            </a:extLst>
-          </p:cNvPr>
-          <p:cNvSpPr>
-            <a:spLocks noGrp="1"/>
-          </p:cNvSpPr>
-          <p:nvPr>
-            <p:ph type="title"/>
-          </p:nvPr>
-        </p:nvSpPr>
-        <p:spPr>
-          <a:xfrm>
-            <a:off x="458694" y="425450"/>
-            <a:ext cx="11274612" cy="1325563"/>
+            <a:off x="548639" y="950976"/>
+            <a:ext cx="10995659" cy="1077849"/>
           </a:xfrm>
           <a:prstGeom prst="rect">
             <a:avLst/>
           </a:prstGeom>
         </p:spPr>
         <p:txBody>
-          <a:bodyPr vert="horz" lIns="91440" tIns="45720" rIns="91440" bIns="45720" rtlCol="0" anchor="ctr">
+          <a:bodyPr vert="horz" lIns="91440" tIns="45720" rIns="91440" bIns="45720" rtlCol="0" anchor="t">
             <a:normAutofit/>
           </a:bodyPr>
           <a:lstStyle/>
@@ -2943,7 +5976,7 @@
           <p:cNvPr id="3" name="Text Placeholder 2">
             <a:extLst>
               <a:ext uri="{FF2B5EF4-FFF2-40B4-BE49-F238E27FC236}">
-                <a16:creationId xmlns:a16="http://schemas.microsoft.com/office/drawing/2014/main" id="{1F687D6E-D1E9-489C-9AA9-3575C39BAA0B}"/>
+                <a16:creationId xmlns:a16="http://schemas.microsoft.com/office/drawing/2014/main" id="{43F7CA62-9B55-49B4-94B6-EAAF7D5AE0DC}"/>
               </a:ext>
             </a:extLst>
           </p:cNvPr>
@@ -2956,8 +5989,8 @@
         </p:nvSpPr>
         <p:spPr>
           <a:xfrm>
-            <a:off x="458694" y="1949450"/>
-            <a:ext cx="11274612" cy="4195763"/>
+            <a:off x="548641" y="2028826"/>
+            <a:ext cx="10995660" cy="4029074"/>
           </a:xfrm>
           <a:prstGeom prst="rect">
             <a:avLst/>
@@ -3010,7 +6043,7 @@
           <p:cNvPr id="4" name="Date Placeholder 3">
             <a:extLst>
               <a:ext uri="{FF2B5EF4-FFF2-40B4-BE49-F238E27FC236}">
-                <a16:creationId xmlns:a16="http://schemas.microsoft.com/office/drawing/2014/main" id="{86364E9C-08EE-4B1B-B3FC-D6D997F4EA38}"/>
+                <a16:creationId xmlns:a16="http://schemas.microsoft.com/office/drawing/2014/main" id="{C93CEA03-AAFA-4A69-A3DA-1DD0EF273F11}"/>
               </a:ext>
             </a:extLst>
           </p:cNvPr>
@@ -3023,32 +6056,29 @@
         </p:nvSpPr>
         <p:spPr>
           <a:xfrm>
-            <a:off x="458694" y="6416675"/>
-            <a:ext cx="2743200" cy="365125"/>
+            <a:off x="588729" y="6449535"/>
+            <a:ext cx="2983095" cy="308453"/>
           </a:xfrm>
           <a:prstGeom prst="rect">
             <a:avLst/>
           </a:prstGeom>
         </p:spPr>
         <p:txBody>
-          <a:bodyPr vert="horz" lIns="91440" tIns="45720" rIns="91440" bIns="45720" rtlCol="0" anchor="ctr"/>
+          <a:bodyPr vert="horz" lIns="91440" tIns="45720" rIns="91440" bIns="45720" rtlCol="0" anchor="t"/>
           <a:lstStyle>
             <a:lvl1pPr algn="l">
               <a:defRPr sz="900">
                 <a:solidFill>
-                  <a:schemeClr val="tx1">
-                    <a:alpha val="60000"/>
-                  </a:schemeClr>
+                  <a:schemeClr val="tx1"/>
                 </a:solidFill>
-                <a:latin typeface="+mn-lt"/>
               </a:defRPr>
             </a:lvl1pPr>
           </a:lstStyle>
           <a:p>
-            <a:fld id="{57E0CF6C-748E-4B7A-BC8B-3011EF78ED13}" type="datetime1">
+            <a:fld id="{4CDE23C7-78A4-413A-A84B-93D4CC0A9EB1}" type="datetimeFigureOut">
               <a:rPr lang="en-US" smtClean="0"/>
               <a:pPr/>
-              <a:t>4/10/2024</a:t>
+              <a:t>4/11/2024</a:t>
             </a:fld>
             <a:endParaRPr lang="en-US" dirty="0"/>
           </a:p>
@@ -3059,7 +6089,7 @@
           <p:cNvPr id="5" name="Footer Placeholder 4">
             <a:extLst>
               <a:ext uri="{FF2B5EF4-FFF2-40B4-BE49-F238E27FC236}">
-                <a16:creationId xmlns:a16="http://schemas.microsoft.com/office/drawing/2014/main" id="{BAB0A1F1-38FE-4C27-81E6-A43A54793FC3}"/>
+                <a16:creationId xmlns:a16="http://schemas.microsoft.com/office/drawing/2014/main" id="{F3E97F43-1ECB-4FC2-863E-26CEE24A008A}"/>
               </a:ext>
             </a:extLst>
           </p:cNvPr>
@@ -3072,7 +6102,7 @@
         </p:nvSpPr>
         <p:spPr>
           <a:xfrm>
-            <a:off x="4038600" y="6416675"/>
+            <a:off x="557924" y="173776"/>
             <a:ext cx="4114800" cy="365125"/>
           </a:xfrm>
           <a:prstGeom prst="rect">
@@ -3080,27 +6110,18 @@
           </a:prstGeom>
         </p:spPr>
         <p:txBody>
-          <a:bodyPr vert="horz" lIns="91440" tIns="45720" rIns="91440" bIns="45720" rtlCol="0" anchor="ctr"/>
+          <a:bodyPr vert="horz" lIns="91440" tIns="45720" rIns="91440" bIns="45720" rtlCol="0" anchor="b"/>
           <a:lstStyle>
-            <a:lvl1pPr algn="ctr">
+            <a:lvl1pPr algn="l">
               <a:defRPr sz="900">
                 <a:solidFill>
-                  <a:schemeClr val="tx1">
-                    <a:alpha val="60000"/>
-                  </a:schemeClr>
+                  <a:schemeClr val="tx1"/>
                 </a:solidFill>
-                <a:latin typeface="+mn-lt"/>
               </a:defRPr>
             </a:lvl1pPr>
           </a:lstStyle>
           <a:p>
-            <a:endParaRPr lang="en-US" dirty="0">
-              <a:solidFill>
-                <a:schemeClr val="tx1">
-                  <a:alpha val="60000"/>
-                </a:schemeClr>
-              </a:solidFill>
-            </a:endParaRPr>
+            <a:endParaRPr lang="en-US" dirty="0"/>
           </a:p>
         </p:txBody>
       </p:sp>
@@ -3109,7 +6130,7 @@
           <p:cNvPr id="6" name="Slide Number Placeholder 5">
             <a:extLst>
               <a:ext uri="{FF2B5EF4-FFF2-40B4-BE49-F238E27FC236}">
-                <a16:creationId xmlns:a16="http://schemas.microsoft.com/office/drawing/2014/main" id="{5E26B39A-FFD8-42EF-ADC7-7DB3B302F8B2}"/>
+                <a16:creationId xmlns:a16="http://schemas.microsoft.com/office/drawing/2014/main" id="{53C7F9D8-4B2E-4871-B2AE-EFC06BE23179}"/>
               </a:ext>
             </a:extLst>
           </p:cNvPr>
@@ -3122,109 +6143,150 @@
         </p:nvSpPr>
         <p:spPr>
           <a:xfrm>
-            <a:off x="8990106" y="6416675"/>
-            <a:ext cx="2743200" cy="365125"/>
+            <a:off x="10710710" y="6449535"/>
+            <a:ext cx="932279" cy="308453"/>
           </a:xfrm>
           <a:prstGeom prst="rect">
             <a:avLst/>
           </a:prstGeom>
         </p:spPr>
         <p:txBody>
-          <a:bodyPr vert="horz" lIns="91440" tIns="45720" rIns="91440" bIns="45720" rtlCol="0" anchor="ctr"/>
+          <a:bodyPr vert="horz" lIns="91440" tIns="45720" rIns="91440" bIns="45720" rtlCol="0" anchor="t"/>
           <a:lstStyle>
             <a:lvl1pPr algn="r">
               <a:defRPr sz="900">
                 <a:solidFill>
-                  <a:schemeClr val="tx1">
-                    <a:alpha val="60000"/>
-                  </a:schemeClr>
+                  <a:schemeClr val="tx1"/>
                 </a:solidFill>
-                <a:latin typeface="+mn-lt"/>
               </a:defRPr>
             </a:lvl1pPr>
           </a:lstStyle>
           <a:p>
-            <a:fld id="{73B850FF-6169-4056-8077-06FFA93A5366}" type="slidenum">
+            <a:fld id="{6CB39E08-E0E5-4B1A-8F7D-08FE7678A3B6}" type="slidenum">
               <a:rPr lang="en-US" smtClean="0"/>
               <a:pPr/>
               <a:t>‹#›</a:t>
             </a:fld>
-            <a:endParaRPr lang="en-US" dirty="0"/>
+            <a:endParaRPr lang="en-US"/>
           </a:p>
         </p:txBody>
       </p:sp>
-      <p:pic>
-        <p:nvPicPr>
-          <p:cNvPr id="14" name="Picture 13" descr="A picture containing sitting&#10;&#10;Description automatically generated">
-            <a:extLst>
-              <a:ext uri="{FF2B5EF4-FFF2-40B4-BE49-F238E27FC236}">
-                <a16:creationId xmlns:a16="http://schemas.microsoft.com/office/drawing/2014/main" id="{BC526B7A-4801-4FD1-95C8-03AF22629E87}"/>
-              </a:ext>
-            </a:extLst>
-          </p:cNvPr>
-          <p:cNvPicPr>
-            <a:picLocks noChangeAspect="1"/>
-          </p:cNvPicPr>
+      <p:cxnSp>
+        <p:nvCxnSpPr>
+          <p:cNvPr id="7" name="Straight Connector 6">
+            <a:extLst>
+              <a:ext uri="{FF2B5EF4-FFF2-40B4-BE49-F238E27FC236}">
+                <a16:creationId xmlns:a16="http://schemas.microsoft.com/office/drawing/2014/main" id="{462919E4-C488-4107-9EF1-66152F848008}"/>
+              </a:ext>
+            </a:extLst>
+          </p:cNvPr>
+          <p:cNvCxnSpPr>
+            <a:cxnSpLocks/>
+          </p:cNvCxnSpPr>
           <p:nvPr/>
-        </p:nvPicPr>
-        <p:blipFill>
-          <a:blip r:embed="rId13">
-            <a:alphaModFix amt="10000"/>
-            <a:extLst>
-              <a:ext uri="{28A0092B-C50C-407E-A947-70E740481C1C}">
-                <a14:useLocalDpi xmlns:a14="http://schemas.microsoft.com/office/drawing/2010/main" val="0"/>
-              </a:ext>
-            </a:extLst>
-          </a:blip>
-          <a:stretch>
-            <a:fillRect/>
-          </a:stretch>
-        </p:blipFill>
+        </p:nvCxnSpPr>
         <p:spPr>
           <a:xfrm>
-            <a:off x="8534400" y="0"/>
-            <a:ext cx="3654612" cy="4575348"/>
+            <a:off x="643467" y="678719"/>
+            <a:ext cx="10905066" cy="0"/>
           </a:xfrm>
-          <a:prstGeom prst="rect">
+          <a:prstGeom prst="line">
             <a:avLst/>
           </a:prstGeom>
+          <a:ln w="38100"/>
         </p:spPr>
-      </p:pic>
+        <p:style>
+          <a:lnRef idx="1">
+            <a:schemeClr val="accent1"/>
+          </a:lnRef>
+          <a:fillRef idx="0">
+            <a:schemeClr val="accent1"/>
+          </a:fillRef>
+          <a:effectRef idx="0">
+            <a:schemeClr val="accent1"/>
+          </a:effectRef>
+          <a:fontRef idx="minor">
+            <a:schemeClr val="tx1"/>
+          </a:fontRef>
+        </p:style>
+      </p:cxnSp>
+      <p:cxnSp>
+        <p:nvCxnSpPr>
+          <p:cNvPr id="8" name="Straight Connector 7">
+            <a:extLst>
+              <a:ext uri="{FF2B5EF4-FFF2-40B4-BE49-F238E27FC236}">
+                <a16:creationId xmlns:a16="http://schemas.microsoft.com/office/drawing/2014/main" id="{0BF79732-4088-424C-A653-4534E4389443}"/>
+              </a:ext>
+            </a:extLst>
+          </p:cNvPr>
+          <p:cNvCxnSpPr>
+            <a:cxnSpLocks/>
+          </p:cNvCxnSpPr>
+          <p:nvPr/>
+        </p:nvCxnSpPr>
+        <p:spPr>
+          <a:xfrm>
+            <a:off x="643467" y="6309695"/>
+            <a:ext cx="10905066" cy="0"/>
+          </a:xfrm>
+          <a:prstGeom prst="line">
+            <a:avLst/>
+          </a:prstGeom>
+          <a:ln w="6350">
+            <a:solidFill>
+              <a:schemeClr val="tx1"/>
+            </a:solidFill>
+          </a:ln>
+        </p:spPr>
+        <p:style>
+          <a:lnRef idx="1">
+            <a:schemeClr val="accent1"/>
+          </a:lnRef>
+          <a:fillRef idx="0">
+            <a:schemeClr val="accent1"/>
+          </a:fillRef>
+          <a:effectRef idx="0">
+            <a:schemeClr val="accent1"/>
+          </a:effectRef>
+          <a:fontRef idx="minor">
+            <a:schemeClr val="tx1"/>
+          </a:fontRef>
+        </p:style>
+      </p:cxnSp>
     </p:spTree>
     <p:extLst>
       <p:ext uri="{BB962C8B-B14F-4D97-AF65-F5344CB8AC3E}">
-        <p14:creationId xmlns:p14="http://schemas.microsoft.com/office/powerpoint/2010/main" val="467690258"/>
+        <p14:creationId xmlns:p14="http://schemas.microsoft.com/office/powerpoint/2010/main" val="2193313842"/>
       </p:ext>
     </p:extLst>
   </p:cSld>
   <p:clrMap bg1="lt1" tx1="dk1" bg2="lt2" tx2="dk2" accent1="accent1" accent2="accent2" accent3="accent3" accent4="accent4" accent5="accent5" accent6="accent6" hlink="hlink" folHlink="folHlink"/>
   <p:sldLayoutIdLst>
-    <p:sldLayoutId id="2147483671" r:id="rId1"/>
-    <p:sldLayoutId id="2147483672" r:id="rId2"/>
-    <p:sldLayoutId id="2147483662" r:id="rId3"/>
-    <p:sldLayoutId id="2147483663" r:id="rId4"/>
-    <p:sldLayoutId id="2147483664" r:id="rId5"/>
-    <p:sldLayoutId id="2147483665" r:id="rId6"/>
-    <p:sldLayoutId id="2147483666" r:id="rId7"/>
-    <p:sldLayoutId id="2147483670" r:id="rId8"/>
-    <p:sldLayoutId id="2147483667" r:id="rId9"/>
-    <p:sldLayoutId id="2147483668" r:id="rId10"/>
-    <p:sldLayoutId id="2147483669" r:id="rId11"/>
+    <p:sldLayoutId id="2147483705" r:id="rId1"/>
+    <p:sldLayoutId id="2147483706" r:id="rId2"/>
+    <p:sldLayoutId id="2147483707" r:id="rId3"/>
+    <p:sldLayoutId id="2147483708" r:id="rId4"/>
+    <p:sldLayoutId id="2147483709" r:id="rId5"/>
+    <p:sldLayoutId id="2147483703" r:id="rId6"/>
+    <p:sldLayoutId id="2147483699" r:id="rId7"/>
+    <p:sldLayoutId id="2147483700" r:id="rId8"/>
+    <p:sldLayoutId id="2147483701" r:id="rId9"/>
+    <p:sldLayoutId id="2147483702" r:id="rId10"/>
+    <p:sldLayoutId id="2147483704" r:id="rId11"/>
   </p:sldLayoutIdLst>
-  <p:hf sldNum="0" hdr="0" ftr="0" dt="0"/>
   <p:txStyles>
     <p:titleStyle>
       <a:lvl1pPr algn="l" defTabSz="914400" rtl="0" eaLnBrk="1" latinLnBrk="0" hangingPunct="1">
         <a:lnSpc>
-          <a:spcPct val="100000"/>
+          <a:spcPct val="85000"/>
         </a:lnSpc>
         <a:spcBef>
           <a:spcPct val="0"/>
         </a:spcBef>
         <a:buNone/>
-        <a:defRPr sz="4400" b="0" kern="1200">
+        <a:defRPr sz="3600" kern="1200">
           <a:solidFill>
-            <a:schemeClr val="tx1"/>
+            <a:schemeClr val="accent1"/>
           </a:solidFill>
           <a:latin typeface="+mj-lt"/>
           <a:ea typeface="+mj-ea"/>
@@ -3235,56 +6297,11 @@
     <p:bodyStyle>
       <a:lvl1pPr marL="228600" indent="-228600" algn="l" defTabSz="914400" rtl="0" eaLnBrk="1" latinLnBrk="0" hangingPunct="1">
         <a:lnSpc>
-          <a:spcPct val="110000"/>
+          <a:spcPct val="120000"/>
         </a:lnSpc>
         <a:spcBef>
           <a:spcPts val="1000"/>
         </a:spcBef>
-        <a:buClr>
-          <a:schemeClr val="accent1"/>
-        </a:buClr>
-        <a:buFont typeface="Arial" panose="020B0604020202020204" pitchFamily="34" charset="0"/>
-        <a:buChar char="•"/>
-        <a:defRPr sz="2800" kern="1200">
-          <a:solidFill>
-            <a:schemeClr val="tx1"/>
-          </a:solidFill>
-          <a:latin typeface="+mn-lt"/>
-          <a:ea typeface="+mn-ea"/>
-          <a:cs typeface="+mn-cs"/>
-        </a:defRPr>
-      </a:lvl1pPr>
-      <a:lvl2pPr marL="685800" indent="-228600" algn="l" defTabSz="914400" rtl="0" eaLnBrk="1" latinLnBrk="0" hangingPunct="1">
-        <a:lnSpc>
-          <a:spcPct val="110000"/>
-        </a:lnSpc>
-        <a:spcBef>
-          <a:spcPts val="500"/>
-        </a:spcBef>
-        <a:buClr>
-          <a:schemeClr val="accent1"/>
-        </a:buClr>
-        <a:buFont typeface="Arial" panose="020B0604020202020204" pitchFamily="34" charset="0"/>
-        <a:buChar char="•"/>
-        <a:defRPr sz="2400" kern="1200">
-          <a:solidFill>
-            <a:schemeClr val="tx1"/>
-          </a:solidFill>
-          <a:latin typeface="+mn-lt"/>
-          <a:ea typeface="+mn-ea"/>
-          <a:cs typeface="+mn-cs"/>
-        </a:defRPr>
-      </a:lvl2pPr>
-      <a:lvl3pPr marL="1143000" indent="-228600" algn="l" defTabSz="914400" rtl="0" eaLnBrk="1" latinLnBrk="0" hangingPunct="1">
-        <a:lnSpc>
-          <a:spcPct val="110000"/>
-        </a:lnSpc>
-        <a:spcBef>
-          <a:spcPts val="500"/>
-        </a:spcBef>
-        <a:buClr>
-          <a:schemeClr val="accent1"/>
-        </a:buClr>
         <a:buFont typeface="Arial" panose="020B0604020202020204" pitchFamily="34" charset="0"/>
         <a:buChar char="•"/>
         <a:defRPr sz="2000" kern="1200">
@@ -3295,17 +6312,14 @@
           <a:ea typeface="+mn-ea"/>
           <a:cs typeface="+mn-cs"/>
         </a:defRPr>
-      </a:lvl3pPr>
-      <a:lvl4pPr marL="1600200" indent="-228600" algn="l" defTabSz="914400" rtl="0" eaLnBrk="1" latinLnBrk="0" hangingPunct="1">
+      </a:lvl1pPr>
+      <a:lvl2pPr marL="502920" indent="-228600" algn="l" defTabSz="914400" rtl="0" eaLnBrk="1" latinLnBrk="0" hangingPunct="1">
         <a:lnSpc>
-          <a:spcPct val="110000"/>
+          <a:spcPct val="120000"/>
         </a:lnSpc>
         <a:spcBef>
           <a:spcPts val="500"/>
         </a:spcBef>
-        <a:buClr>
-          <a:schemeClr val="accent1"/>
-        </a:buClr>
         <a:buFont typeface="Arial" panose="020B0604020202020204" pitchFamily="34" charset="0"/>
         <a:buChar char="•"/>
         <a:defRPr sz="1800" kern="1200">
@@ -3316,20 +6330,53 @@
           <a:ea typeface="+mn-ea"/>
           <a:cs typeface="+mn-cs"/>
         </a:defRPr>
-      </a:lvl4pPr>
-      <a:lvl5pPr marL="2057400" indent="-228600" algn="l" defTabSz="914400" rtl="0" eaLnBrk="1" latinLnBrk="0" hangingPunct="1">
+      </a:lvl2pPr>
+      <a:lvl3pPr marL="731520" indent="-228600" algn="l" defTabSz="914400" rtl="0" eaLnBrk="1" latinLnBrk="0" hangingPunct="1">
         <a:lnSpc>
-          <a:spcPct val="110000"/>
+          <a:spcPct val="120000"/>
         </a:lnSpc>
         <a:spcBef>
           <a:spcPts val="500"/>
         </a:spcBef>
-        <a:buClr>
-          <a:schemeClr val="accent1"/>
-        </a:buClr>
         <a:buFont typeface="Arial" panose="020B0604020202020204" pitchFamily="34" charset="0"/>
         <a:buChar char="•"/>
-        <a:defRPr sz="1800" kern="1200">
+        <a:defRPr sz="1600" kern="1200">
+          <a:solidFill>
+            <a:schemeClr val="tx1"/>
+          </a:solidFill>
+          <a:latin typeface="+mn-lt"/>
+          <a:ea typeface="+mn-ea"/>
+          <a:cs typeface="+mn-cs"/>
+        </a:defRPr>
+      </a:lvl3pPr>
+      <a:lvl4pPr marL="1005840" indent="-228600" algn="l" defTabSz="914400" rtl="0" eaLnBrk="1" latinLnBrk="0" hangingPunct="1">
+        <a:lnSpc>
+          <a:spcPct val="120000"/>
+        </a:lnSpc>
+        <a:spcBef>
+          <a:spcPts val="500"/>
+        </a:spcBef>
+        <a:buFont typeface="Arial" panose="020B0604020202020204" pitchFamily="34" charset="0"/>
+        <a:buChar char="•"/>
+        <a:defRPr sz="1400" kern="1200">
+          <a:solidFill>
+            <a:schemeClr val="tx1"/>
+          </a:solidFill>
+          <a:latin typeface="+mn-lt"/>
+          <a:ea typeface="+mn-ea"/>
+          <a:cs typeface="+mn-cs"/>
+        </a:defRPr>
+      </a:lvl4pPr>
+      <a:lvl5pPr marL="1234440" indent="-228600" algn="l" defTabSz="914400" rtl="0" eaLnBrk="1" latinLnBrk="0" hangingPunct="1">
+        <a:lnSpc>
+          <a:spcPct val="120000"/>
+        </a:lnSpc>
+        <a:spcBef>
+          <a:spcPts val="500"/>
+        </a:spcBef>
+        <a:buFont typeface="Arial" panose="020B0604020202020204" pitchFamily="34" charset="0"/>
+        <a:buChar char="•"/>
+        <a:defRPr sz="1400" kern="1200">
           <a:solidFill>
             <a:schemeClr val="tx1"/>
           </a:solidFill>
@@ -3537,10 +6584,10 @@
       </p:grpSpPr>
       <p:sp useBgFill="1">
         <p:nvSpPr>
-          <p:cNvPr id="9" name="Rectangle 8">
-            <a:extLst>
-              <a:ext uri="{FF2B5EF4-FFF2-40B4-BE49-F238E27FC236}">
-                <a16:creationId xmlns:a16="http://schemas.microsoft.com/office/drawing/2014/main" id="{37FDDF72-DE39-4F99-A3C1-DD9D7815D7DB}"/>
+          <p:cNvPr id="16" name="Rectangle 15">
+            <a:extLst>
+              <a:ext uri="{FF2B5EF4-FFF2-40B4-BE49-F238E27FC236}">
+                <a16:creationId xmlns:a16="http://schemas.microsoft.com/office/drawing/2014/main" id="{A54A1FC3-D51F-49C5-A520-3CB3BF1C0F6C}"/>
               </a:ext>
               <a:ext uri="{C183D7F6-B498-43B3-948B-1728B52AA6E4}">
                 <adec:decorative xmlns:adec="http://schemas.microsoft.com/office/drawing/2017/decorative" val="1"/>
@@ -3560,12 +6607,2129 @@
         </p:nvSpPr>
         <p:spPr>
           <a:xfrm>
-            <a:off x="3048" y="0"/>
-            <a:ext cx="12188952" cy="6858000"/>
+            <a:off x="0" y="0"/>
+            <a:ext cx="12192000" cy="6858000"/>
           </a:xfrm>
           <a:prstGeom prst="rect">
             <a:avLst/>
           </a:prstGeom>
+          <a:ln w="12700" cap="flat" cmpd="sng" algn="ctr">
+            <a:noFill/>
+            <a:prstDash val="solid"/>
+            <a:miter lim="800000"/>
+          </a:ln>
+          <a:effectLst/>
+          <a:extLst>
+            <a:ext uri="{91240B29-F687-4F45-9708-019B960494DF}">
+              <a14:hiddenLine xmlns:a14="http://schemas.microsoft.com/office/drawing/2010/main" w="12700" cap="flat" cmpd="sng" algn="ctr">
+                <a:solidFill>
+                  <a:schemeClr val="accent1">
+                    <a:shade val="50000"/>
+                  </a:schemeClr>
+                </a:solidFill>
+                <a:prstDash val="solid"/>
+                <a:miter lim="800000"/>
+              </a14:hiddenLine>
+            </a:ext>
+          </a:extLst>
+        </p:spPr>
+        <p:style>
+          <a:lnRef idx="2">
+            <a:schemeClr val="accent1">
+              <a:shade val="50000"/>
+            </a:schemeClr>
+          </a:lnRef>
+          <a:fillRef idx="1">
+            <a:schemeClr val="accent1"/>
+          </a:fillRef>
+          <a:effectRef idx="0">
+            <a:schemeClr val="accent1"/>
+          </a:effectRef>
+          <a:fontRef idx="minor">
+            <a:schemeClr val="lt1"/>
+          </a:fontRef>
+        </p:style>
+        <p:txBody>
+          <a:bodyPr rtlCol="0" anchor="ctr"/>
+          <a:lstStyle/>
+          <a:p>
+            <a:pPr algn="ctr"/>
+            <a:endParaRPr lang="en-US"/>
+          </a:p>
+        </p:txBody>
+      </p:sp>
+      <p:sp>
+        <p:nvSpPr>
+          <p:cNvPr id="18" name="Rectangle 17">
+            <a:extLst>
+              <a:ext uri="{FF2B5EF4-FFF2-40B4-BE49-F238E27FC236}">
+                <a16:creationId xmlns:a16="http://schemas.microsoft.com/office/drawing/2014/main" id="{9FD6A395-8B77-4B2D-AA7E-1B4CE370CB43}"/>
+              </a:ext>
+              <a:ext uri="{C183D7F6-B498-43B3-948B-1728B52AA6E4}">
+                <adec:decorative xmlns:adec="http://schemas.microsoft.com/office/drawing/2017/decorative" val="1"/>
+              </a:ext>
+            </a:extLst>
+          </p:cNvPr>
+          <p:cNvSpPr>
+            <a:spLocks noGrp="1" noRot="1" noChangeAspect="1" noMove="1" noResize="1" noEditPoints="1" noAdjustHandles="1" noChangeArrowheads="1" noChangeShapeType="1" noTextEdit="1"/>
+          </p:cNvSpPr>
+          <p:nvPr>
+            <p:extLst>
+              <p:ext uri="{386F3935-93C4-4BCD-93E2-E3B085C9AB24}">
+                <p16:designElem xmlns:p16="http://schemas.microsoft.com/office/powerpoint/2015/main" val="1"/>
+              </p:ext>
+            </p:extLst>
+          </p:nvPr>
+        </p:nvSpPr>
+        <p:spPr>
+          <a:xfrm>
+            <a:off x="0" y="0"/>
+            <a:ext cx="12192000" cy="6858000"/>
+          </a:xfrm>
+          <a:prstGeom prst="rect">
+            <a:avLst/>
+          </a:prstGeom>
+          <a:solidFill>
+            <a:srgbClr val="000000"/>
+          </a:solidFill>
+          <a:ln w="12700" cap="flat" cmpd="sng" algn="ctr">
+            <a:noFill/>
+            <a:prstDash val="solid"/>
+            <a:miter lim="800000"/>
+          </a:ln>
+          <a:effectLst/>
+        </p:spPr>
+        <p:style>
+          <a:lnRef idx="2">
+            <a:schemeClr val="accent1">
+              <a:shade val="50000"/>
+            </a:schemeClr>
+          </a:lnRef>
+          <a:fillRef idx="1">
+            <a:schemeClr val="accent1"/>
+          </a:fillRef>
+          <a:effectRef idx="0">
+            <a:schemeClr val="accent1"/>
+          </a:effectRef>
+          <a:fontRef idx="minor">
+            <a:schemeClr val="lt1"/>
+          </a:fontRef>
+        </p:style>
+        <p:txBody>
+          <a:bodyPr rtlCol="0" anchor="ctr"/>
+          <a:lstStyle/>
+          <a:p>
+            <a:pPr algn="ctr"/>
+            <a:endParaRPr lang="en-US"/>
+          </a:p>
+        </p:txBody>
+      </p:sp>
+      <p:pic>
+        <p:nvPicPr>
+          <p:cNvPr id="6" name="Picture 5" descr="A person standing next to a car&#10;&#10;Description automatically generated">
+            <a:extLst>
+              <a:ext uri="{FF2B5EF4-FFF2-40B4-BE49-F238E27FC236}">
+                <a16:creationId xmlns:a16="http://schemas.microsoft.com/office/drawing/2014/main" id="{8DE9B1CD-234B-B51D-C2DC-3CC177938D16}"/>
+              </a:ext>
+            </a:extLst>
+          </p:cNvPr>
+          <p:cNvPicPr>
+            <a:picLocks noChangeAspect="1"/>
+          </p:cNvPicPr>
+          <p:nvPr/>
+        </p:nvPicPr>
+        <p:blipFill rotWithShape="1">
+          <a:blip r:embed="rId2">
+            <a:alphaModFix amt="50000"/>
+          </a:blip>
+          <a:srcRect t="15730"/>
+          <a:stretch/>
+        </p:blipFill>
+        <p:spPr>
+          <a:xfrm>
+            <a:off x="20" y="1"/>
+            <a:ext cx="12191980" cy="6858000"/>
+          </a:xfrm>
+          <a:prstGeom prst="rect">
+            <a:avLst/>
+          </a:prstGeom>
+        </p:spPr>
+      </p:pic>
+      <p:sp>
+        <p:nvSpPr>
+          <p:cNvPr id="2" name="Title 1">
+            <a:extLst>
+              <a:ext uri="{FF2B5EF4-FFF2-40B4-BE49-F238E27FC236}">
+                <a16:creationId xmlns:a16="http://schemas.microsoft.com/office/drawing/2014/main" id="{67008138-17EE-BAA8-BA4D-B676389AA874}"/>
+              </a:ext>
+            </a:extLst>
+          </p:cNvPr>
+          <p:cNvSpPr>
+            <a:spLocks noGrp="1"/>
+          </p:cNvSpPr>
+          <p:nvPr>
+            <p:ph type="ctrTitle"/>
+          </p:nvPr>
+        </p:nvSpPr>
+        <p:spPr>
+          <a:xfrm>
+            <a:off x="548640" y="952500"/>
+            <a:ext cx="5266944" cy="1388364"/>
+          </a:xfrm>
+        </p:spPr>
+        <p:txBody>
+          <a:bodyPr>
+            <a:normAutofit/>
+          </a:bodyPr>
+          <a:lstStyle/>
+          <a:p>
+            <a:r>
+              <a:rPr lang="bg-BG" b="1" dirty="0">
+                <a:solidFill>
+                  <a:srgbClr val="FFFFFF"/>
+                </a:solidFill>
+                <a:latin typeface="Times New Roman" panose="02020603050405020304" pitchFamily="18" charset="0"/>
+                <a:cs typeface="Times New Roman" panose="02020603050405020304" pitchFamily="18" charset="0"/>
+              </a:rPr>
+              <a:t>Виктор Методиев</a:t>
+            </a:r>
+            <a:endParaRPr lang="en-AE" b="1" dirty="0">
+              <a:solidFill>
+                <a:srgbClr val="FFFFFF"/>
+              </a:solidFill>
+              <a:latin typeface="Times New Roman" panose="02020603050405020304" pitchFamily="18" charset="0"/>
+              <a:cs typeface="Times New Roman" panose="02020603050405020304" pitchFamily="18" charset="0"/>
+            </a:endParaRPr>
+          </a:p>
+        </p:txBody>
+      </p:sp>
+      <p:cxnSp>
+        <p:nvCxnSpPr>
+          <p:cNvPr id="20" name="Straight Connector 19">
+            <a:extLst>
+              <a:ext uri="{FF2B5EF4-FFF2-40B4-BE49-F238E27FC236}">
+                <a16:creationId xmlns:a16="http://schemas.microsoft.com/office/drawing/2014/main" id="{1C5372E1-5D0A-4FE4-B20F-D0CF85FD068B}"/>
+              </a:ext>
+              <a:ext uri="{C183D7F6-B498-43B3-948B-1728B52AA6E4}">
+                <adec:decorative xmlns:adec="http://schemas.microsoft.com/office/drawing/2017/decorative" val="1"/>
+              </a:ext>
+            </a:extLst>
+          </p:cNvPr>
+          <p:cNvCxnSpPr>
+            <a:cxnSpLocks noGrp="1" noRot="1" noChangeAspect="1" noMove="1" noResize="1" noEditPoints="1" noAdjustHandles="1" noChangeArrowheads="1" noChangeShapeType="1"/>
+          </p:cNvCxnSpPr>
+          <p:nvPr>
+            <p:extLst>
+              <p:ext uri="{386F3935-93C4-4BCD-93E2-E3B085C9AB24}">
+                <p16:designElem xmlns:p16="http://schemas.microsoft.com/office/powerpoint/2015/main" val="1"/>
+              </p:ext>
+            </p:extLst>
+          </p:nvPr>
+        </p:nvCxnSpPr>
+        <p:spPr>
+          <a:xfrm>
+            <a:off x="643467" y="678719"/>
+            <a:ext cx="10905066" cy="0"/>
+          </a:xfrm>
+          <a:prstGeom prst="line">
+            <a:avLst/>
+          </a:prstGeom>
+          <a:ln w="38100">
+            <a:solidFill>
+              <a:srgbClr val="FFFFFF"/>
+            </a:solidFill>
+          </a:ln>
+        </p:spPr>
+        <p:style>
+          <a:lnRef idx="1">
+            <a:schemeClr val="accent1"/>
+          </a:lnRef>
+          <a:fillRef idx="0">
+            <a:schemeClr val="accent1"/>
+          </a:fillRef>
+          <a:effectRef idx="0">
+            <a:schemeClr val="accent1"/>
+          </a:effectRef>
+          <a:fontRef idx="minor">
+            <a:schemeClr val="tx1"/>
+          </a:fontRef>
+        </p:style>
+      </p:cxnSp>
+      <p:cxnSp>
+        <p:nvCxnSpPr>
+          <p:cNvPr id="22" name="Straight Connector 21">
+            <a:extLst>
+              <a:ext uri="{FF2B5EF4-FFF2-40B4-BE49-F238E27FC236}">
+                <a16:creationId xmlns:a16="http://schemas.microsoft.com/office/drawing/2014/main" id="{513081F5-C318-4421-A7E9-D7F6810B656E}"/>
+              </a:ext>
+              <a:ext uri="{C183D7F6-B498-43B3-948B-1728B52AA6E4}">
+                <adec:decorative xmlns:adec="http://schemas.microsoft.com/office/drawing/2017/decorative" val="1"/>
+              </a:ext>
+            </a:extLst>
+          </p:cNvPr>
+          <p:cNvCxnSpPr>
+            <a:cxnSpLocks noGrp="1" noRot="1" noChangeAspect="1" noMove="1" noResize="1" noEditPoints="1" noAdjustHandles="1" noChangeArrowheads="1" noChangeShapeType="1"/>
+          </p:cNvCxnSpPr>
+          <p:nvPr>
+            <p:extLst>
+              <p:ext uri="{386F3935-93C4-4BCD-93E2-E3B085C9AB24}">
+                <p16:designElem xmlns:p16="http://schemas.microsoft.com/office/powerpoint/2015/main" val="1"/>
+              </p:ext>
+            </p:extLst>
+          </p:nvPr>
+        </p:nvCxnSpPr>
+        <p:spPr>
+          <a:xfrm>
+            <a:off x="643467" y="6309695"/>
+            <a:ext cx="10905066" cy="0"/>
+          </a:xfrm>
+          <a:prstGeom prst="line">
+            <a:avLst/>
+          </a:prstGeom>
+          <a:ln w="6350">
+            <a:solidFill>
+              <a:srgbClr val="FFFFFF"/>
+            </a:solidFill>
+          </a:ln>
+        </p:spPr>
+        <p:style>
+          <a:lnRef idx="1">
+            <a:schemeClr val="accent1"/>
+          </a:lnRef>
+          <a:fillRef idx="0">
+            <a:schemeClr val="accent1"/>
+          </a:fillRef>
+          <a:effectRef idx="0">
+            <a:schemeClr val="accent1"/>
+          </a:effectRef>
+          <a:fontRef idx="minor">
+            <a:schemeClr val="tx1"/>
+          </a:fontRef>
+        </p:style>
+      </p:cxnSp>
+    </p:spTree>
+    <p:extLst>
+      <p:ext uri="{BB962C8B-B14F-4D97-AF65-F5344CB8AC3E}">
+        <p14:creationId xmlns:p14="http://schemas.microsoft.com/office/powerpoint/2010/main" val="1978013669"/>
+      </p:ext>
+    </p:extLst>
+  </p:cSld>
+  <p:clrMapOvr>
+    <a:masterClrMapping/>
+  </p:clrMapOvr>
+  <p:timing>
+    <p:tnLst>
+      <p:par>
+        <p:cTn id="1" dur="indefinite" restart="never" nodeType="tmRoot">
+          <p:childTnLst>
+            <p:seq concurrent="1" nextAc="seek">
+              <p:cTn id="2" dur="indefinite" nodeType="mainSeq">
+                <p:childTnLst>
+                  <p:par>
+                    <p:cTn id="3" fill="hold">
+                      <p:stCondLst>
+                        <p:cond delay="indefinite"/>
+                        <p:cond evt="onBegin" delay="0">
+                          <p:tn val="2"/>
+                        </p:cond>
+                      </p:stCondLst>
+                      <p:childTnLst>
+                        <p:par>
+                          <p:cTn id="4" fill="hold">
+                            <p:stCondLst>
+                              <p:cond delay="0"/>
+                            </p:stCondLst>
+                            <p:childTnLst>
+                              <p:par>
+                                <p:cTn id="5" presetID="10" presetClass="entr" presetSubtype="0" fill="hold" grpId="0" nodeType="withEffect">
+                                  <p:stCondLst>
+                                    <p:cond delay="1000"/>
+                                  </p:stCondLst>
+                                  <p:iterate>
+                                    <p:tmPct val="10000"/>
+                                  </p:iterate>
+                                  <p:childTnLst>
+                                    <p:set>
+                                      <p:cBhvr>
+                                        <p:cTn id="6" dur="1" fill="hold">
+                                          <p:stCondLst>
+                                            <p:cond delay="0"/>
+                                          </p:stCondLst>
+                                        </p:cTn>
+                                        <p:tgtEl>
+                                          <p:spTgt spid="2"/>
+                                        </p:tgtEl>
+                                        <p:attrNameLst>
+                                          <p:attrName>style.visibility</p:attrName>
+                                        </p:attrNameLst>
+                                      </p:cBhvr>
+                                      <p:to>
+                                        <p:strVal val="visible"/>
+                                      </p:to>
+                                    </p:set>
+                                    <p:animEffect transition="in" filter="fade">
+                                      <p:cBhvr>
+                                        <p:cTn id="7" dur="700"/>
+                                        <p:tgtEl>
+                                          <p:spTgt spid="2"/>
+                                        </p:tgtEl>
+                                      </p:cBhvr>
+                                    </p:animEffect>
+                                  </p:childTnLst>
+                                </p:cTn>
+                              </p:par>
+                            </p:childTnLst>
+                          </p:cTn>
+                        </p:par>
+                      </p:childTnLst>
+                    </p:cTn>
+                  </p:par>
+                </p:childTnLst>
+              </p:cTn>
+              <p:prevCondLst>
+                <p:cond evt="onPrev" delay="0">
+                  <p:tgtEl>
+                    <p:sldTgt/>
+                  </p:tgtEl>
+                </p:cond>
+              </p:prevCondLst>
+              <p:nextCondLst>
+                <p:cond evt="onNext" delay="0">
+                  <p:tgtEl>
+                    <p:sldTgt/>
+                  </p:tgtEl>
+                </p:cond>
+              </p:nextCondLst>
+            </p:seq>
+          </p:childTnLst>
+        </p:cTn>
+      </p:par>
+    </p:tnLst>
+    <p:bldLst>
+      <p:bldP spid="2" grpId="0"/>
+    </p:bldLst>
+  </p:timing>
+</p:sld>
+</file>
+
+<file path=ppt/slides/slide2.xml><?xml version="1.0" encoding="utf-8"?>
+<p:sld xmlns:a="http://schemas.openxmlformats.org/drawingml/2006/main" xmlns:r="http://schemas.openxmlformats.org/officeDocument/2006/relationships" xmlns:p="http://schemas.openxmlformats.org/presentationml/2006/main">
+  <p:cSld>
+    <p:spTree>
+      <p:nvGrpSpPr>
+        <p:cNvPr id="1" name=""/>
+        <p:cNvGrpSpPr/>
+        <p:nvPr/>
+      </p:nvGrpSpPr>
+      <p:grpSpPr>
+        <a:xfrm>
+          <a:off x="0" y="0"/>
+          <a:ext cx="0" cy="0"/>
+          <a:chOff x="0" y="0"/>
+          <a:chExt cx="0" cy="0"/>
+        </a:xfrm>
+      </p:grpSpPr>
+      <p:sp>
+        <p:nvSpPr>
+          <p:cNvPr id="2" name="Title 1">
+            <a:extLst>
+              <a:ext uri="{FF2B5EF4-FFF2-40B4-BE49-F238E27FC236}">
+                <a16:creationId xmlns:a16="http://schemas.microsoft.com/office/drawing/2014/main" id="{66B9A3BF-EAA8-F7C3-2314-DB0838AEC6A5}"/>
+              </a:ext>
+            </a:extLst>
+          </p:cNvPr>
+          <p:cNvSpPr>
+            <a:spLocks noGrp="1"/>
+          </p:cNvSpPr>
+          <p:nvPr>
+            <p:ph type="title"/>
+          </p:nvPr>
+        </p:nvSpPr>
+        <p:spPr/>
+        <p:txBody>
+          <a:bodyPr>
+            <a:normAutofit/>
+          </a:bodyPr>
+          <a:lstStyle/>
+          <a:p>
+            <a:pPr algn="ctr"/>
+            <a:r>
+              <a:rPr lang="bg-BG" sz="4400" b="1" dirty="0">
+                <a:latin typeface="Times New Roman" panose="02020603050405020304" pitchFamily="18" charset="0"/>
+                <a:cs typeface="Times New Roman" panose="02020603050405020304" pitchFamily="18" charset="0"/>
+              </a:rPr>
+              <a:t>Накратко за мен</a:t>
+            </a:r>
+            <a:endParaRPr lang="en-AE" sz="4400" b="1" dirty="0">
+              <a:latin typeface="Times New Roman" panose="02020603050405020304" pitchFamily="18" charset="0"/>
+              <a:cs typeface="Times New Roman" panose="02020603050405020304" pitchFamily="18" charset="0"/>
+            </a:endParaRPr>
+          </a:p>
+        </p:txBody>
+      </p:sp>
+      <p:graphicFrame>
+        <p:nvGraphicFramePr>
+          <p:cNvPr id="5" name="Content Placeholder 2">
+            <a:extLst>
+              <a:ext uri="{FF2B5EF4-FFF2-40B4-BE49-F238E27FC236}">
+                <a16:creationId xmlns:a16="http://schemas.microsoft.com/office/drawing/2014/main" id="{A0B91F5C-3D66-1F7E-6E8C-9FAE8BF0B5EF}"/>
+              </a:ext>
+            </a:extLst>
+          </p:cNvPr>
+          <p:cNvGraphicFramePr>
+            <a:graphicFrameLocks noGrp="1"/>
+          </p:cNvGraphicFramePr>
+          <p:nvPr>
+            <p:ph idx="1"/>
+          </p:nvPr>
+        </p:nvGraphicFramePr>
+        <p:xfrm>
+          <a:off x="548641" y="2028826"/>
+          <a:ext cx="10995660" cy="4029074"/>
+        </p:xfrm>
+        <a:graphic>
+          <a:graphicData uri="http://schemas.openxmlformats.org/drawingml/2006/diagram">
+            <dgm:relIds xmlns:dgm="http://schemas.openxmlformats.org/drawingml/2006/diagram" xmlns:r="http://schemas.openxmlformats.org/officeDocument/2006/relationships" r:dm="rId2" r:lo="rId3" r:qs="rId4" r:cs="rId5"/>
+          </a:graphicData>
+        </a:graphic>
+      </p:graphicFrame>
+    </p:spTree>
+    <p:extLst>
+      <p:ext uri="{BB962C8B-B14F-4D97-AF65-F5344CB8AC3E}">
+        <p14:creationId xmlns:p14="http://schemas.microsoft.com/office/powerpoint/2010/main" val="907409576"/>
+      </p:ext>
+    </p:extLst>
+  </p:cSld>
+  <p:clrMapOvr>
+    <a:masterClrMapping/>
+  </p:clrMapOvr>
+</p:sld>
+</file>
+
+<file path=ppt/slides/slide3.xml><?xml version="1.0" encoding="utf-8"?>
+<p:sld xmlns:a="http://schemas.openxmlformats.org/drawingml/2006/main" xmlns:r="http://schemas.openxmlformats.org/officeDocument/2006/relationships" xmlns:p="http://schemas.openxmlformats.org/presentationml/2006/main">
+  <p:cSld>
+    <p:spTree>
+      <p:nvGrpSpPr>
+        <p:cNvPr id="1" name=""/>
+        <p:cNvGrpSpPr/>
+        <p:nvPr/>
+      </p:nvGrpSpPr>
+      <p:grpSpPr>
+        <a:xfrm>
+          <a:off x="0" y="0"/>
+          <a:ext cx="0" cy="0"/>
+          <a:chOff x="0" y="0"/>
+          <a:chExt cx="0" cy="0"/>
+        </a:xfrm>
+      </p:grpSpPr>
+      <p:sp>
+        <p:nvSpPr>
+          <p:cNvPr id="2" name="Title 1">
+            <a:extLst>
+              <a:ext uri="{FF2B5EF4-FFF2-40B4-BE49-F238E27FC236}">
+                <a16:creationId xmlns:a16="http://schemas.microsoft.com/office/drawing/2014/main" id="{D970A105-BAD7-BC2D-12FE-7DC988B9B779}"/>
+              </a:ext>
+            </a:extLst>
+          </p:cNvPr>
+          <p:cNvSpPr>
+            <a:spLocks noGrp="1"/>
+          </p:cNvSpPr>
+          <p:nvPr>
+            <p:ph type="title"/>
+          </p:nvPr>
+        </p:nvSpPr>
+        <p:spPr>
+          <a:xfrm>
+            <a:off x="598170" y="2890075"/>
+            <a:ext cx="10995659" cy="1077849"/>
+          </a:xfrm>
+        </p:spPr>
+        <p:txBody>
+          <a:bodyPr/>
+          <a:lstStyle/>
+          <a:p>
+            <a:r>
+              <a:rPr lang="bg-BG" b="1" dirty="0"/>
+              <a:t>Защо Технически Университет софия и Защо Интелигентни системи и Изкуствен интелект?</a:t>
+            </a:r>
+            <a:endParaRPr lang="en-AE" b="1" dirty="0"/>
+          </a:p>
+        </p:txBody>
+      </p:sp>
+    </p:spTree>
+    <p:extLst>
+      <p:ext uri="{BB962C8B-B14F-4D97-AF65-F5344CB8AC3E}">
+        <p14:creationId xmlns:p14="http://schemas.microsoft.com/office/powerpoint/2010/main" val="3569388293"/>
+      </p:ext>
+    </p:extLst>
+  </p:cSld>
+  <p:clrMapOvr>
+    <a:masterClrMapping/>
+  </p:clrMapOvr>
+</p:sld>
+</file>
+
+<file path=ppt/slides/slide4.xml><?xml version="1.0" encoding="utf-8"?>
+<p:sld xmlns:a="http://schemas.openxmlformats.org/drawingml/2006/main" xmlns:r="http://schemas.openxmlformats.org/officeDocument/2006/relationships" xmlns:p="http://schemas.openxmlformats.org/presentationml/2006/main">
+  <p:cSld>
+    <p:spTree>
+      <p:nvGrpSpPr>
+        <p:cNvPr id="1" name=""/>
+        <p:cNvGrpSpPr/>
+        <p:nvPr/>
+      </p:nvGrpSpPr>
+      <p:grpSpPr>
+        <a:xfrm>
+          <a:off x="0" y="0"/>
+          <a:ext cx="0" cy="0"/>
+          <a:chOff x="0" y="0"/>
+          <a:chExt cx="0" cy="0"/>
+        </a:xfrm>
+      </p:grpSpPr>
+      <p:sp>
+        <p:nvSpPr>
+          <p:cNvPr id="2" name="Title 1">
+            <a:extLst>
+              <a:ext uri="{FF2B5EF4-FFF2-40B4-BE49-F238E27FC236}">
+                <a16:creationId xmlns:a16="http://schemas.microsoft.com/office/drawing/2014/main" id="{822BE7AF-0F8C-58B0-63D0-361EF90DB453}"/>
+              </a:ext>
+            </a:extLst>
+          </p:cNvPr>
+          <p:cNvSpPr>
+            <a:spLocks noGrp="1"/>
+          </p:cNvSpPr>
+          <p:nvPr>
+            <p:ph type="title"/>
+          </p:nvPr>
+        </p:nvSpPr>
+        <p:spPr/>
+        <p:txBody>
+          <a:bodyPr>
+            <a:normAutofit/>
+          </a:bodyPr>
+          <a:lstStyle/>
+          <a:p>
+            <a:pPr algn="ctr"/>
+            <a:r>
+              <a:rPr lang="bg-BG" sz="4400" b="1" dirty="0">
+                <a:latin typeface="Times New Roman" panose="02020603050405020304" pitchFamily="18" charset="0"/>
+                <a:cs typeface="Times New Roman" panose="02020603050405020304" pitchFamily="18" charset="0"/>
+              </a:rPr>
+              <a:t>Проект</a:t>
+            </a:r>
+            <a:r>
+              <a:rPr lang="en-US" sz="4400" b="1" dirty="0">
+                <a:latin typeface="Times New Roman" panose="02020603050405020304" pitchFamily="18" charset="0"/>
+                <a:cs typeface="Times New Roman" panose="02020603050405020304" pitchFamily="18" charset="0"/>
+              </a:rPr>
+              <a:t> - </a:t>
+            </a:r>
+            <a:r>
+              <a:rPr lang="bg-BG" sz="4400" b="1" dirty="0">
+                <a:latin typeface="Times New Roman" panose="02020603050405020304" pitchFamily="18" charset="0"/>
+                <a:cs typeface="Times New Roman" panose="02020603050405020304" pitchFamily="18" charset="0"/>
+              </a:rPr>
+              <a:t>Условие</a:t>
+            </a:r>
+            <a:endParaRPr lang="en-AE" sz="4400" b="1" dirty="0">
+              <a:latin typeface="Times New Roman" panose="02020603050405020304" pitchFamily="18" charset="0"/>
+              <a:cs typeface="Times New Roman" panose="02020603050405020304" pitchFamily="18" charset="0"/>
+            </a:endParaRPr>
+          </a:p>
+        </p:txBody>
+      </p:sp>
+      <p:sp>
+        <p:nvSpPr>
+          <p:cNvPr id="3" name="Content Placeholder 2">
+            <a:extLst>
+              <a:ext uri="{FF2B5EF4-FFF2-40B4-BE49-F238E27FC236}">
+                <a16:creationId xmlns:a16="http://schemas.microsoft.com/office/drawing/2014/main" id="{1B038F73-2FDC-715F-C22E-85DDCA4BEF7F}"/>
+              </a:ext>
+            </a:extLst>
+          </p:cNvPr>
+          <p:cNvSpPr>
+            <a:spLocks noGrp="1"/>
+          </p:cNvSpPr>
+          <p:nvPr>
+            <p:ph idx="1"/>
+          </p:nvPr>
+        </p:nvSpPr>
+        <p:spPr/>
+        <p:txBody>
+          <a:bodyPr/>
+          <a:lstStyle/>
+          <a:p>
+            <a:r>
+              <a:rPr lang="bg-BG" dirty="0">
+                <a:latin typeface="Times New Roman" panose="02020603050405020304" pitchFamily="18" charset="0"/>
+                <a:cs typeface="Times New Roman" panose="02020603050405020304" pitchFamily="18" charset="0"/>
+              </a:rPr>
+              <a:t>Да се състави програма за обработка на масив А</a:t>
+            </a:r>
+            <a:r>
+              <a:rPr lang="en-US" dirty="0">
+                <a:latin typeface="Times New Roman" panose="02020603050405020304" pitchFamily="18" charset="0"/>
+                <a:cs typeface="Times New Roman" panose="02020603050405020304" pitchFamily="18" charset="0"/>
+              </a:rPr>
+              <a:t>[6, 5]</a:t>
+            </a:r>
+            <a:r>
+              <a:rPr lang="bg-BG" dirty="0">
+                <a:latin typeface="Times New Roman" panose="02020603050405020304" pitchFamily="18" charset="0"/>
+                <a:cs typeface="Times New Roman" panose="02020603050405020304" pitchFamily="18" charset="0"/>
+              </a:rPr>
+              <a:t> съставен от реални числа със стойности в интервал </a:t>
+            </a:r>
+            <a:r>
+              <a:rPr lang="en-US" dirty="0">
+                <a:latin typeface="Times New Roman" panose="02020603050405020304" pitchFamily="18" charset="0"/>
+                <a:cs typeface="Times New Roman" panose="02020603050405020304" pitchFamily="18" charset="0"/>
+              </a:rPr>
+              <a:t>[0; 99.9]</a:t>
+            </a:r>
+            <a:r>
+              <a:rPr lang="bg-BG" dirty="0">
+                <a:latin typeface="Times New Roman" panose="02020603050405020304" pitchFamily="18" charset="0"/>
+                <a:cs typeface="Times New Roman" panose="02020603050405020304" pitchFamily="18" charset="0"/>
+              </a:rPr>
+              <a:t>. Програмата да извършва следните действия:</a:t>
+            </a:r>
+          </a:p>
+          <a:p>
+            <a:r>
+              <a:rPr lang="bg-BG" dirty="0">
+                <a:latin typeface="Times New Roman" panose="02020603050405020304" pitchFamily="18" charset="0"/>
+                <a:cs typeface="Times New Roman" panose="02020603050405020304" pitchFamily="18" charset="0"/>
+              </a:rPr>
+              <a:t>Отпечатване на условието </a:t>
+            </a:r>
+          </a:p>
+          <a:p>
+            <a:r>
+              <a:rPr lang="bg-BG" dirty="0">
+                <a:latin typeface="Times New Roman" panose="02020603050405020304" pitchFamily="18" charset="0"/>
+                <a:cs typeface="Times New Roman" panose="02020603050405020304" pitchFamily="18" charset="0"/>
+              </a:rPr>
+              <a:t>Отпечатване на имената на автора</a:t>
+            </a:r>
+          </a:p>
+          <a:p>
+            <a:r>
+              <a:rPr lang="bg-BG" dirty="0">
+                <a:latin typeface="Times New Roman" panose="02020603050405020304" pitchFamily="18" charset="0"/>
+                <a:cs typeface="Times New Roman" panose="02020603050405020304" pitchFamily="18" charset="0"/>
+              </a:rPr>
+              <a:t>Въвеждане на входните данни</a:t>
+            </a:r>
+          </a:p>
+          <a:p>
+            <a:r>
+              <a:rPr lang="bg-BG" dirty="0">
+                <a:latin typeface="Times New Roman" panose="02020603050405020304" pitchFamily="18" charset="0"/>
+                <a:cs typeface="Times New Roman" panose="02020603050405020304" pitchFamily="18" charset="0"/>
+              </a:rPr>
+              <a:t>Извеждане на входните данни</a:t>
+            </a:r>
+          </a:p>
+          <a:p>
+            <a:r>
+              <a:rPr lang="bg-BG" dirty="0">
+                <a:latin typeface="Times New Roman" panose="02020603050405020304" pitchFamily="18" charset="0"/>
+                <a:cs typeface="Times New Roman" panose="02020603050405020304" pitchFamily="18" charset="0"/>
+              </a:rPr>
+              <a:t>Да се образува нов масив </a:t>
+            </a:r>
+            <a:r>
+              <a:rPr lang="en-US" dirty="0">
+                <a:latin typeface="Times New Roman" panose="02020603050405020304" pitchFamily="18" charset="0"/>
+                <a:cs typeface="Times New Roman" panose="02020603050405020304" pitchFamily="18" charset="0"/>
+              </a:rPr>
+              <a:t>B, </a:t>
+            </a:r>
+            <a:r>
+              <a:rPr lang="bg-BG" dirty="0">
+                <a:latin typeface="Times New Roman" panose="02020603050405020304" pitchFamily="18" charset="0"/>
+                <a:cs typeface="Times New Roman" panose="02020603050405020304" pitchFamily="18" charset="0"/>
+              </a:rPr>
+              <a:t>елементите на който са сумите от А</a:t>
+            </a:r>
+            <a:r>
+              <a:rPr lang="en-US" dirty="0">
+                <a:latin typeface="Times New Roman" panose="02020603050405020304" pitchFamily="18" charset="0"/>
+                <a:cs typeface="Times New Roman" panose="02020603050405020304" pitchFamily="18" charset="0"/>
+              </a:rPr>
+              <a:t>[I, J] </a:t>
+            </a:r>
+            <a:r>
+              <a:rPr lang="bg-BG" dirty="0">
+                <a:latin typeface="Times New Roman" panose="02020603050405020304" pitchFamily="18" charset="0"/>
+                <a:cs typeface="Times New Roman" panose="02020603050405020304" pitchFamily="18" charset="0"/>
+              </a:rPr>
+              <a:t>по колони</a:t>
+            </a:r>
+          </a:p>
+          <a:p>
+            <a:r>
+              <a:rPr lang="bg-BG" dirty="0">
+                <a:latin typeface="Times New Roman" panose="02020603050405020304" pitchFamily="18" charset="0"/>
+                <a:cs typeface="Times New Roman" panose="02020603050405020304" pitchFamily="18" charset="0"/>
+              </a:rPr>
+              <a:t>Да се отпечатат получените резултати по време и след обработката</a:t>
+            </a:r>
+            <a:endParaRPr lang="en-AE" dirty="0">
+              <a:latin typeface="Times New Roman" panose="02020603050405020304" pitchFamily="18" charset="0"/>
+              <a:cs typeface="Times New Roman" panose="02020603050405020304" pitchFamily="18" charset="0"/>
+            </a:endParaRPr>
+          </a:p>
+        </p:txBody>
+      </p:sp>
+    </p:spTree>
+    <p:extLst>
+      <p:ext uri="{BB962C8B-B14F-4D97-AF65-F5344CB8AC3E}">
+        <p14:creationId xmlns:p14="http://schemas.microsoft.com/office/powerpoint/2010/main" val="457668621"/>
+      </p:ext>
+    </p:extLst>
+  </p:cSld>
+  <p:clrMapOvr>
+    <a:masterClrMapping/>
+  </p:clrMapOvr>
+</p:sld>
+</file>
+
+<file path=ppt/slides/slide5.xml><?xml version="1.0" encoding="utf-8"?>
+<p:sld xmlns:a="http://schemas.openxmlformats.org/drawingml/2006/main" xmlns:r="http://schemas.openxmlformats.org/officeDocument/2006/relationships" xmlns:p="http://schemas.openxmlformats.org/presentationml/2006/main">
+  <p:cSld>
+    <p:bg>
+      <p:bgPr>
+        <a:solidFill>
+          <a:schemeClr val="bg1"/>
+        </a:solidFill>
+        <a:effectLst/>
+      </p:bgPr>
+    </p:bg>
+    <p:spTree>
+      <p:nvGrpSpPr>
+        <p:cNvPr id="1" name=""/>
+        <p:cNvGrpSpPr/>
+        <p:nvPr/>
+      </p:nvGrpSpPr>
+      <p:grpSpPr>
+        <a:xfrm>
+          <a:off x="0" y="0"/>
+          <a:ext cx="0" cy="0"/>
+          <a:chOff x="0" y="0"/>
+          <a:chExt cx="0" cy="0"/>
+        </a:xfrm>
+      </p:grpSpPr>
+      <p:sp useBgFill="1">
+        <p:nvSpPr>
+          <p:cNvPr id="12" name="Rectangle 11">
+            <a:extLst>
+              <a:ext uri="{FF2B5EF4-FFF2-40B4-BE49-F238E27FC236}">
+                <a16:creationId xmlns:a16="http://schemas.microsoft.com/office/drawing/2014/main" id="{51461CB7-62ED-4795-A634-D387EE9C446C}"/>
+              </a:ext>
+              <a:ext uri="{C183D7F6-B498-43B3-948B-1728B52AA6E4}">
+                <adec:decorative xmlns:adec="http://schemas.microsoft.com/office/drawing/2017/decorative" val="1"/>
+              </a:ext>
+            </a:extLst>
+          </p:cNvPr>
+          <p:cNvSpPr>
+            <a:spLocks noGrp="1" noRot="1" noChangeAspect="1" noMove="1" noResize="1" noEditPoints="1" noAdjustHandles="1" noChangeArrowheads="1" noChangeShapeType="1" noTextEdit="1"/>
+          </p:cNvSpPr>
+          <p:nvPr>
+            <p:extLst>
+              <p:ext uri="{386F3935-93C4-4BCD-93E2-E3B085C9AB24}">
+                <p16:designElem xmlns:p16="http://schemas.microsoft.com/office/powerpoint/2015/main" val="1"/>
+              </p:ext>
+            </p:extLst>
+          </p:nvPr>
+        </p:nvSpPr>
+        <p:spPr>
+          <a:xfrm>
+            <a:off x="0" y="0"/>
+            <a:ext cx="12192000" cy="6858000"/>
+          </a:xfrm>
+          <a:prstGeom prst="rect">
+            <a:avLst/>
+          </a:prstGeom>
+          <a:ln w="12700" cap="flat" cmpd="sng" algn="ctr">
+            <a:noFill/>
+            <a:prstDash val="solid"/>
+            <a:miter lim="800000"/>
+          </a:ln>
+          <a:effectLst/>
+          <a:extLst>
+            <a:ext uri="{91240B29-F687-4F45-9708-019B960494DF}">
+              <a14:hiddenLine xmlns:a14="http://schemas.microsoft.com/office/drawing/2010/main" w="12700" cap="flat" cmpd="sng" algn="ctr">
+                <a:solidFill>
+                  <a:schemeClr val="accent1">
+                    <a:shade val="50000"/>
+                  </a:schemeClr>
+                </a:solidFill>
+                <a:prstDash val="solid"/>
+                <a:miter lim="800000"/>
+              </a14:hiddenLine>
+            </a:ext>
+          </a:extLst>
+        </p:spPr>
+        <p:style>
+          <a:lnRef idx="2">
+            <a:schemeClr val="accent1">
+              <a:shade val="50000"/>
+            </a:schemeClr>
+          </a:lnRef>
+          <a:fillRef idx="1">
+            <a:schemeClr val="accent1"/>
+          </a:fillRef>
+          <a:effectRef idx="0">
+            <a:schemeClr val="accent1"/>
+          </a:effectRef>
+          <a:fontRef idx="minor">
+            <a:schemeClr val="lt1"/>
+          </a:fontRef>
+        </p:style>
+        <p:txBody>
+          <a:bodyPr rtlCol="0" anchor="ctr"/>
+          <a:lstStyle/>
+          <a:p>
+            <a:pPr algn="ctr"/>
+            <a:endParaRPr lang="en-US"/>
+          </a:p>
+        </p:txBody>
+      </p:sp>
+      <p:sp>
+        <p:nvSpPr>
+          <p:cNvPr id="2" name="Title 1">
+            <a:extLst>
+              <a:ext uri="{FF2B5EF4-FFF2-40B4-BE49-F238E27FC236}">
+                <a16:creationId xmlns:a16="http://schemas.microsoft.com/office/drawing/2014/main" id="{B15FFF81-C1BE-3194-7136-E2DE12726251}"/>
+              </a:ext>
+            </a:extLst>
+          </p:cNvPr>
+          <p:cNvSpPr>
+            <a:spLocks noGrp="1"/>
+          </p:cNvSpPr>
+          <p:nvPr>
+            <p:ph type="title"/>
+          </p:nvPr>
+        </p:nvSpPr>
+        <p:spPr>
+          <a:xfrm>
+            <a:off x="548639" y="950976"/>
+            <a:ext cx="10995659" cy="1077849"/>
+          </a:xfrm>
+        </p:spPr>
+        <p:txBody>
+          <a:bodyPr>
+            <a:normAutofit/>
+          </a:bodyPr>
+          <a:lstStyle/>
+          <a:p>
+            <a:r>
+              <a:rPr lang="bg-BG" sz="4400" b="1" dirty="0">
+                <a:latin typeface="Times New Roman" panose="02020603050405020304" pitchFamily="18" charset="0"/>
+                <a:cs typeface="Times New Roman" panose="02020603050405020304" pitchFamily="18" charset="0"/>
+              </a:rPr>
+              <a:t>Проект – </a:t>
+            </a:r>
+            <a:r>
+              <a:rPr lang="en-US" sz="4400" b="1" dirty="0">
+                <a:latin typeface="Times New Roman" panose="02020603050405020304" pitchFamily="18" charset="0"/>
+                <a:cs typeface="Times New Roman" panose="02020603050405020304" pitchFamily="18" charset="0"/>
+              </a:rPr>
+              <a:t>source code – part 1</a:t>
+            </a:r>
+            <a:endParaRPr lang="en-AE" sz="4400" b="1" dirty="0">
+              <a:latin typeface="Times New Roman" panose="02020603050405020304" pitchFamily="18" charset="0"/>
+              <a:cs typeface="Times New Roman" panose="02020603050405020304" pitchFamily="18" charset="0"/>
+            </a:endParaRPr>
+          </a:p>
+        </p:txBody>
+      </p:sp>
+      <p:cxnSp>
+        <p:nvCxnSpPr>
+          <p:cNvPr id="14" name="Straight Connector 13">
+            <a:extLst>
+              <a:ext uri="{FF2B5EF4-FFF2-40B4-BE49-F238E27FC236}">
+                <a16:creationId xmlns:a16="http://schemas.microsoft.com/office/drawing/2014/main" id="{5BB41ABC-012E-4DF8-A240-44161B32BBB3}"/>
+              </a:ext>
+              <a:ext uri="{C183D7F6-B498-43B3-948B-1728B52AA6E4}">
+                <adec:decorative xmlns:adec="http://schemas.microsoft.com/office/drawing/2017/decorative" val="1"/>
+              </a:ext>
+            </a:extLst>
+          </p:cNvPr>
+          <p:cNvCxnSpPr>
+            <a:cxnSpLocks noGrp="1" noRot="1" noChangeAspect="1" noMove="1" noResize="1" noEditPoints="1" noAdjustHandles="1" noChangeArrowheads="1" noChangeShapeType="1"/>
+          </p:cNvCxnSpPr>
+          <p:nvPr>
+            <p:extLst>
+              <p:ext uri="{386F3935-93C4-4BCD-93E2-E3B085C9AB24}">
+                <p16:designElem xmlns:p16="http://schemas.microsoft.com/office/powerpoint/2015/main" val="1"/>
+              </p:ext>
+            </p:extLst>
+          </p:nvPr>
+        </p:nvCxnSpPr>
+        <p:spPr>
+          <a:xfrm>
+            <a:off x="643467" y="678719"/>
+            <a:ext cx="10905066" cy="0"/>
+          </a:xfrm>
+          <a:prstGeom prst="line">
+            <a:avLst/>
+          </a:prstGeom>
+          <a:ln w="38100"/>
+        </p:spPr>
+        <p:style>
+          <a:lnRef idx="1">
+            <a:schemeClr val="accent1"/>
+          </a:lnRef>
+          <a:fillRef idx="0">
+            <a:schemeClr val="accent1"/>
+          </a:fillRef>
+          <a:effectRef idx="0">
+            <a:schemeClr val="accent1"/>
+          </a:effectRef>
+          <a:fontRef idx="minor">
+            <a:schemeClr val="tx1"/>
+          </a:fontRef>
+        </p:style>
+      </p:cxnSp>
+      <p:sp>
+        <p:nvSpPr>
+          <p:cNvPr id="9" name="Content Placeholder 8">
+            <a:extLst>
+              <a:ext uri="{FF2B5EF4-FFF2-40B4-BE49-F238E27FC236}">
+                <a16:creationId xmlns:a16="http://schemas.microsoft.com/office/drawing/2014/main" id="{DB40C15C-A4B2-BAC8-B8D9-FCC05347EF55}"/>
+              </a:ext>
+            </a:extLst>
+          </p:cNvPr>
+          <p:cNvSpPr>
+            <a:spLocks noGrp="1"/>
+          </p:cNvSpPr>
+          <p:nvPr>
+            <p:ph idx="1"/>
+          </p:nvPr>
+        </p:nvSpPr>
+        <p:spPr>
+          <a:xfrm>
+            <a:off x="548641" y="2247091"/>
+            <a:ext cx="3528060" cy="3825402"/>
+          </a:xfrm>
+        </p:spPr>
+        <p:txBody>
+          <a:bodyPr>
+            <a:normAutofit/>
+          </a:bodyPr>
+          <a:lstStyle/>
+          <a:p>
+            <a:r>
+              <a:rPr lang="bg-BG" dirty="0">
+                <a:latin typeface="Times New Roman" panose="02020603050405020304" pitchFamily="18" charset="0"/>
+                <a:cs typeface="Times New Roman" panose="02020603050405020304" pitchFamily="18" charset="0"/>
+              </a:rPr>
+              <a:t>Отпечатване на условието</a:t>
+            </a:r>
+          </a:p>
+          <a:p>
+            <a:r>
+              <a:rPr lang="bg-BG" dirty="0">
+                <a:latin typeface="Times New Roman" panose="02020603050405020304" pitchFamily="18" charset="0"/>
+                <a:cs typeface="Times New Roman" panose="02020603050405020304" pitchFamily="18" charset="0"/>
+              </a:rPr>
+              <a:t>Отпечатване на имената на автора</a:t>
+            </a:r>
+          </a:p>
+          <a:p>
+            <a:r>
+              <a:rPr lang="bg-BG" dirty="0">
+                <a:latin typeface="Times New Roman" panose="02020603050405020304" pitchFamily="18" charset="0"/>
+                <a:cs typeface="Times New Roman" panose="02020603050405020304" pitchFamily="18" charset="0"/>
+              </a:rPr>
+              <a:t> Въвеждане на входните данни</a:t>
+            </a:r>
+          </a:p>
+          <a:p>
+            <a:r>
+              <a:rPr lang="bg-BG" dirty="0">
+                <a:latin typeface="Times New Roman" panose="02020603050405020304" pitchFamily="18" charset="0"/>
+                <a:cs typeface="Times New Roman" panose="02020603050405020304" pitchFamily="18" charset="0"/>
+              </a:rPr>
+              <a:t>Извеждане на входните данни</a:t>
+            </a:r>
+          </a:p>
+          <a:p>
+            <a:endParaRPr lang="bg-BG" dirty="0">
+              <a:latin typeface="Times New Roman" panose="02020603050405020304" pitchFamily="18" charset="0"/>
+              <a:cs typeface="Times New Roman" panose="02020603050405020304" pitchFamily="18" charset="0"/>
+            </a:endParaRPr>
+          </a:p>
+        </p:txBody>
+      </p:sp>
+      <p:pic>
+        <p:nvPicPr>
+          <p:cNvPr id="5" name="Content Placeholder 4">
+            <a:extLst>
+              <a:ext uri="{FF2B5EF4-FFF2-40B4-BE49-F238E27FC236}">
+                <a16:creationId xmlns:a16="http://schemas.microsoft.com/office/drawing/2014/main" id="{98309CE5-B339-FF7A-8961-954C6A826832}"/>
+              </a:ext>
+            </a:extLst>
+          </p:cNvPr>
+          <p:cNvPicPr>
+            <a:picLocks noChangeAspect="1"/>
+          </p:cNvPicPr>
+          <p:nvPr/>
+        </p:nvPicPr>
+        <p:blipFill>
+          <a:blip r:embed="rId2"/>
+          <a:stretch>
+            <a:fillRect/>
+          </a:stretch>
+        </p:blipFill>
+        <p:spPr>
+          <a:xfrm>
+            <a:off x="4625342" y="2028825"/>
+            <a:ext cx="6918956" cy="4043665"/>
+          </a:xfrm>
+          <a:prstGeom prst="rect">
+            <a:avLst/>
+          </a:prstGeom>
+        </p:spPr>
+      </p:pic>
+      <p:cxnSp>
+        <p:nvCxnSpPr>
+          <p:cNvPr id="16" name="Straight Connector 15">
+            <a:extLst>
+              <a:ext uri="{FF2B5EF4-FFF2-40B4-BE49-F238E27FC236}">
+                <a16:creationId xmlns:a16="http://schemas.microsoft.com/office/drawing/2014/main" id="{B5854327-44B3-47A2-891B-0580ACB56B55}"/>
+              </a:ext>
+              <a:ext uri="{C183D7F6-B498-43B3-948B-1728B52AA6E4}">
+                <adec:decorative xmlns:adec="http://schemas.microsoft.com/office/drawing/2017/decorative" val="1"/>
+              </a:ext>
+            </a:extLst>
+          </p:cNvPr>
+          <p:cNvCxnSpPr>
+            <a:cxnSpLocks noGrp="1" noRot="1" noChangeAspect="1" noMove="1" noResize="1" noEditPoints="1" noAdjustHandles="1" noChangeArrowheads="1" noChangeShapeType="1"/>
+          </p:cNvCxnSpPr>
+          <p:nvPr>
+            <p:extLst>
+              <p:ext uri="{386F3935-93C4-4BCD-93E2-E3B085C9AB24}">
+                <p16:designElem xmlns:p16="http://schemas.microsoft.com/office/powerpoint/2015/main" val="1"/>
+              </p:ext>
+            </p:extLst>
+          </p:nvPr>
+        </p:nvCxnSpPr>
+        <p:spPr>
+          <a:xfrm>
+            <a:off x="643467" y="6309695"/>
+            <a:ext cx="10905066" cy="0"/>
+          </a:xfrm>
+          <a:prstGeom prst="line">
+            <a:avLst/>
+          </a:prstGeom>
+          <a:ln w="6350">
+            <a:solidFill>
+              <a:schemeClr val="tx1"/>
+            </a:solidFill>
+          </a:ln>
+        </p:spPr>
+        <p:style>
+          <a:lnRef idx="1">
+            <a:schemeClr val="accent1"/>
+          </a:lnRef>
+          <a:fillRef idx="0">
+            <a:schemeClr val="accent1"/>
+          </a:fillRef>
+          <a:effectRef idx="0">
+            <a:schemeClr val="accent1"/>
+          </a:effectRef>
+          <a:fontRef idx="minor">
+            <a:schemeClr val="tx1"/>
+          </a:fontRef>
+        </p:style>
+      </p:cxnSp>
+    </p:spTree>
+    <p:extLst>
+      <p:ext uri="{BB962C8B-B14F-4D97-AF65-F5344CB8AC3E}">
+        <p14:creationId xmlns:p14="http://schemas.microsoft.com/office/powerpoint/2010/main" val="4144405864"/>
+      </p:ext>
+    </p:extLst>
+  </p:cSld>
+  <p:clrMapOvr>
+    <a:masterClrMapping/>
+  </p:clrMapOvr>
+</p:sld>
+</file>
+
+<file path=ppt/slides/slide6.xml><?xml version="1.0" encoding="utf-8"?>
+<p:sld xmlns:a="http://schemas.openxmlformats.org/drawingml/2006/main" xmlns:r="http://schemas.openxmlformats.org/officeDocument/2006/relationships" xmlns:p="http://schemas.openxmlformats.org/presentationml/2006/main">
+  <p:cSld>
+    <p:bg>
+      <p:bgPr>
+        <a:solidFill>
+          <a:schemeClr val="bg1"/>
+        </a:solidFill>
+        <a:effectLst/>
+      </p:bgPr>
+    </p:bg>
+    <p:spTree>
+      <p:nvGrpSpPr>
+        <p:cNvPr id="1" name=""/>
+        <p:cNvGrpSpPr/>
+        <p:nvPr/>
+      </p:nvGrpSpPr>
+      <p:grpSpPr>
+        <a:xfrm>
+          <a:off x="0" y="0"/>
+          <a:ext cx="0" cy="0"/>
+          <a:chOff x="0" y="0"/>
+          <a:chExt cx="0" cy="0"/>
+        </a:xfrm>
+      </p:grpSpPr>
+      <p:sp useBgFill="1">
+        <p:nvSpPr>
+          <p:cNvPr id="14" name="Rectangle 13">
+            <a:extLst>
+              <a:ext uri="{FF2B5EF4-FFF2-40B4-BE49-F238E27FC236}">
+                <a16:creationId xmlns:a16="http://schemas.microsoft.com/office/drawing/2014/main" id="{51461CB7-62ED-4795-A634-D387EE9C446C}"/>
+              </a:ext>
+              <a:ext uri="{C183D7F6-B498-43B3-948B-1728B52AA6E4}">
+                <adec:decorative xmlns:adec="http://schemas.microsoft.com/office/drawing/2017/decorative" val="1"/>
+              </a:ext>
+            </a:extLst>
+          </p:cNvPr>
+          <p:cNvSpPr>
+            <a:spLocks noGrp="1" noRot="1" noChangeAspect="1" noMove="1" noResize="1" noEditPoints="1" noAdjustHandles="1" noChangeArrowheads="1" noChangeShapeType="1" noTextEdit="1"/>
+          </p:cNvSpPr>
+          <p:nvPr>
+            <p:extLst>
+              <p:ext uri="{386F3935-93C4-4BCD-93E2-E3B085C9AB24}">
+                <p16:designElem xmlns:p16="http://schemas.microsoft.com/office/powerpoint/2015/main" val="1"/>
+              </p:ext>
+            </p:extLst>
+          </p:nvPr>
+        </p:nvSpPr>
+        <p:spPr>
+          <a:xfrm>
+            <a:off x="0" y="0"/>
+            <a:ext cx="12192000" cy="6858000"/>
+          </a:xfrm>
+          <a:prstGeom prst="rect">
+            <a:avLst/>
+          </a:prstGeom>
+          <a:ln w="12700" cap="flat" cmpd="sng" algn="ctr">
+            <a:noFill/>
+            <a:prstDash val="solid"/>
+            <a:miter lim="800000"/>
+          </a:ln>
+          <a:effectLst/>
+          <a:extLst>
+            <a:ext uri="{91240B29-F687-4F45-9708-019B960494DF}">
+              <a14:hiddenLine xmlns:a14="http://schemas.microsoft.com/office/drawing/2010/main" w="12700" cap="flat" cmpd="sng" algn="ctr">
+                <a:solidFill>
+                  <a:schemeClr val="accent1">
+                    <a:shade val="50000"/>
+                  </a:schemeClr>
+                </a:solidFill>
+                <a:prstDash val="solid"/>
+                <a:miter lim="800000"/>
+              </a14:hiddenLine>
+            </a:ext>
+          </a:extLst>
+        </p:spPr>
+        <p:style>
+          <a:lnRef idx="2">
+            <a:schemeClr val="accent1">
+              <a:shade val="50000"/>
+            </a:schemeClr>
+          </a:lnRef>
+          <a:fillRef idx="1">
+            <a:schemeClr val="accent1"/>
+          </a:fillRef>
+          <a:effectRef idx="0">
+            <a:schemeClr val="accent1"/>
+          </a:effectRef>
+          <a:fontRef idx="minor">
+            <a:schemeClr val="lt1"/>
+          </a:fontRef>
+        </p:style>
+        <p:txBody>
+          <a:bodyPr rtlCol="0" anchor="ctr"/>
+          <a:lstStyle/>
+          <a:p>
+            <a:pPr algn="ctr"/>
+            <a:endParaRPr lang="en-US"/>
+          </a:p>
+        </p:txBody>
+      </p:sp>
+      <p:sp>
+        <p:nvSpPr>
+          <p:cNvPr id="2" name="Title 1">
+            <a:extLst>
+              <a:ext uri="{FF2B5EF4-FFF2-40B4-BE49-F238E27FC236}">
+                <a16:creationId xmlns:a16="http://schemas.microsoft.com/office/drawing/2014/main" id="{B15FFF81-C1BE-3194-7136-E2DE12726251}"/>
+              </a:ext>
+            </a:extLst>
+          </p:cNvPr>
+          <p:cNvSpPr>
+            <a:spLocks noGrp="1"/>
+          </p:cNvSpPr>
+          <p:nvPr>
+            <p:ph type="title"/>
+          </p:nvPr>
+        </p:nvSpPr>
+        <p:spPr>
+          <a:xfrm>
+            <a:off x="548639" y="950976"/>
+            <a:ext cx="10995659" cy="1077849"/>
+          </a:xfrm>
+        </p:spPr>
+        <p:txBody>
+          <a:bodyPr>
+            <a:normAutofit/>
+          </a:bodyPr>
+          <a:lstStyle/>
+          <a:p>
+            <a:r>
+              <a:rPr lang="bg-BG" sz="4400" b="1" dirty="0">
+                <a:latin typeface="Times New Roman" panose="02020603050405020304" pitchFamily="18" charset="0"/>
+                <a:cs typeface="Times New Roman" panose="02020603050405020304" pitchFamily="18" charset="0"/>
+              </a:rPr>
+              <a:t>Проект – </a:t>
+            </a:r>
+            <a:r>
+              <a:rPr lang="en-US" sz="4400" b="1" dirty="0">
+                <a:latin typeface="Times New Roman" panose="02020603050405020304" pitchFamily="18" charset="0"/>
+                <a:cs typeface="Times New Roman" panose="02020603050405020304" pitchFamily="18" charset="0"/>
+              </a:rPr>
+              <a:t>source code – part </a:t>
+            </a:r>
+            <a:r>
+              <a:rPr lang="bg-BG" sz="4400" b="1" dirty="0">
+                <a:latin typeface="Times New Roman" panose="02020603050405020304" pitchFamily="18" charset="0"/>
+                <a:cs typeface="Times New Roman" panose="02020603050405020304" pitchFamily="18" charset="0"/>
+              </a:rPr>
+              <a:t>2</a:t>
+            </a:r>
+            <a:endParaRPr lang="en-AE" sz="4400" b="1" dirty="0">
+              <a:latin typeface="Times New Roman" panose="02020603050405020304" pitchFamily="18" charset="0"/>
+              <a:cs typeface="Times New Roman" panose="02020603050405020304" pitchFamily="18" charset="0"/>
+            </a:endParaRPr>
+          </a:p>
+        </p:txBody>
+      </p:sp>
+      <p:cxnSp>
+        <p:nvCxnSpPr>
+          <p:cNvPr id="16" name="Straight Connector 15">
+            <a:extLst>
+              <a:ext uri="{FF2B5EF4-FFF2-40B4-BE49-F238E27FC236}">
+                <a16:creationId xmlns:a16="http://schemas.microsoft.com/office/drawing/2014/main" id="{5BB41ABC-012E-4DF8-A240-44161B32BBB3}"/>
+              </a:ext>
+              <a:ext uri="{C183D7F6-B498-43B3-948B-1728B52AA6E4}">
+                <adec:decorative xmlns:adec="http://schemas.microsoft.com/office/drawing/2017/decorative" val="1"/>
+              </a:ext>
+            </a:extLst>
+          </p:cNvPr>
+          <p:cNvCxnSpPr>
+            <a:cxnSpLocks noGrp="1" noRot="1" noChangeAspect="1" noMove="1" noResize="1" noEditPoints="1" noAdjustHandles="1" noChangeArrowheads="1" noChangeShapeType="1"/>
+          </p:cNvCxnSpPr>
+          <p:nvPr>
+            <p:extLst>
+              <p:ext uri="{386F3935-93C4-4BCD-93E2-E3B085C9AB24}">
+                <p16:designElem xmlns:p16="http://schemas.microsoft.com/office/powerpoint/2015/main" val="1"/>
+              </p:ext>
+            </p:extLst>
+          </p:nvPr>
+        </p:nvCxnSpPr>
+        <p:spPr>
+          <a:xfrm>
+            <a:off x="643467" y="678719"/>
+            <a:ext cx="10905066" cy="0"/>
+          </a:xfrm>
+          <a:prstGeom prst="line">
+            <a:avLst/>
+          </a:prstGeom>
+          <a:ln w="38100"/>
+        </p:spPr>
+        <p:style>
+          <a:lnRef idx="1">
+            <a:schemeClr val="accent1"/>
+          </a:lnRef>
+          <a:fillRef idx="0">
+            <a:schemeClr val="accent1"/>
+          </a:fillRef>
+          <a:effectRef idx="0">
+            <a:schemeClr val="accent1"/>
+          </a:effectRef>
+          <a:fontRef idx="minor">
+            <a:schemeClr val="tx1"/>
+          </a:fontRef>
+        </p:style>
+      </p:cxnSp>
+      <p:sp>
+        <p:nvSpPr>
+          <p:cNvPr id="9" name="Content Placeholder 8">
+            <a:extLst>
+              <a:ext uri="{FF2B5EF4-FFF2-40B4-BE49-F238E27FC236}">
+                <a16:creationId xmlns:a16="http://schemas.microsoft.com/office/drawing/2014/main" id="{DB40C15C-A4B2-BAC8-B8D9-FCC05347EF55}"/>
+              </a:ext>
+            </a:extLst>
+          </p:cNvPr>
+          <p:cNvSpPr>
+            <a:spLocks noGrp="1"/>
+          </p:cNvSpPr>
+          <p:nvPr>
+            <p:ph idx="1"/>
+          </p:nvPr>
+        </p:nvSpPr>
+        <p:spPr>
+          <a:xfrm>
+            <a:off x="548639" y="2388123"/>
+            <a:ext cx="3528060" cy="3825402"/>
+          </a:xfrm>
+        </p:spPr>
+        <p:txBody>
+          <a:bodyPr>
+            <a:normAutofit/>
+          </a:bodyPr>
+          <a:lstStyle/>
+          <a:p>
+            <a:r>
+              <a:rPr lang="bg-BG" dirty="0">
+                <a:latin typeface="Times New Roman" panose="02020603050405020304" pitchFamily="18" charset="0"/>
+                <a:cs typeface="Times New Roman" panose="02020603050405020304" pitchFamily="18" charset="0"/>
+              </a:rPr>
+              <a:t>Да се образува нов масив </a:t>
+            </a:r>
+            <a:r>
+              <a:rPr lang="en-US" dirty="0">
+                <a:latin typeface="Times New Roman" panose="02020603050405020304" pitchFamily="18" charset="0"/>
+                <a:cs typeface="Times New Roman" panose="02020603050405020304" pitchFamily="18" charset="0"/>
+              </a:rPr>
+              <a:t>B, </a:t>
+            </a:r>
+            <a:r>
+              <a:rPr lang="bg-BG" dirty="0">
+                <a:latin typeface="Times New Roman" panose="02020603050405020304" pitchFamily="18" charset="0"/>
+                <a:cs typeface="Times New Roman" panose="02020603050405020304" pitchFamily="18" charset="0"/>
+              </a:rPr>
+              <a:t>елементите на който са сумите от А</a:t>
+            </a:r>
+            <a:r>
+              <a:rPr lang="en-US" dirty="0">
+                <a:latin typeface="Times New Roman" panose="02020603050405020304" pitchFamily="18" charset="0"/>
+                <a:cs typeface="Times New Roman" panose="02020603050405020304" pitchFamily="18" charset="0"/>
+              </a:rPr>
+              <a:t>[I, J] </a:t>
+            </a:r>
+            <a:r>
+              <a:rPr lang="bg-BG" dirty="0">
+                <a:latin typeface="Times New Roman" panose="02020603050405020304" pitchFamily="18" charset="0"/>
+                <a:cs typeface="Times New Roman" panose="02020603050405020304" pitchFamily="18" charset="0"/>
+              </a:rPr>
+              <a:t>по колони</a:t>
+            </a:r>
+          </a:p>
+          <a:p>
+            <a:r>
+              <a:rPr lang="bg-BG" dirty="0">
+                <a:latin typeface="Times New Roman" panose="02020603050405020304" pitchFamily="18" charset="0"/>
+                <a:cs typeface="Times New Roman" panose="02020603050405020304" pitchFamily="18" charset="0"/>
+              </a:rPr>
+              <a:t>Да се отпечатат получените резултати по време и след обработката</a:t>
+            </a:r>
+            <a:endParaRPr lang="en-AE" dirty="0">
+              <a:latin typeface="Times New Roman" panose="02020603050405020304" pitchFamily="18" charset="0"/>
+              <a:cs typeface="Times New Roman" panose="02020603050405020304" pitchFamily="18" charset="0"/>
+            </a:endParaRPr>
+          </a:p>
+          <a:p>
+            <a:endParaRPr lang="bg-BG" dirty="0">
+              <a:latin typeface="Times New Roman" panose="02020603050405020304" pitchFamily="18" charset="0"/>
+              <a:cs typeface="Times New Roman" panose="02020603050405020304" pitchFamily="18" charset="0"/>
+            </a:endParaRPr>
+          </a:p>
+          <a:p>
+            <a:endParaRPr lang="bg-BG" dirty="0">
+              <a:latin typeface="Times New Roman" panose="02020603050405020304" pitchFamily="18" charset="0"/>
+              <a:cs typeface="Times New Roman" panose="02020603050405020304" pitchFamily="18" charset="0"/>
+            </a:endParaRPr>
+          </a:p>
+        </p:txBody>
+      </p:sp>
+      <p:pic>
+        <p:nvPicPr>
+          <p:cNvPr id="4" name="Picture 3">
+            <a:extLst>
+              <a:ext uri="{FF2B5EF4-FFF2-40B4-BE49-F238E27FC236}">
+                <a16:creationId xmlns:a16="http://schemas.microsoft.com/office/drawing/2014/main" id="{06B35D41-FB28-B5DE-DD60-8000BED3E6AC}"/>
+              </a:ext>
+            </a:extLst>
+          </p:cNvPr>
+          <p:cNvPicPr>
+            <a:picLocks noChangeAspect="1"/>
+          </p:cNvPicPr>
+          <p:nvPr/>
+        </p:nvPicPr>
+        <p:blipFill>
+          <a:blip r:embed="rId2"/>
+          <a:stretch>
+            <a:fillRect/>
+          </a:stretch>
+        </p:blipFill>
+        <p:spPr>
+          <a:xfrm>
+            <a:off x="4727448" y="2028825"/>
+            <a:ext cx="6816849" cy="4043665"/>
+          </a:xfrm>
+          <a:prstGeom prst="rect">
+            <a:avLst/>
+          </a:prstGeom>
+        </p:spPr>
+      </p:pic>
+      <p:cxnSp>
+        <p:nvCxnSpPr>
+          <p:cNvPr id="18" name="Straight Connector 17">
+            <a:extLst>
+              <a:ext uri="{FF2B5EF4-FFF2-40B4-BE49-F238E27FC236}">
+                <a16:creationId xmlns:a16="http://schemas.microsoft.com/office/drawing/2014/main" id="{B5854327-44B3-47A2-891B-0580ACB56B55}"/>
+              </a:ext>
+              <a:ext uri="{C183D7F6-B498-43B3-948B-1728B52AA6E4}">
+                <adec:decorative xmlns:adec="http://schemas.microsoft.com/office/drawing/2017/decorative" val="1"/>
+              </a:ext>
+            </a:extLst>
+          </p:cNvPr>
+          <p:cNvCxnSpPr>
+            <a:cxnSpLocks noGrp="1" noRot="1" noChangeAspect="1" noMove="1" noResize="1" noEditPoints="1" noAdjustHandles="1" noChangeArrowheads="1" noChangeShapeType="1"/>
+          </p:cNvCxnSpPr>
+          <p:nvPr>
+            <p:extLst>
+              <p:ext uri="{386F3935-93C4-4BCD-93E2-E3B085C9AB24}">
+                <p16:designElem xmlns:p16="http://schemas.microsoft.com/office/powerpoint/2015/main" val="1"/>
+              </p:ext>
+            </p:extLst>
+          </p:nvPr>
+        </p:nvCxnSpPr>
+        <p:spPr>
+          <a:xfrm>
+            <a:off x="643467" y="6309695"/>
+            <a:ext cx="10905066" cy="0"/>
+          </a:xfrm>
+          <a:prstGeom prst="line">
+            <a:avLst/>
+          </a:prstGeom>
+          <a:ln w="6350">
+            <a:solidFill>
+              <a:schemeClr val="tx1"/>
+            </a:solidFill>
+          </a:ln>
+        </p:spPr>
+        <p:style>
+          <a:lnRef idx="1">
+            <a:schemeClr val="accent1"/>
+          </a:lnRef>
+          <a:fillRef idx="0">
+            <a:schemeClr val="accent1"/>
+          </a:fillRef>
+          <a:effectRef idx="0">
+            <a:schemeClr val="accent1"/>
+          </a:effectRef>
+          <a:fontRef idx="minor">
+            <a:schemeClr val="tx1"/>
+          </a:fontRef>
+        </p:style>
+      </p:cxnSp>
+    </p:spTree>
+    <p:extLst>
+      <p:ext uri="{BB962C8B-B14F-4D97-AF65-F5344CB8AC3E}">
+        <p14:creationId xmlns:p14="http://schemas.microsoft.com/office/powerpoint/2010/main" val="761326631"/>
+      </p:ext>
+    </p:extLst>
+  </p:cSld>
+  <p:clrMapOvr>
+    <a:masterClrMapping/>
+  </p:clrMapOvr>
+</p:sld>
+</file>
+
+<file path=ppt/slides/slide7.xml><?xml version="1.0" encoding="utf-8"?>
+<p:sld xmlns:a="http://schemas.openxmlformats.org/drawingml/2006/main" xmlns:r="http://schemas.openxmlformats.org/officeDocument/2006/relationships" xmlns:p="http://schemas.openxmlformats.org/presentationml/2006/main">
+  <p:cSld>
+    <p:spTree>
+      <p:nvGrpSpPr>
+        <p:cNvPr id="1" name=""/>
+        <p:cNvGrpSpPr/>
+        <p:nvPr/>
+      </p:nvGrpSpPr>
+      <p:grpSpPr>
+        <a:xfrm>
+          <a:off x="0" y="0"/>
+          <a:ext cx="0" cy="0"/>
+          <a:chOff x="0" y="0"/>
+          <a:chExt cx="0" cy="0"/>
+        </a:xfrm>
+      </p:grpSpPr>
+      <p:sp>
+        <p:nvSpPr>
+          <p:cNvPr id="2" name="Title 1">
+            <a:extLst>
+              <a:ext uri="{FF2B5EF4-FFF2-40B4-BE49-F238E27FC236}">
+                <a16:creationId xmlns:a16="http://schemas.microsoft.com/office/drawing/2014/main" id="{4AFE2690-E342-2B97-4228-D1B59A22C7B1}"/>
+              </a:ext>
+            </a:extLst>
+          </p:cNvPr>
+          <p:cNvSpPr>
+            <a:spLocks noGrp="1"/>
+          </p:cNvSpPr>
+          <p:nvPr>
+            <p:ph type="title"/>
+          </p:nvPr>
+        </p:nvSpPr>
+        <p:spPr>
+          <a:xfrm>
+            <a:off x="548640" y="777240"/>
+            <a:ext cx="10995659" cy="1077849"/>
+          </a:xfrm>
+        </p:spPr>
+        <p:txBody>
+          <a:bodyPr>
+            <a:noAutofit/>
+          </a:bodyPr>
+          <a:lstStyle/>
+          <a:p>
+            <a:pPr algn="ctr"/>
+            <a:r>
+              <a:rPr lang="bg-BG" sz="4000" b="1" dirty="0">
+                <a:latin typeface="Times New Roman" panose="02020603050405020304" pitchFamily="18" charset="0"/>
+                <a:cs typeface="Times New Roman" panose="02020603050405020304" pitchFamily="18" charset="0"/>
+              </a:rPr>
+              <a:t>Проект</a:t>
+            </a:r>
+            <a:r>
+              <a:rPr lang="en-US" sz="4000" b="1" dirty="0">
+                <a:latin typeface="Times New Roman" panose="02020603050405020304" pitchFamily="18" charset="0"/>
+                <a:cs typeface="Times New Roman" panose="02020603050405020304" pitchFamily="18" charset="0"/>
+              </a:rPr>
+              <a:t> –</a:t>
+            </a:r>
+            <a:r>
+              <a:rPr lang="bg-BG" sz="4000" b="1" dirty="0">
+                <a:latin typeface="Times New Roman" panose="02020603050405020304" pitchFamily="18" charset="0"/>
+                <a:cs typeface="Times New Roman" panose="02020603050405020304" pitchFamily="18" charset="0"/>
+              </a:rPr>
+              <a:t> резултати от тестване с </a:t>
+            </a:r>
+            <a:r>
+              <a:rPr lang="bg-BG" sz="4000" b="1" dirty="0">
+                <a:effectLst/>
+                <a:latin typeface="Times New Roman" panose="02020603050405020304" pitchFamily="18" charset="0"/>
+                <a:ea typeface="Aptos" panose="020B0004020202020204" pitchFamily="34" charset="0"/>
+                <a:cs typeface="Times New Roman" panose="02020603050405020304" pitchFamily="18" charset="0"/>
+              </a:rPr>
+              <a:t>валидни стойности</a:t>
+            </a:r>
+            <a:endParaRPr lang="en-AE" sz="4000" dirty="0">
+              <a:latin typeface="Times New Roman" panose="02020603050405020304" pitchFamily="18" charset="0"/>
+              <a:cs typeface="Times New Roman" panose="02020603050405020304" pitchFamily="18" charset="0"/>
+            </a:endParaRPr>
+          </a:p>
+        </p:txBody>
+      </p:sp>
+      <p:pic>
+        <p:nvPicPr>
+          <p:cNvPr id="8" name="Content Placeholder 7">
+            <a:extLst>
+              <a:ext uri="{FF2B5EF4-FFF2-40B4-BE49-F238E27FC236}">
+                <a16:creationId xmlns:a16="http://schemas.microsoft.com/office/drawing/2014/main" id="{EEE9B43B-D0AB-3A8D-1D0B-BA81F071CE59}"/>
+              </a:ext>
+            </a:extLst>
+          </p:cNvPr>
+          <p:cNvPicPr>
+            <a:picLocks noGrp="1" noChangeAspect="1"/>
+          </p:cNvPicPr>
+          <p:nvPr>
+            <p:ph sz="half" idx="1"/>
+          </p:nvPr>
+        </p:nvPicPr>
+        <p:blipFill>
+          <a:blip r:embed="rId2"/>
+          <a:stretch>
+            <a:fillRect/>
+          </a:stretch>
+        </p:blipFill>
+        <p:spPr>
+          <a:xfrm>
+            <a:off x="548640" y="2299856"/>
+            <a:ext cx="5281613" cy="3351234"/>
+          </a:xfrm>
+        </p:spPr>
+      </p:pic>
+      <p:pic>
+        <p:nvPicPr>
+          <p:cNvPr id="10" name="Content Placeholder 9">
+            <a:extLst>
+              <a:ext uri="{FF2B5EF4-FFF2-40B4-BE49-F238E27FC236}">
+                <a16:creationId xmlns:a16="http://schemas.microsoft.com/office/drawing/2014/main" id="{F5A8E991-3B5D-2FF1-49B1-92CAD6432AEF}"/>
+              </a:ext>
+            </a:extLst>
+          </p:cNvPr>
+          <p:cNvPicPr>
+            <a:picLocks noGrp="1" noChangeAspect="1"/>
+          </p:cNvPicPr>
+          <p:nvPr>
+            <p:ph sz="half" idx="2"/>
+          </p:nvPr>
+        </p:nvPicPr>
+        <p:blipFill>
+          <a:blip r:embed="rId3"/>
+          <a:stretch>
+            <a:fillRect/>
+          </a:stretch>
+        </p:blipFill>
+        <p:spPr>
+          <a:xfrm>
+            <a:off x="6361749" y="2299856"/>
+            <a:ext cx="5281613" cy="3351234"/>
+          </a:xfrm>
+        </p:spPr>
+      </p:pic>
+    </p:spTree>
+    <p:extLst>
+      <p:ext uri="{BB962C8B-B14F-4D97-AF65-F5344CB8AC3E}">
+        <p14:creationId xmlns:p14="http://schemas.microsoft.com/office/powerpoint/2010/main" val="949617310"/>
+      </p:ext>
+    </p:extLst>
+  </p:cSld>
+  <p:clrMapOvr>
+    <a:masterClrMapping/>
+  </p:clrMapOvr>
+</p:sld>
+</file>
+
+<file path=ppt/slides/slide8.xml><?xml version="1.0" encoding="utf-8"?>
+<p:sld xmlns:a="http://schemas.openxmlformats.org/drawingml/2006/main" xmlns:r="http://schemas.openxmlformats.org/officeDocument/2006/relationships" xmlns:p="http://schemas.openxmlformats.org/presentationml/2006/main">
+  <p:cSld>
+    <p:spTree>
+      <p:nvGrpSpPr>
+        <p:cNvPr id="1" name=""/>
+        <p:cNvGrpSpPr/>
+        <p:nvPr/>
+      </p:nvGrpSpPr>
+      <p:grpSpPr>
+        <a:xfrm>
+          <a:off x="0" y="0"/>
+          <a:ext cx="0" cy="0"/>
+          <a:chOff x="0" y="0"/>
+          <a:chExt cx="0" cy="0"/>
+        </a:xfrm>
+      </p:grpSpPr>
+      <p:sp>
+        <p:nvSpPr>
+          <p:cNvPr id="2" name="Title 1">
+            <a:extLst>
+              <a:ext uri="{FF2B5EF4-FFF2-40B4-BE49-F238E27FC236}">
+                <a16:creationId xmlns:a16="http://schemas.microsoft.com/office/drawing/2014/main" id="{4AFE2690-E342-2B97-4228-D1B59A22C7B1}"/>
+              </a:ext>
+            </a:extLst>
+          </p:cNvPr>
+          <p:cNvSpPr>
+            <a:spLocks noGrp="1"/>
+          </p:cNvSpPr>
+          <p:nvPr>
+            <p:ph type="title"/>
+          </p:nvPr>
+        </p:nvSpPr>
+        <p:spPr>
+          <a:xfrm>
+            <a:off x="549275" y="832104"/>
+            <a:ext cx="10995659" cy="1077849"/>
+          </a:xfrm>
+        </p:spPr>
+        <p:txBody>
+          <a:bodyPr>
+            <a:noAutofit/>
+          </a:bodyPr>
+          <a:lstStyle/>
+          <a:p>
+            <a:pPr algn="ctr"/>
+            <a:r>
+              <a:rPr lang="bg-BG" sz="4000" b="1" dirty="0">
+                <a:latin typeface="Times New Roman" panose="02020603050405020304" pitchFamily="18" charset="0"/>
+                <a:cs typeface="Times New Roman" panose="02020603050405020304" pitchFamily="18" charset="0"/>
+              </a:rPr>
+              <a:t>Проект</a:t>
+            </a:r>
+            <a:r>
+              <a:rPr lang="en-US" sz="4000" b="1" dirty="0">
+                <a:latin typeface="Times New Roman" panose="02020603050405020304" pitchFamily="18" charset="0"/>
+                <a:cs typeface="Times New Roman" panose="02020603050405020304" pitchFamily="18" charset="0"/>
+              </a:rPr>
+              <a:t> –</a:t>
+            </a:r>
+            <a:r>
+              <a:rPr lang="bg-BG" sz="4000" b="1" dirty="0">
+                <a:latin typeface="Times New Roman" panose="02020603050405020304" pitchFamily="18" charset="0"/>
+                <a:cs typeface="Times New Roman" panose="02020603050405020304" pitchFamily="18" charset="0"/>
+              </a:rPr>
+              <a:t> резултати от тестване с всякакви стойности</a:t>
+            </a:r>
+            <a:endParaRPr lang="en-AE" sz="4000" dirty="0"/>
+          </a:p>
+        </p:txBody>
+      </p:sp>
+      <p:pic>
+        <p:nvPicPr>
+          <p:cNvPr id="13" name="Content Placeholder 12">
+            <a:extLst>
+              <a:ext uri="{FF2B5EF4-FFF2-40B4-BE49-F238E27FC236}">
+                <a16:creationId xmlns:a16="http://schemas.microsoft.com/office/drawing/2014/main" id="{185A6542-D30F-9A50-B29E-E330015DB55A}"/>
+              </a:ext>
+            </a:extLst>
+          </p:cNvPr>
+          <p:cNvPicPr>
+            <a:picLocks noGrp="1" noChangeAspect="1"/>
+          </p:cNvPicPr>
+          <p:nvPr>
+            <p:ph sz="half" idx="2"/>
+          </p:nvPr>
+        </p:nvPicPr>
+        <p:blipFill>
+          <a:blip r:embed="rId2"/>
+          <a:stretch>
+            <a:fillRect/>
+          </a:stretch>
+        </p:blipFill>
+        <p:spPr>
+          <a:xfrm>
+            <a:off x="6361114" y="2257424"/>
+            <a:ext cx="5281613" cy="3651539"/>
+          </a:xfrm>
+        </p:spPr>
+      </p:pic>
+      <p:pic>
+        <p:nvPicPr>
+          <p:cNvPr id="11" name="Content Placeholder 10">
+            <a:extLst>
+              <a:ext uri="{FF2B5EF4-FFF2-40B4-BE49-F238E27FC236}">
+                <a16:creationId xmlns:a16="http://schemas.microsoft.com/office/drawing/2014/main" id="{D6F5AE3B-CA01-D453-F5C4-27F3CED8FF0B}"/>
+              </a:ext>
+            </a:extLst>
+          </p:cNvPr>
+          <p:cNvPicPr>
+            <a:picLocks noGrp="1" noChangeAspect="1"/>
+          </p:cNvPicPr>
+          <p:nvPr>
+            <p:ph sz="half" idx="1"/>
+          </p:nvPr>
+        </p:nvPicPr>
+        <p:blipFill>
+          <a:blip r:embed="rId3"/>
+          <a:stretch>
+            <a:fillRect/>
+          </a:stretch>
+        </p:blipFill>
+        <p:spPr>
+          <a:xfrm>
+            <a:off x="549275" y="2257425"/>
+            <a:ext cx="5281613" cy="3651539"/>
+          </a:xfrm>
+        </p:spPr>
+      </p:pic>
+    </p:spTree>
+    <p:extLst>
+      <p:ext uri="{BB962C8B-B14F-4D97-AF65-F5344CB8AC3E}">
+        <p14:creationId xmlns:p14="http://schemas.microsoft.com/office/powerpoint/2010/main" val="935921677"/>
+      </p:ext>
+    </p:extLst>
+  </p:cSld>
+  <p:clrMapOvr>
+    <a:masterClrMapping/>
+  </p:clrMapOvr>
+</p:sld>
+</file>
+
+<file path=ppt/slides/slide9.xml><?xml version="1.0" encoding="utf-8"?>
+<p:sld xmlns:a="http://schemas.openxmlformats.org/drawingml/2006/main" xmlns:r="http://schemas.openxmlformats.org/officeDocument/2006/relationships" xmlns:p="http://schemas.openxmlformats.org/presentationml/2006/main">
+  <p:cSld>
+    <p:bg>
+      <p:bgPr>
+        <a:solidFill>
+          <a:schemeClr val="bg1"/>
+        </a:solidFill>
+        <a:effectLst/>
+      </p:bgPr>
+    </p:bg>
+    <p:spTree>
+      <p:nvGrpSpPr>
+        <p:cNvPr id="1" name=""/>
+        <p:cNvGrpSpPr/>
+        <p:nvPr/>
+      </p:nvGrpSpPr>
+      <p:grpSpPr>
+        <a:xfrm>
+          <a:off x="0" y="0"/>
+          <a:ext cx="0" cy="0"/>
+          <a:chOff x="0" y="0"/>
+          <a:chExt cx="0" cy="0"/>
+        </a:xfrm>
+      </p:grpSpPr>
+      <p:cxnSp>
+        <p:nvCxnSpPr>
+          <p:cNvPr id="8" name="Straight Connector 7">
+            <a:extLst>
+              <a:ext uri="{FF2B5EF4-FFF2-40B4-BE49-F238E27FC236}">
+                <a16:creationId xmlns:a16="http://schemas.microsoft.com/office/drawing/2014/main" id="{462919E4-C488-4107-9EF1-66152F848008}"/>
+              </a:ext>
+              <a:ext uri="{C183D7F6-B498-43B3-948B-1728B52AA6E4}">
+                <adec:decorative xmlns:adec="http://schemas.microsoft.com/office/drawing/2017/decorative" val="1"/>
+              </a:ext>
+            </a:extLst>
+          </p:cNvPr>
+          <p:cNvCxnSpPr>
+            <a:cxnSpLocks noGrp="1" noRot="1" noChangeAspect="1" noMove="1" noResize="1" noEditPoints="1" noAdjustHandles="1" noChangeArrowheads="1" noChangeShapeType="1"/>
+          </p:cNvCxnSpPr>
+          <p:nvPr>
+            <p:extLst>
+              <p:ext uri="{386F3935-93C4-4BCD-93E2-E3B085C9AB24}">
+                <p16:designElem xmlns:p16="http://schemas.microsoft.com/office/powerpoint/2015/main" val="1"/>
+              </p:ext>
+            </p:extLst>
+          </p:nvPr>
+        </p:nvCxnSpPr>
+        <p:spPr>
+          <a:xfrm>
+            <a:off x="643467" y="678719"/>
+            <a:ext cx="10905066" cy="0"/>
+          </a:xfrm>
+          <a:prstGeom prst="line">
+            <a:avLst/>
+          </a:prstGeom>
+          <a:ln w="38100"/>
+        </p:spPr>
+        <p:style>
+          <a:lnRef idx="1">
+            <a:schemeClr val="accent1"/>
+          </a:lnRef>
+          <a:fillRef idx="0">
+            <a:schemeClr val="accent1"/>
+          </a:fillRef>
+          <a:effectRef idx="0">
+            <a:schemeClr val="accent1"/>
+          </a:effectRef>
+          <a:fontRef idx="minor">
+            <a:schemeClr val="tx1"/>
+          </a:fontRef>
+        </p:style>
+      </p:cxnSp>
+      <p:cxnSp>
+        <p:nvCxnSpPr>
+          <p:cNvPr id="10" name="Straight Connector 9">
+            <a:extLst>
+              <a:ext uri="{FF2B5EF4-FFF2-40B4-BE49-F238E27FC236}">
+                <a16:creationId xmlns:a16="http://schemas.microsoft.com/office/drawing/2014/main" id="{0BF79732-4088-424C-A653-4534E4389443}"/>
+              </a:ext>
+              <a:ext uri="{C183D7F6-B498-43B3-948B-1728B52AA6E4}">
+                <adec:decorative xmlns:adec="http://schemas.microsoft.com/office/drawing/2017/decorative" val="1"/>
+              </a:ext>
+            </a:extLst>
+          </p:cNvPr>
+          <p:cNvCxnSpPr>
+            <a:cxnSpLocks noGrp="1" noRot="1" noChangeAspect="1" noMove="1" noResize="1" noEditPoints="1" noAdjustHandles="1" noChangeArrowheads="1" noChangeShapeType="1"/>
+          </p:cNvCxnSpPr>
+          <p:nvPr>
+            <p:extLst>
+              <p:ext uri="{386F3935-93C4-4BCD-93E2-E3B085C9AB24}">
+                <p16:designElem xmlns:p16="http://schemas.microsoft.com/office/powerpoint/2015/main" val="1"/>
+              </p:ext>
+            </p:extLst>
+          </p:nvPr>
+        </p:nvCxnSpPr>
+        <p:spPr>
+          <a:xfrm>
+            <a:off x="643467" y="6309695"/>
+            <a:ext cx="10905066" cy="0"/>
+          </a:xfrm>
+          <a:prstGeom prst="line">
+            <a:avLst/>
+          </a:prstGeom>
+          <a:ln w="6350">
+            <a:solidFill>
+              <a:schemeClr val="tx1"/>
+            </a:solidFill>
+          </a:ln>
+        </p:spPr>
+        <p:style>
+          <a:lnRef idx="1">
+            <a:schemeClr val="accent1"/>
+          </a:lnRef>
+          <a:fillRef idx="0">
+            <a:schemeClr val="accent1"/>
+          </a:fillRef>
+          <a:effectRef idx="0">
+            <a:schemeClr val="accent1"/>
+          </a:effectRef>
+          <a:fontRef idx="minor">
+            <a:schemeClr val="tx1"/>
+          </a:fontRef>
+        </p:style>
+      </p:cxnSp>
+      <p:sp useBgFill="1">
+        <p:nvSpPr>
+          <p:cNvPr id="12" name="Rectangle 11">
+            <a:extLst>
+              <a:ext uri="{FF2B5EF4-FFF2-40B4-BE49-F238E27FC236}">
+                <a16:creationId xmlns:a16="http://schemas.microsoft.com/office/drawing/2014/main" id="{3472B768-D6CA-45E8-B749-DE0F9D4831AA}"/>
+              </a:ext>
+              <a:ext uri="{C183D7F6-B498-43B3-948B-1728B52AA6E4}">
+                <adec:decorative xmlns:adec="http://schemas.microsoft.com/office/drawing/2017/decorative" val="1"/>
+              </a:ext>
+            </a:extLst>
+          </p:cNvPr>
+          <p:cNvSpPr>
+            <a:spLocks noGrp="1" noRot="1" noChangeAspect="1" noMove="1" noResize="1" noEditPoints="1" noAdjustHandles="1" noChangeArrowheads="1" noChangeShapeType="1" noTextEdit="1"/>
+          </p:cNvSpPr>
+          <p:nvPr>
+            <p:extLst>
+              <p:ext uri="{386F3935-93C4-4BCD-93E2-E3B085C9AB24}">
+                <p16:designElem xmlns:p16="http://schemas.microsoft.com/office/powerpoint/2015/main" val="1"/>
+              </p:ext>
+            </p:extLst>
+          </p:nvPr>
+        </p:nvSpPr>
+        <p:spPr>
+          <a:xfrm>
+            <a:off x="0" y="0"/>
+            <a:ext cx="12192000" cy="6858000"/>
+          </a:xfrm>
+          <a:prstGeom prst="rect">
+            <a:avLst/>
+          </a:prstGeom>
+          <a:ln w="12700" cap="flat" cmpd="sng" algn="ctr">
+            <a:noFill/>
+            <a:prstDash val="solid"/>
+            <a:miter lim="800000"/>
+          </a:ln>
+          <a:effectLst/>
+          <a:extLst>
+            <a:ext uri="{91240B29-F687-4F45-9708-019B960494DF}">
+              <a14:hiddenLine xmlns:a14="http://schemas.microsoft.com/office/drawing/2010/main" w="12700" cap="flat" cmpd="sng" algn="ctr">
+                <a:solidFill>
+                  <a:schemeClr val="accent1">
+                    <a:shade val="50000"/>
+                  </a:schemeClr>
+                </a:solidFill>
+                <a:prstDash val="solid"/>
+                <a:miter lim="800000"/>
+              </a14:hiddenLine>
+            </a:ext>
+          </a:extLst>
+        </p:spPr>
+        <p:style>
+          <a:lnRef idx="2">
+            <a:schemeClr val="accent1">
+              <a:shade val="50000"/>
+            </a:schemeClr>
+          </a:lnRef>
+          <a:fillRef idx="1">
+            <a:schemeClr val="accent1"/>
+          </a:fillRef>
+          <a:effectRef idx="0">
+            <a:schemeClr val="accent1"/>
+          </a:effectRef>
+          <a:fontRef idx="minor">
+            <a:schemeClr val="lt1"/>
+          </a:fontRef>
+        </p:style>
+        <p:txBody>
+          <a:bodyPr rtlCol="0" anchor="ctr"/>
+          <a:lstStyle/>
+          <a:p>
+            <a:pPr algn="ctr"/>
+            <a:endParaRPr lang="en-US"/>
+          </a:p>
+        </p:txBody>
+      </p:sp>
+      <p:pic>
+        <p:nvPicPr>
+          <p:cNvPr id="4" name="Picture 3">
+            <a:extLst>
+              <a:ext uri="{FF2B5EF4-FFF2-40B4-BE49-F238E27FC236}">
+                <a16:creationId xmlns:a16="http://schemas.microsoft.com/office/drawing/2014/main" id="{FD437947-DAF4-C0C3-806D-27B22D0CBC50}"/>
+              </a:ext>
+            </a:extLst>
+          </p:cNvPr>
+          <p:cNvPicPr>
+            <a:picLocks noChangeAspect="1"/>
+          </p:cNvPicPr>
+          <p:nvPr/>
+        </p:nvPicPr>
+        <p:blipFill rotWithShape="1">
+          <a:blip r:embed="rId2"/>
+          <a:srcRect t="29687"/>
+          <a:stretch/>
+        </p:blipFill>
+        <p:spPr>
+          <a:xfrm>
+            <a:off x="20" y="10"/>
+            <a:ext cx="12191981" cy="6857990"/>
+          </a:xfrm>
+          <a:prstGeom prst="rect">
+            <a:avLst/>
+          </a:prstGeom>
+        </p:spPr>
+      </p:pic>
+      <p:sp>
+        <p:nvSpPr>
+          <p:cNvPr id="14" name="Rectangle 13">
+            <a:extLst>
+              <a:ext uri="{FF2B5EF4-FFF2-40B4-BE49-F238E27FC236}">
+                <a16:creationId xmlns:a16="http://schemas.microsoft.com/office/drawing/2014/main" id="{13F26D5C-77E9-4A8D-95F0-1635BAD12650}"/>
+              </a:ext>
+              <a:ext uri="{C183D7F6-B498-43B3-948B-1728B52AA6E4}">
+                <adec:decorative xmlns:adec="http://schemas.microsoft.com/office/drawing/2017/decorative" val="1"/>
+              </a:ext>
+            </a:extLst>
+          </p:cNvPr>
+          <p:cNvSpPr>
+            <a:spLocks noGrp="1" noRot="1" noChangeAspect="1" noMove="1" noResize="1" noEditPoints="1" noAdjustHandles="1" noChangeArrowheads="1" noChangeShapeType="1" noTextEdit="1"/>
+          </p:cNvSpPr>
+          <p:nvPr>
+            <p:extLst>
+              <p:ext uri="{386F3935-93C4-4BCD-93E2-E3B085C9AB24}">
+                <p16:designElem xmlns:p16="http://schemas.microsoft.com/office/powerpoint/2015/main" val="1"/>
+              </p:ext>
+            </p:extLst>
+          </p:nvPr>
+        </p:nvSpPr>
+        <p:spPr>
+          <a:xfrm rot="10800000">
+            <a:off x="-4" y="-2"/>
+            <a:ext cx="12191999" cy="4360983"/>
+          </a:xfrm>
+          <a:prstGeom prst="rect">
+            <a:avLst/>
+          </a:prstGeom>
+          <a:gradFill flip="none" rotWithShape="1">
+            <a:gsLst>
+              <a:gs pos="3000">
+                <a:srgbClr val="000000">
+                  <a:alpha val="0"/>
+                </a:srgbClr>
+              </a:gs>
+              <a:gs pos="61000">
+                <a:srgbClr val="000000">
+                  <a:alpha val="48000"/>
+                </a:srgbClr>
+              </a:gs>
+              <a:gs pos="100000">
+                <a:srgbClr val="000000">
+                  <a:alpha val="58000"/>
+                </a:srgbClr>
+              </a:gs>
+            </a:gsLst>
+            <a:lin ang="5400000" scaled="1"/>
+            <a:tileRect/>
+          </a:gradFill>
           <a:ln>
             <a:noFill/>
           </a:ln>
@@ -3591,33 +8755,64 @@
           <a:lstStyle/>
           <a:p>
             <a:pPr algn="ctr"/>
-            <a:endParaRPr lang="en-US" dirty="0">
-              <a:solidFill>
-                <a:schemeClr val="tx1">
-                  <a:lumMod val="65000"/>
-                  <a:lumOff val="35000"/>
-                </a:schemeClr>
-              </a:solidFill>
-              <a:latin typeface="AvenirNext LT Pro Medium" panose="020B0504020202020204" pitchFamily="34" charset="0"/>
-            </a:endParaRPr>
+            <a:endParaRPr lang="en-US"/>
           </a:p>
         </p:txBody>
       </p:sp>
       <p:sp>
         <p:nvSpPr>
-          <p:cNvPr id="11" name="Rectangle 10">
-            <a:extLst>
-              <a:ext uri="{FF2B5EF4-FFF2-40B4-BE49-F238E27FC236}">
-                <a16:creationId xmlns:a16="http://schemas.microsoft.com/office/drawing/2014/main" id="{5E4ECE80-3AD1-450C-B62A-98788F193948}"/>
+          <p:cNvPr id="2" name="Title 1">
+            <a:extLst>
+              <a:ext uri="{FF2B5EF4-FFF2-40B4-BE49-F238E27FC236}">
+                <a16:creationId xmlns:a16="http://schemas.microsoft.com/office/drawing/2014/main" id="{3902BF93-807C-DC44-ABE0-68559F46DC49}"/>
+              </a:ext>
+            </a:extLst>
+          </p:cNvPr>
+          <p:cNvSpPr>
+            <a:spLocks noGrp="1"/>
+          </p:cNvSpPr>
+          <p:nvPr>
+            <p:ph type="title"/>
+          </p:nvPr>
+        </p:nvSpPr>
+        <p:spPr>
+          <a:xfrm>
+            <a:off x="6743700" y="952500"/>
+            <a:ext cx="4800598" cy="2055558"/>
+          </a:xfrm>
+        </p:spPr>
+        <p:txBody>
+          <a:bodyPr vert="horz" lIns="91440" tIns="45720" rIns="91440" bIns="45720" rtlCol="0" anchor="t">
+            <a:normAutofit/>
+          </a:bodyPr>
+          <a:lstStyle/>
+          <a:p>
+            <a:r>
+              <a:rPr lang="en-US" sz="4400" b="1">
+                <a:solidFill>
+                  <a:srgbClr val="FFFFFF"/>
+                </a:solidFill>
+              </a:rPr>
+              <a:t>Благодаря за вниманието!</a:t>
+            </a:r>
+          </a:p>
+        </p:txBody>
+      </p:sp>
+      <p:cxnSp>
+        <p:nvCxnSpPr>
+          <p:cNvPr id="16" name="Straight Connector 15">
+            <a:extLst>
+              <a:ext uri="{FF2B5EF4-FFF2-40B4-BE49-F238E27FC236}">
+                <a16:creationId xmlns:a16="http://schemas.microsoft.com/office/drawing/2014/main" id="{0632DC5A-0728-490F-8655-6B437782704C}"/>
               </a:ext>
               <a:ext uri="{C183D7F6-B498-43B3-948B-1728B52AA6E4}">
                 <adec:decorative xmlns:adec="http://schemas.microsoft.com/office/drawing/2017/decorative" val="1"/>
               </a:ext>
             </a:extLst>
           </p:cNvPr>
-          <p:cNvSpPr>
-            <a:spLocks noGrp="1" noRot="1" noChangeAspect="1" noMove="1" noResize="1" noEditPoints="1" noAdjustHandles="1" noChangeArrowheads="1" noChangeShapeType="1" noTextEdit="1"/>
-          </p:cNvSpPr>
+          <p:cNvCxnSpPr>
+            <a:cxnSpLocks noGrp="1" noRot="1" noChangeAspect="1" noMove="1" noResize="1" noEditPoints="1" noAdjustHandles="1" noChangeArrowheads="1" noChangeShapeType="1"/>
+          </p:cNvCxnSpPr>
           <p:nvPr>
             <p:extLst>
               <p:ext uri="{386F3935-93C4-4BCD-93E2-E3B085C9AB24}">
@@ -3625,220 +8820,242 @@
               </p:ext>
             </p:extLst>
           </p:nvPr>
-        </p:nvSpPr>
+        </p:nvCxnSpPr>
         <p:spPr>
           <a:xfrm>
-            <a:off x="0" y="0"/>
-            <a:ext cx="12192000" cy="6858000"/>
+            <a:off x="643467" y="678719"/>
+            <a:ext cx="10905066" cy="0"/>
           </a:xfrm>
-          <a:prstGeom prst="rect">
+          <a:prstGeom prst="line">
             <a:avLst/>
           </a:prstGeom>
-          <a:solidFill>
-            <a:srgbClr val="000000"/>
-          </a:solidFill>
-          <a:ln>
-            <a:noFill/>
+          <a:ln w="38100">
+            <a:solidFill>
+              <a:srgbClr val="FFFFFF"/>
+            </a:solidFill>
           </a:ln>
         </p:spPr>
         <p:style>
-          <a:lnRef idx="2">
-            <a:schemeClr val="accent1">
-              <a:shade val="50000"/>
-            </a:schemeClr>
+          <a:lnRef idx="1">
+            <a:schemeClr val="accent1"/>
           </a:lnRef>
-          <a:fillRef idx="1">
+          <a:fillRef idx="0">
             <a:schemeClr val="accent1"/>
           </a:fillRef>
           <a:effectRef idx="0">
             <a:schemeClr val="accent1"/>
           </a:effectRef>
           <a:fontRef idx="minor">
-            <a:schemeClr val="lt1"/>
+            <a:schemeClr val="tx1"/>
           </a:fontRef>
         </p:style>
-        <p:txBody>
-          <a:bodyPr rtlCol="0" anchor="ctr"/>
-          <a:lstStyle/>
-          <a:p>
-            <a:pPr algn="ctr"/>
-            <a:endParaRPr lang="en-US" dirty="0">
-              <a:solidFill>
-                <a:schemeClr val="tx1">
-                  <a:lumMod val="65000"/>
-                  <a:lumOff val="35000"/>
-                </a:schemeClr>
-              </a:solidFill>
-              <a:latin typeface="AvenirNext LT Pro Medium" panose="020B0504020202020204" pitchFamily="34" charset="0"/>
-            </a:endParaRPr>
-          </a:p>
-        </p:txBody>
-      </p:sp>
-      <p:pic>
-        <p:nvPicPr>
-          <p:cNvPr id="4" name="Picture 3" descr="Top view of wood desk with the plant, white keyboard, coffee in a white mug, notebook, and pen">
-            <a:extLst>
-              <a:ext uri="{FF2B5EF4-FFF2-40B4-BE49-F238E27FC236}">
-                <a16:creationId xmlns:a16="http://schemas.microsoft.com/office/drawing/2014/main" id="{C525620E-71B9-8532-DFD1-270E112985F3}"/>
-              </a:ext>
-            </a:extLst>
-          </p:cNvPr>
-          <p:cNvPicPr>
-            <a:picLocks noChangeAspect="1"/>
-          </p:cNvPicPr>
-          <p:nvPr/>
-        </p:nvPicPr>
-        <p:blipFill rotWithShape="1">
-          <a:blip r:embed="rId2">
-            <a:alphaModFix amt="60000"/>
-          </a:blip>
-          <a:srcRect t="1797" r="-1" b="15172"/>
-          <a:stretch/>
-        </p:blipFill>
+      </p:cxnSp>
+      <p:cxnSp>
+        <p:nvCxnSpPr>
+          <p:cNvPr id="18" name="Straight Connector 17">
+            <a:extLst>
+              <a:ext uri="{FF2B5EF4-FFF2-40B4-BE49-F238E27FC236}">
+                <a16:creationId xmlns:a16="http://schemas.microsoft.com/office/drawing/2014/main" id="{28BB1F6D-CF9C-422D-9324-C46415BB9D7D}"/>
+              </a:ext>
+              <a:ext uri="{C183D7F6-B498-43B3-948B-1728B52AA6E4}">
+                <adec:decorative xmlns:adec="http://schemas.microsoft.com/office/drawing/2017/decorative" val="1"/>
+              </a:ext>
+            </a:extLst>
+          </p:cNvPr>
+          <p:cNvCxnSpPr>
+            <a:cxnSpLocks noGrp="1" noRot="1" noChangeAspect="1" noMove="1" noResize="1" noEditPoints="1" noAdjustHandles="1" noChangeArrowheads="1" noChangeShapeType="1"/>
+          </p:cNvCxnSpPr>
+          <p:nvPr>
+            <p:extLst>
+              <p:ext uri="{386F3935-93C4-4BCD-93E2-E3B085C9AB24}">
+                <p16:designElem xmlns:p16="http://schemas.microsoft.com/office/powerpoint/2015/main" val="1"/>
+              </p:ext>
+            </p:extLst>
+          </p:nvPr>
+        </p:nvCxnSpPr>
         <p:spPr>
           <a:xfrm>
-            <a:off x="3048" y="10"/>
-            <a:ext cx="12188952" cy="6856614"/>
+            <a:off x="643467" y="6309695"/>
+            <a:ext cx="10905066" cy="0"/>
           </a:xfrm>
-          <a:prstGeom prst="rect">
+          <a:prstGeom prst="line">
             <a:avLst/>
           </a:prstGeom>
+          <a:ln w="6350">
+            <a:solidFill>
+              <a:srgbClr val="FFFFFF"/>
+            </a:solidFill>
+          </a:ln>
         </p:spPr>
-      </p:pic>
-      <p:sp>
-        <p:nvSpPr>
-          <p:cNvPr id="2" name="Title 1">
-            <a:extLst>
-              <a:ext uri="{FF2B5EF4-FFF2-40B4-BE49-F238E27FC236}">
-                <a16:creationId xmlns:a16="http://schemas.microsoft.com/office/drawing/2014/main" id="{67008138-17EE-BAA8-BA4D-B676389AA874}"/>
-              </a:ext>
-            </a:extLst>
-          </p:cNvPr>
-          <p:cNvSpPr>
-            <a:spLocks noGrp="1"/>
-          </p:cNvSpPr>
-          <p:nvPr>
-            <p:ph type="ctrTitle"/>
-          </p:nvPr>
-        </p:nvSpPr>
-        <p:spPr>
-          <a:xfrm>
-            <a:off x="996275" y="744909"/>
-            <a:ext cx="10190071" cy="3145855"/>
-          </a:xfrm>
-        </p:spPr>
-        <p:txBody>
-          <a:bodyPr anchor="b">
-            <a:normAutofit/>
-          </a:bodyPr>
-          <a:lstStyle/>
-          <a:p>
-            <a:endParaRPr lang="en-AE" sz="5200">
-              <a:solidFill>
-                <a:srgbClr val="FFFFFF"/>
-              </a:solidFill>
-            </a:endParaRPr>
-          </a:p>
-        </p:txBody>
-      </p:sp>
-      <p:sp>
-        <p:nvSpPr>
-          <p:cNvPr id="3" name="Subtitle 2">
-            <a:extLst>
-              <a:ext uri="{FF2B5EF4-FFF2-40B4-BE49-F238E27FC236}">
-                <a16:creationId xmlns:a16="http://schemas.microsoft.com/office/drawing/2014/main" id="{D8266671-B273-4051-73C6-17FFC97855C0}"/>
-              </a:ext>
-            </a:extLst>
-          </p:cNvPr>
-          <p:cNvSpPr>
-            <a:spLocks noGrp="1"/>
-          </p:cNvSpPr>
-          <p:nvPr>
-            <p:ph type="subTitle" idx="1"/>
-          </p:nvPr>
-        </p:nvSpPr>
-        <p:spPr>
-          <a:xfrm>
-            <a:off x="1218708" y="4069780"/>
-            <a:ext cx="9781327" cy="2056617"/>
-          </a:xfrm>
-        </p:spPr>
-        <p:txBody>
-          <a:bodyPr anchor="t">
-            <a:normAutofit/>
-          </a:bodyPr>
-          <a:lstStyle/>
-          <a:p>
-            <a:endParaRPr lang="en-AE" sz="2200">
-              <a:solidFill>
-                <a:srgbClr val="FFFFFF"/>
-              </a:solidFill>
-            </a:endParaRPr>
-          </a:p>
-        </p:txBody>
-      </p:sp>
+        <p:style>
+          <a:lnRef idx="1">
+            <a:schemeClr val="accent1"/>
+          </a:lnRef>
+          <a:fillRef idx="0">
+            <a:schemeClr val="accent1"/>
+          </a:fillRef>
+          <a:effectRef idx="0">
+            <a:schemeClr val="accent1"/>
+          </a:effectRef>
+          <a:fontRef idx="minor">
+            <a:schemeClr val="tx1"/>
+          </a:fontRef>
+        </p:style>
+      </p:cxnSp>
     </p:spTree>
     <p:extLst>
       <p:ext uri="{BB962C8B-B14F-4D97-AF65-F5344CB8AC3E}">
-        <p14:creationId xmlns:p14="http://schemas.microsoft.com/office/powerpoint/2010/main" val="1978013669"/>
+        <p14:creationId xmlns:p14="http://schemas.microsoft.com/office/powerpoint/2010/main" val="669556479"/>
       </p:ext>
     </p:extLst>
   </p:cSld>
   <p:clrMapOvr>
     <a:masterClrMapping/>
   </p:clrMapOvr>
+  <p:timing>
+    <p:tnLst>
+      <p:par>
+        <p:cTn id="1" dur="indefinite" restart="never" nodeType="tmRoot">
+          <p:childTnLst>
+            <p:seq concurrent="1" nextAc="seek">
+              <p:cTn id="2" dur="indefinite" nodeType="mainSeq">
+                <p:childTnLst>
+                  <p:par>
+                    <p:cTn id="3" fill="hold">
+                      <p:stCondLst>
+                        <p:cond delay="indefinite"/>
+                        <p:cond evt="onBegin" delay="0">
+                          <p:tn val="2"/>
+                        </p:cond>
+                      </p:stCondLst>
+                      <p:childTnLst>
+                        <p:par>
+                          <p:cTn id="4" fill="hold">
+                            <p:stCondLst>
+                              <p:cond delay="0"/>
+                            </p:stCondLst>
+                            <p:childTnLst>
+                              <p:par>
+                                <p:cTn id="5" presetID="10" presetClass="entr" presetSubtype="0" fill="hold" grpId="0" nodeType="withEffect">
+                                  <p:stCondLst>
+                                    <p:cond delay="1000"/>
+                                  </p:stCondLst>
+                                  <p:iterate type="lt">
+                                    <p:tmPct val="10000"/>
+                                  </p:iterate>
+                                  <p:childTnLst>
+                                    <p:set>
+                                      <p:cBhvr>
+                                        <p:cTn id="6" dur="1" fill="hold">
+                                          <p:stCondLst>
+                                            <p:cond delay="0"/>
+                                          </p:stCondLst>
+                                        </p:cTn>
+                                        <p:tgtEl>
+                                          <p:spTgt spid="2"/>
+                                        </p:tgtEl>
+                                        <p:attrNameLst>
+                                          <p:attrName>style.visibility</p:attrName>
+                                        </p:attrNameLst>
+                                      </p:cBhvr>
+                                      <p:to>
+                                        <p:strVal val="visible"/>
+                                      </p:to>
+                                    </p:set>
+                                    <p:animEffect transition="in" filter="fade">
+                                      <p:cBhvr>
+                                        <p:cTn id="7" dur="400"/>
+                                        <p:tgtEl>
+                                          <p:spTgt spid="2"/>
+                                        </p:tgtEl>
+                                      </p:cBhvr>
+                                    </p:animEffect>
+                                  </p:childTnLst>
+                                </p:cTn>
+                              </p:par>
+                            </p:childTnLst>
+                          </p:cTn>
+                        </p:par>
+                      </p:childTnLst>
+                    </p:cTn>
+                  </p:par>
+                </p:childTnLst>
+              </p:cTn>
+              <p:prevCondLst>
+                <p:cond evt="onPrev" delay="0">
+                  <p:tgtEl>
+                    <p:sldTgt/>
+                  </p:tgtEl>
+                </p:cond>
+              </p:prevCondLst>
+              <p:nextCondLst>
+                <p:cond evt="onNext" delay="0">
+                  <p:tgtEl>
+                    <p:sldTgt/>
+                  </p:tgtEl>
+                </p:cond>
+              </p:nextCondLst>
+            </p:seq>
+          </p:childTnLst>
+        </p:cTn>
+      </p:par>
+    </p:tnLst>
+    <p:bldLst>
+      <p:bldP spid="2" grpId="0"/>
+    </p:bldLst>
+  </p:timing>
 </p:sld>
 </file>
 
 <file path=ppt/theme/theme1.xml><?xml version="1.0" encoding="utf-8"?>
-<a:theme xmlns:a="http://schemas.openxmlformats.org/drawingml/2006/main" name="DappledVTI">
+<a:theme xmlns:a="http://schemas.openxmlformats.org/drawingml/2006/main" name="TribuneVTI">
   <a:themeElements>
-    <a:clrScheme name="AnalogousFromDarkSeedLeftStep">
+    <a:clrScheme name="amasis">
       <a:dk1>
-        <a:srgbClr val="000000"/>
+        <a:sysClr val="windowText" lastClr="000000"/>
       </a:dk1>
       <a:lt1>
-        <a:srgbClr val="FFFFFF"/>
+        <a:sysClr val="window" lastClr="FFFFFF"/>
       </a:lt1>
       <a:dk2>
-        <a:srgbClr val="412E24"/>
+        <a:srgbClr val="470401"/>
       </a:dk2>
       <a:lt2>
-        <a:srgbClr val="E8E2E8"/>
+        <a:srgbClr val="EBE2E2"/>
       </a:lt2>
       <a:accent1>
-        <a:srgbClr val="47B547"/>
+        <a:srgbClr val="BD1209"/>
       </a:accent1>
       <a:accent2>
-        <a:srgbClr val="6CB13B"/>
+        <a:srgbClr val="F40600"/>
       </a:accent2>
       <a:accent3>
-        <a:srgbClr val="98A942"/>
+        <a:srgbClr val="F26216"/>
       </a:accent3>
       <a:accent4>
-        <a:srgbClr val="B1933B"/>
+        <a:srgbClr val="F0800D"/>
       </a:accent4>
       <a:accent5>
-        <a:srgbClr val="C3744D"/>
+        <a:srgbClr val="3EA8B6"/>
       </a:accent5>
       <a:accent6>
-        <a:srgbClr val="B13B45"/>
+        <a:srgbClr val="005B6B"/>
       </a:accent6>
       <a:hlink>
-        <a:srgbClr val="AF743A"/>
+        <a:srgbClr val="F40600"/>
       </a:hlink>
       <a:folHlink>
-        <a:srgbClr val="7F7F7F"/>
+        <a:srgbClr val="1C7E8E"/>
       </a:folHlink>
     </a:clrScheme>
-    <a:fontScheme name="Custom 67">
+    <a:fontScheme name="Amasis-Univers">
       <a:majorFont>
-        <a:latin typeface="Sabon Next LT"/>
+        <a:latin typeface="Amasis MT Pro Medium"/>
         <a:ea typeface=""/>
         <a:cs typeface=""/>
       </a:majorFont>
       <a:minorFont>
-        <a:latin typeface="Avenir Next LT Pro"/>
+        <a:latin typeface="Univers Light"/>
         <a:ea typeface=""/>
         <a:cs typeface=""/>
       </a:minorFont>
@@ -3985,7 +9202,7 @@
   <a:extraClrSchemeLst/>
   <a:extLst>
     <a:ext uri="{05A4C25C-085E-4340-85A3-A5531E510DB2}">
-      <thm15:themeFamily xmlns:thm15="http://schemas.microsoft.com/office/thememl/2012/main" name="DappledVTI" id="{204FEFAB-F02B-4FE8-B509-C50A618B972D}" vid="{7EAEADA8-5A8E-45B2-B0E4-448EC7E7A94F}"/>
+      <thm15:themeFamily xmlns:thm15="http://schemas.microsoft.com/office/thememl/2012/main" name="TribuneVTI" id="{4D84C650-59FC-4F6B-ADA6-B11C508FF6CE}" vid="{0E07EAE6-ACBC-4250-8522-FC108A45043A}"/>
     </a:ext>
   </a:extLst>
 </a:theme>

--- a/year 1 sem 2 Applied Informatics/Course Project/Project Presentation.pptx
+++ b/year 1 sem 2 Applied Informatics/Course Project/Project Presentation.pptx
@@ -926,10 +926,10 @@
         <a:lstStyle/>
         <a:p>
           <a:r>
-            <a:rPr lang="bg-BG"/>
+            <a:rPr lang="bg-BG" dirty="0"/>
             <a:t>Първи стъпки в технологиите</a:t>
           </a:r>
-          <a:endParaRPr lang="en-US"/>
+          <a:endParaRPr lang="en-US" dirty="0"/>
         </a:p>
       </dgm:t>
     </dgm:pt>
@@ -963,10 +963,10 @@
         <a:lstStyle/>
         <a:p>
           <a:r>
-            <a:rPr lang="bg-BG"/>
+            <a:rPr lang="bg-BG" dirty="0"/>
             <a:t>Какво ме подтикна към технологиите?</a:t>
           </a:r>
-          <a:endParaRPr lang="en-US"/>
+          <a:endParaRPr lang="en-US" dirty="0"/>
         </a:p>
       </dgm:t>
     </dgm:pt>
@@ -1000,10 +1000,10 @@
         <a:lstStyle/>
         <a:p>
           <a:r>
-            <a:rPr lang="bg-BG"/>
+            <a:rPr lang="bg-BG" dirty="0"/>
             <a:t>Първи стъпки в програмирането</a:t>
           </a:r>
-          <a:endParaRPr lang="en-US"/>
+          <a:endParaRPr lang="en-US" dirty="0"/>
         </a:p>
       </dgm:t>
     </dgm:pt>
@@ -1037,10 +1037,10 @@
         <a:lstStyle/>
         <a:p>
           <a:r>
-            <a:rPr lang="bg-BG"/>
+            <a:rPr lang="bg-BG" dirty="0"/>
             <a:t>Защо програмиране и софтуерно инженерство?</a:t>
           </a:r>
-          <a:endParaRPr lang="en-US"/>
+          <a:endParaRPr lang="en-US" dirty="0"/>
         </a:p>
       </dgm:t>
     </dgm:pt>
@@ -1419,10 +1419,10 @@
             <a:buNone/>
           </a:pPr>
           <a:r>
-            <a:rPr lang="bg-BG" sz="3600" kern="1200"/>
+            <a:rPr lang="bg-BG" sz="3600" kern="1200" dirty="0"/>
             <a:t>Първи стъпки в технологиите</a:t>
           </a:r>
-          <a:endParaRPr lang="en-US" sz="3600" kern="1200"/>
+          <a:endParaRPr lang="en-US" sz="3600" kern="1200" dirty="0"/>
         </a:p>
       </dsp:txBody>
       <dsp:txXfrm>
@@ -1530,10 +1530,10 @@
             <a:buNone/>
           </a:pPr>
           <a:r>
-            <a:rPr lang="bg-BG" sz="3600" kern="1200"/>
+            <a:rPr lang="bg-BG" sz="3600" kern="1200" dirty="0"/>
             <a:t>Какво ме подтикна към технологиите?</a:t>
           </a:r>
-          <a:endParaRPr lang="en-US" sz="3600" kern="1200"/>
+          <a:endParaRPr lang="en-US" sz="3600" kern="1200" dirty="0"/>
         </a:p>
       </dsp:txBody>
       <dsp:txXfrm>
@@ -1641,10 +1641,10 @@
             <a:buNone/>
           </a:pPr>
           <a:r>
-            <a:rPr lang="bg-BG" sz="3600" kern="1200"/>
+            <a:rPr lang="bg-BG" sz="3600" kern="1200" dirty="0"/>
             <a:t>Първи стъпки в програмирането</a:t>
           </a:r>
-          <a:endParaRPr lang="en-US" sz="3600" kern="1200"/>
+          <a:endParaRPr lang="en-US" sz="3600" kern="1200" dirty="0"/>
         </a:p>
       </dsp:txBody>
       <dsp:txXfrm>
@@ -1752,10 +1752,10 @@
             <a:buNone/>
           </a:pPr>
           <a:r>
-            <a:rPr lang="bg-BG" sz="3600" kern="1200"/>
+            <a:rPr lang="bg-BG" sz="3600" kern="1200" dirty="0"/>
             <a:t>Защо програмиране и софтуерно инженерство?</a:t>
           </a:r>
-          <a:endParaRPr lang="en-US" sz="3600" kern="1200"/>
+          <a:endParaRPr lang="en-US" sz="3600" kern="1200" dirty="0"/>
         </a:p>
       </dsp:txBody>
       <dsp:txXfrm>
@@ -3418,7 +3418,7 @@
           <a:p>
             <a:fld id="{4CDE23C7-78A4-413A-A84B-93D4CC0A9EB1}" type="datetimeFigureOut">
               <a:rPr lang="en-US" smtClean="0"/>
-              <a:t>4/11/2024</a:t>
+              <a:t>4/12/2024</a:t>
             </a:fld>
             <a:endParaRPr lang="en-US"/>
           </a:p>
@@ -3621,7 +3621,7 @@
           <a:p>
             <a:fld id="{4CDE23C7-78A4-413A-A84B-93D4CC0A9EB1}" type="datetimeFigureOut">
               <a:rPr lang="en-US" smtClean="0"/>
-              <a:t>4/11/2024</a:t>
+              <a:t>4/12/2024</a:t>
             </a:fld>
             <a:endParaRPr lang="en-US"/>
           </a:p>
@@ -3829,7 +3829,7 @@
           <a:p>
             <a:fld id="{4CDE23C7-78A4-413A-A84B-93D4CC0A9EB1}" type="datetimeFigureOut">
               <a:rPr lang="en-US" smtClean="0"/>
-              <a:t>4/11/2024</a:t>
+              <a:t>4/12/2024</a:t>
             </a:fld>
             <a:endParaRPr lang="en-US"/>
           </a:p>
@@ -4027,7 +4027,7 @@
           <a:p>
             <a:fld id="{4CDE23C7-78A4-413A-A84B-93D4CC0A9EB1}" type="datetimeFigureOut">
               <a:rPr lang="en-US" smtClean="0"/>
-              <a:t>4/11/2024</a:t>
+              <a:t>4/12/2024</a:t>
             </a:fld>
             <a:endParaRPr lang="en-US"/>
           </a:p>
@@ -4304,7 +4304,7 @@
           <a:p>
             <a:fld id="{4CDE23C7-78A4-413A-A84B-93D4CC0A9EB1}" type="datetimeFigureOut">
               <a:rPr lang="en-US" smtClean="0"/>
-              <a:t>4/11/2024</a:t>
+              <a:t>4/12/2024</a:t>
             </a:fld>
             <a:endParaRPr lang="en-US"/>
           </a:p>
@@ -4569,7 +4569,7 @@
           <a:p>
             <a:fld id="{4CDE23C7-78A4-413A-A84B-93D4CC0A9EB1}" type="datetimeFigureOut">
               <a:rPr lang="en-US" smtClean="0"/>
-              <a:t>4/11/2024</a:t>
+              <a:t>4/12/2024</a:t>
             </a:fld>
             <a:endParaRPr lang="en-US"/>
           </a:p>
@@ -4985,7 +4985,7 @@
           <a:p>
             <a:fld id="{4CDE23C7-78A4-413A-A84B-93D4CC0A9EB1}" type="datetimeFigureOut">
               <a:rPr lang="en-US" smtClean="0"/>
-              <a:t>4/11/2024</a:t>
+              <a:t>4/12/2024</a:t>
             </a:fld>
             <a:endParaRPr lang="en-US"/>
           </a:p>
@@ -5126,7 +5126,7 @@
           <a:p>
             <a:fld id="{4CDE23C7-78A4-413A-A84B-93D4CC0A9EB1}" type="datetimeFigureOut">
               <a:rPr lang="en-US" smtClean="0"/>
-              <a:t>4/11/2024</a:t>
+              <a:t>4/12/2024</a:t>
             </a:fld>
             <a:endParaRPr lang="en-US"/>
           </a:p>
@@ -5239,7 +5239,7 @@
           <a:p>
             <a:fld id="{4CDE23C7-78A4-413A-A84B-93D4CC0A9EB1}" type="datetimeFigureOut">
               <a:rPr lang="en-US" smtClean="0"/>
-              <a:t>4/11/2024</a:t>
+              <a:t>4/12/2024</a:t>
             </a:fld>
             <a:endParaRPr lang="en-US"/>
           </a:p>
@@ -5550,7 +5550,7 @@
           <a:p>
             <a:fld id="{4CDE23C7-78A4-413A-A84B-93D4CC0A9EB1}" type="datetimeFigureOut">
               <a:rPr lang="en-US" smtClean="0"/>
-              <a:t>4/11/2024</a:t>
+              <a:t>4/12/2024</a:t>
             </a:fld>
             <a:endParaRPr lang="en-US"/>
           </a:p>
@@ -5838,7 +5838,7 @@
           <a:p>
             <a:fld id="{4CDE23C7-78A4-413A-A84B-93D4CC0A9EB1}" type="datetimeFigureOut">
               <a:rPr lang="en-US" smtClean="0"/>
-              <a:t>4/11/2024</a:t>
+              <a:t>4/12/2024</a:t>
             </a:fld>
             <a:endParaRPr lang="en-US"/>
           </a:p>
@@ -6078,7 +6078,7 @@
             <a:fld id="{4CDE23C7-78A4-413A-A84B-93D4CC0A9EB1}" type="datetimeFigureOut">
               <a:rPr lang="en-US" smtClean="0"/>
               <a:pPr/>
-              <a:t>4/11/2024</a:t>
+              <a:t>4/12/2024</a:t>
             </a:fld>
             <a:endParaRPr lang="en-US" dirty="0"/>
           </a:p>
@@ -6773,13 +6773,13 @@
         </p:nvSpPr>
         <p:spPr>
           <a:xfrm>
-            <a:off x="548640" y="952500"/>
-            <a:ext cx="5266944" cy="1388364"/>
+            <a:off x="643467" y="998219"/>
+            <a:ext cx="6141381" cy="1562099"/>
           </a:xfrm>
         </p:spPr>
         <p:txBody>
           <a:bodyPr>
-            <a:normAutofit/>
+            <a:normAutofit fontScale="90000"/>
           </a:bodyPr>
           <a:lstStyle/>
           <a:p>
@@ -6792,6 +6792,34 @@
                 <a:cs typeface="Times New Roman" panose="02020603050405020304" pitchFamily="18" charset="0"/>
               </a:rPr>
               <a:t>Виктор Методиев</a:t>
+            </a:r>
+            <a:br>
+              <a:rPr lang="bg-BG" b="1" dirty="0">
+                <a:solidFill>
+                  <a:srgbClr val="FFFFFF"/>
+                </a:solidFill>
+                <a:latin typeface="Times New Roman" panose="02020603050405020304" pitchFamily="18" charset="0"/>
+                <a:cs typeface="Times New Roman" panose="02020603050405020304" pitchFamily="18" charset="0"/>
+              </a:rPr>
+            </a:br>
+            <a:br>
+              <a:rPr lang="bg-BG" b="1" dirty="0">
+                <a:solidFill>
+                  <a:srgbClr val="FFFFFF"/>
+                </a:solidFill>
+                <a:latin typeface="Times New Roman" panose="02020603050405020304" pitchFamily="18" charset="0"/>
+                <a:cs typeface="Times New Roman" panose="02020603050405020304" pitchFamily="18" charset="0"/>
+              </a:rPr>
+            </a:br>
+            <a:r>
+              <a:rPr lang="bg-BG" b="1" dirty="0">
+                <a:solidFill>
+                  <a:srgbClr val="FFFFFF"/>
+                </a:solidFill>
+                <a:latin typeface="Times New Roman" panose="02020603050405020304" pitchFamily="18" charset="0"/>
+                <a:cs typeface="Times New Roman" panose="02020603050405020304" pitchFamily="18" charset="0"/>
+              </a:rPr>
+              <a:t>Курсов Проект по Приложна Информатика</a:t>
             </a:r>
             <a:endParaRPr lang="en-AE" b="1" dirty="0">
               <a:solidFill>
